--- a/Topic B Programming Introduction/B.3 Lesson - Python Control Basics.pptx
+++ b/Topic B Programming Introduction/B.3 Lesson - Python Control Basics.pptx
@@ -7,15 +7,18 @@
   <p:sldIdLst>
     <p:sldId id="256" r:id="rId2"/>
     <p:sldId id="257" r:id="rId3"/>
-    <p:sldId id="259" r:id="rId4"/>
-    <p:sldId id="258" r:id="rId5"/>
-    <p:sldId id="260" r:id="rId6"/>
-    <p:sldId id="261" r:id="rId7"/>
-    <p:sldId id="262" r:id="rId8"/>
-    <p:sldId id="263" r:id="rId9"/>
-    <p:sldId id="264" r:id="rId10"/>
-    <p:sldId id="265" r:id="rId11"/>
-    <p:sldId id="266" r:id="rId12"/>
+    <p:sldId id="269" r:id="rId4"/>
+    <p:sldId id="270" r:id="rId5"/>
+    <p:sldId id="259" r:id="rId6"/>
+    <p:sldId id="271" r:id="rId7"/>
+    <p:sldId id="272" r:id="rId8"/>
+    <p:sldId id="260" r:id="rId9"/>
+    <p:sldId id="262" r:id="rId10"/>
+    <p:sldId id="273" r:id="rId11"/>
+    <p:sldId id="265" r:id="rId12"/>
+    <p:sldId id="266" r:id="rId13"/>
+    <p:sldId id="263" r:id="rId14"/>
+    <p:sldId id="264" r:id="rId15"/>
   </p:sldIdLst>
   <p:sldSz cx="9144000" cy="6858000" type="screen4x3"/>
   <p:notesSz cx="6858000" cy="9144000"/>
@@ -114,6 +117,11 @@
       </a:defRPr>
     </a:lvl9pPr>
   </p:defaultTextStyle>
+  <p:extLst>
+    <p:ext uri="{EFAFB233-063F-42B5-8137-9DF3F51BA10A}">
+      <p15:sldGuideLst xmlns:p15="http://schemas.microsoft.com/office/powerpoint/2012/main"/>
+    </p:ext>
+  </p:extLst>
 </p:presentation>
 </file>
 
@@ -248,7 +256,7 @@
           <a:p>
             <a:fld id="{033E5389-43CE-4475-8AC5-F7A03157C002}" type="datetimeFigureOut">
               <a:rPr lang="en-US" smtClean="0"/>
-              <a:t>9/17/2019</a:t>
+              <a:t>9/19/2019</a:t>
             </a:fld>
             <a:endParaRPr lang="en-US"/>
           </a:p>
@@ -418,7 +426,7 @@
           <a:p>
             <a:fld id="{033E5389-43CE-4475-8AC5-F7A03157C002}" type="datetimeFigureOut">
               <a:rPr lang="en-US" smtClean="0"/>
-              <a:t>9/17/2019</a:t>
+              <a:t>9/19/2019</a:t>
             </a:fld>
             <a:endParaRPr lang="en-US"/>
           </a:p>
@@ -598,7 +606,7 @@
           <a:p>
             <a:fld id="{033E5389-43CE-4475-8AC5-F7A03157C002}" type="datetimeFigureOut">
               <a:rPr lang="en-US" smtClean="0"/>
-              <a:t>9/17/2019</a:t>
+              <a:t>9/19/2019</a:t>
             </a:fld>
             <a:endParaRPr lang="en-US"/>
           </a:p>
@@ -768,7 +776,7 @@
           <a:p>
             <a:fld id="{033E5389-43CE-4475-8AC5-F7A03157C002}" type="datetimeFigureOut">
               <a:rPr lang="en-US" smtClean="0"/>
-              <a:t>9/17/2019</a:t>
+              <a:t>9/19/2019</a:t>
             </a:fld>
             <a:endParaRPr lang="en-US"/>
           </a:p>
@@ -1012,7 +1020,7 @@
           <a:p>
             <a:fld id="{033E5389-43CE-4475-8AC5-F7A03157C002}" type="datetimeFigureOut">
               <a:rPr lang="en-US" smtClean="0"/>
-              <a:t>9/17/2019</a:t>
+              <a:t>9/19/2019</a:t>
             </a:fld>
             <a:endParaRPr lang="en-US"/>
           </a:p>
@@ -1244,7 +1252,7 @@
           <a:p>
             <a:fld id="{033E5389-43CE-4475-8AC5-F7A03157C002}" type="datetimeFigureOut">
               <a:rPr lang="en-US" smtClean="0"/>
-              <a:t>9/17/2019</a:t>
+              <a:t>9/19/2019</a:t>
             </a:fld>
             <a:endParaRPr lang="en-US"/>
           </a:p>
@@ -1611,7 +1619,7 @@
           <a:p>
             <a:fld id="{033E5389-43CE-4475-8AC5-F7A03157C002}" type="datetimeFigureOut">
               <a:rPr lang="en-US" smtClean="0"/>
-              <a:t>9/17/2019</a:t>
+              <a:t>9/19/2019</a:t>
             </a:fld>
             <a:endParaRPr lang="en-US"/>
           </a:p>
@@ -1729,7 +1737,7 @@
           <a:p>
             <a:fld id="{033E5389-43CE-4475-8AC5-F7A03157C002}" type="datetimeFigureOut">
               <a:rPr lang="en-US" smtClean="0"/>
-              <a:t>9/17/2019</a:t>
+              <a:t>9/19/2019</a:t>
             </a:fld>
             <a:endParaRPr lang="en-US"/>
           </a:p>
@@ -1824,7 +1832,7 @@
           <a:p>
             <a:fld id="{033E5389-43CE-4475-8AC5-F7A03157C002}" type="datetimeFigureOut">
               <a:rPr lang="en-US" smtClean="0"/>
-              <a:t>9/17/2019</a:t>
+              <a:t>9/19/2019</a:t>
             </a:fld>
             <a:endParaRPr lang="en-US"/>
           </a:p>
@@ -2101,7 +2109,7 @@
           <a:p>
             <a:fld id="{033E5389-43CE-4475-8AC5-F7A03157C002}" type="datetimeFigureOut">
               <a:rPr lang="en-US" smtClean="0"/>
-              <a:t>9/17/2019</a:t>
+              <a:t>9/19/2019</a:t>
             </a:fld>
             <a:endParaRPr lang="en-US"/>
           </a:p>
@@ -2358,7 +2366,7 @@
           <a:p>
             <a:fld id="{033E5389-43CE-4475-8AC5-F7A03157C002}" type="datetimeFigureOut">
               <a:rPr lang="en-US" smtClean="0"/>
-              <a:t>9/17/2019</a:t>
+              <a:t>9/19/2019</a:t>
             </a:fld>
             <a:endParaRPr lang="en-US"/>
           </a:p>
@@ -2571,7 +2579,7 @@
           <a:p>
             <a:fld id="{033E5389-43CE-4475-8AC5-F7A03157C002}" type="datetimeFigureOut">
               <a:rPr lang="en-US" smtClean="0"/>
-              <a:t>9/17/2019</a:t>
+              <a:t>9/19/2019</a:t>
             </a:fld>
             <a:endParaRPr lang="en-US"/>
           </a:p>
@@ -3067,11 +3075,7 @@
           <a:bodyPr/>
           <a:lstStyle/>
           <a:p>
-            <a:r>
-              <a:rPr lang="en-CA" dirty="0" smtClean="0"/>
-              <a:t>Use Of Comments For Debugging</a:t>
-            </a:r>
-            <a:endParaRPr lang="en-US" dirty="0"/>
+            <a:endParaRPr lang="en-US"/>
           </a:p>
         </p:txBody>
       </p:sp>
@@ -3097,7 +3101,7 @@
     </p:spTree>
     <p:extLst>
       <p:ext uri="{BB962C8B-B14F-4D97-AF65-F5344CB8AC3E}">
-        <p14:creationId xmlns:p14="http://schemas.microsoft.com/office/powerpoint/2010/main" val="1307072331"/>
+        <p14:creationId xmlns:p14="http://schemas.microsoft.com/office/powerpoint/2010/main" val="2375883348"/>
       </p:ext>
     </p:extLst>
   </p:cSld>
@@ -3141,6 +3145,78 @@
           <a:p>
             <a:r>
               <a:rPr lang="en-CA" dirty="0" smtClean="0"/>
+              <a:t>Use Of Comments For Debugging</a:t>
+            </a:r>
+            <a:endParaRPr lang="en-US" dirty="0"/>
+          </a:p>
+        </p:txBody>
+      </p:sp>
+      <p:sp>
+        <p:nvSpPr>
+          <p:cNvPr id="3" name="Content Placeholder 2"/>
+          <p:cNvSpPr>
+            <a:spLocks noGrp="1"/>
+          </p:cNvSpPr>
+          <p:nvPr>
+            <p:ph idx="1"/>
+          </p:nvPr>
+        </p:nvSpPr>
+        <p:spPr/>
+        <p:txBody>
+          <a:bodyPr/>
+          <a:lstStyle/>
+          <a:p>
+            <a:endParaRPr lang="en-US"/>
+          </a:p>
+        </p:txBody>
+      </p:sp>
+    </p:spTree>
+    <p:extLst>
+      <p:ext uri="{BB962C8B-B14F-4D97-AF65-F5344CB8AC3E}">
+        <p14:creationId xmlns:p14="http://schemas.microsoft.com/office/powerpoint/2010/main" val="1307072331"/>
+      </p:ext>
+    </p:extLst>
+  </p:cSld>
+  <p:clrMapOvr>
+    <a:masterClrMapping/>
+  </p:clrMapOvr>
+</p:sld>
+</file>
+
+<file path=ppt/slides/slide12.xml><?xml version="1.0" encoding="utf-8"?>
+<p:sld xmlns:a="http://schemas.openxmlformats.org/drawingml/2006/main" xmlns:r="http://schemas.openxmlformats.org/officeDocument/2006/relationships" xmlns:p="http://schemas.openxmlformats.org/presentationml/2006/main">
+  <p:cSld>
+    <p:spTree>
+      <p:nvGrpSpPr>
+        <p:cNvPr id="1" name=""/>
+        <p:cNvGrpSpPr/>
+        <p:nvPr/>
+      </p:nvGrpSpPr>
+      <p:grpSpPr>
+        <a:xfrm>
+          <a:off x="0" y="0"/>
+          <a:ext cx="0" cy="0"/>
+          <a:chOff x="0" y="0"/>
+          <a:chExt cx="0" cy="0"/>
+        </a:xfrm>
+      </p:grpSpPr>
+      <p:sp>
+        <p:nvSpPr>
+          <p:cNvPr id="2" name="Title 1"/>
+          <p:cNvSpPr>
+            <a:spLocks noGrp="1"/>
+          </p:cNvSpPr>
+          <p:nvPr>
+            <p:ph type="title"/>
+          </p:nvPr>
+        </p:nvSpPr>
+        <p:spPr/>
+        <p:txBody>
+          <a:bodyPr/>
+          <a:lstStyle/>
+          <a:p>
+            <a:r>
+              <a:rPr lang="en-CA" dirty="0" smtClean="0"/>
               <a:t>Use Of Print For Debugging</a:t>
             </a:r>
             <a:endParaRPr lang="en-US" dirty="0"/>
@@ -3170,6 +3246,150 @@
     <p:extLst>
       <p:ext uri="{BB962C8B-B14F-4D97-AF65-F5344CB8AC3E}">
         <p14:creationId xmlns:p14="http://schemas.microsoft.com/office/powerpoint/2010/main" val="2969170581"/>
+      </p:ext>
+    </p:extLst>
+  </p:cSld>
+  <p:clrMapOvr>
+    <a:masterClrMapping/>
+  </p:clrMapOvr>
+</p:sld>
+</file>
+
+<file path=ppt/slides/slide13.xml><?xml version="1.0" encoding="utf-8"?>
+<p:sld xmlns:a="http://schemas.openxmlformats.org/drawingml/2006/main" xmlns:r="http://schemas.openxmlformats.org/officeDocument/2006/relationships" xmlns:p="http://schemas.openxmlformats.org/presentationml/2006/main">
+  <p:cSld>
+    <p:spTree>
+      <p:nvGrpSpPr>
+        <p:cNvPr id="1" name=""/>
+        <p:cNvGrpSpPr/>
+        <p:nvPr/>
+      </p:nvGrpSpPr>
+      <p:grpSpPr>
+        <a:xfrm>
+          <a:off x="0" y="0"/>
+          <a:ext cx="0" cy="0"/>
+          <a:chOff x="0" y="0"/>
+          <a:chExt cx="0" cy="0"/>
+        </a:xfrm>
+      </p:grpSpPr>
+      <p:sp>
+        <p:nvSpPr>
+          <p:cNvPr id="2" name="Title 1"/>
+          <p:cNvSpPr>
+            <a:spLocks noGrp="1"/>
+          </p:cNvSpPr>
+          <p:nvPr>
+            <p:ph type="title"/>
+          </p:nvPr>
+        </p:nvSpPr>
+        <p:spPr/>
+        <p:txBody>
+          <a:bodyPr/>
+          <a:lstStyle/>
+          <a:p>
+            <a:r>
+              <a:rPr lang="en-CA" dirty="0" smtClean="0"/>
+              <a:t>Counted Loop</a:t>
+            </a:r>
+            <a:endParaRPr lang="en-US" dirty="0"/>
+          </a:p>
+        </p:txBody>
+      </p:sp>
+      <p:sp>
+        <p:nvSpPr>
+          <p:cNvPr id="3" name="Content Placeholder 2"/>
+          <p:cNvSpPr>
+            <a:spLocks noGrp="1"/>
+          </p:cNvSpPr>
+          <p:nvPr>
+            <p:ph idx="1"/>
+          </p:nvPr>
+        </p:nvSpPr>
+        <p:spPr/>
+        <p:txBody>
+          <a:bodyPr/>
+          <a:lstStyle/>
+          <a:p>
+            <a:endParaRPr lang="en-US"/>
+          </a:p>
+        </p:txBody>
+      </p:sp>
+    </p:spTree>
+    <p:extLst>
+      <p:ext uri="{BB962C8B-B14F-4D97-AF65-F5344CB8AC3E}">
+        <p14:creationId xmlns:p14="http://schemas.microsoft.com/office/powerpoint/2010/main" val="1979795657"/>
+      </p:ext>
+    </p:extLst>
+  </p:cSld>
+  <p:clrMapOvr>
+    <a:masterClrMapping/>
+  </p:clrMapOvr>
+</p:sld>
+</file>
+
+<file path=ppt/slides/slide14.xml><?xml version="1.0" encoding="utf-8"?>
+<p:sld xmlns:a="http://schemas.openxmlformats.org/drawingml/2006/main" xmlns:r="http://schemas.openxmlformats.org/officeDocument/2006/relationships" xmlns:p="http://schemas.openxmlformats.org/presentationml/2006/main">
+  <p:cSld>
+    <p:spTree>
+      <p:nvGrpSpPr>
+        <p:cNvPr id="1" name=""/>
+        <p:cNvGrpSpPr/>
+        <p:nvPr/>
+      </p:nvGrpSpPr>
+      <p:grpSpPr>
+        <a:xfrm>
+          <a:off x="0" y="0"/>
+          <a:ext cx="0" cy="0"/>
+          <a:chOff x="0" y="0"/>
+          <a:chExt cx="0" cy="0"/>
+        </a:xfrm>
+      </p:grpSpPr>
+      <p:sp>
+        <p:nvSpPr>
+          <p:cNvPr id="2" name="Title 1"/>
+          <p:cNvSpPr>
+            <a:spLocks noGrp="1"/>
+          </p:cNvSpPr>
+          <p:nvPr>
+            <p:ph type="title"/>
+          </p:nvPr>
+        </p:nvSpPr>
+        <p:spPr/>
+        <p:txBody>
+          <a:bodyPr/>
+          <a:lstStyle/>
+          <a:p>
+            <a:r>
+              <a:rPr lang="en-CA" dirty="0" smtClean="0"/>
+              <a:t>Breaking A Loop Early</a:t>
+            </a:r>
+            <a:endParaRPr lang="en-US" dirty="0"/>
+          </a:p>
+        </p:txBody>
+      </p:sp>
+      <p:sp>
+        <p:nvSpPr>
+          <p:cNvPr id="3" name="Content Placeholder 2"/>
+          <p:cNvSpPr>
+            <a:spLocks noGrp="1"/>
+          </p:cNvSpPr>
+          <p:nvPr>
+            <p:ph idx="1"/>
+          </p:nvPr>
+        </p:nvSpPr>
+        <p:spPr/>
+        <p:txBody>
+          <a:bodyPr/>
+          <a:lstStyle/>
+          <a:p>
+            <a:endParaRPr lang="en-US"/>
+          </a:p>
+        </p:txBody>
+      </p:sp>
+    </p:spTree>
+    <p:extLst>
+      <p:ext uri="{BB962C8B-B14F-4D97-AF65-F5344CB8AC3E}">
+        <p14:creationId xmlns:p14="http://schemas.microsoft.com/office/powerpoint/2010/main" val="4226837260"/>
       </p:ext>
     </p:extLst>
   </p:cSld>
@@ -3229,15 +3449,364 @@
             <p:ph idx="1"/>
           </p:nvPr>
         </p:nvSpPr>
-        <p:spPr/>
-        <p:txBody>
-          <a:bodyPr/>
-          <a:lstStyle/>
-          <a:p>
-            <a:endParaRPr lang="en-US"/>
-          </a:p>
-        </p:txBody>
-      </p:sp>
+        <p:spPr>
+          <a:xfrm>
+            <a:off x="628650" y="1825625"/>
+            <a:ext cx="3783094" cy="4351338"/>
+          </a:xfrm>
+        </p:spPr>
+        <p:txBody>
+          <a:bodyPr>
+            <a:normAutofit/>
+          </a:bodyPr>
+          <a:lstStyle/>
+          <a:p>
+            <a:r>
+              <a:rPr lang="en-CA" sz="2000" dirty="0" smtClean="0"/>
+              <a:t>Computer Programs</a:t>
+            </a:r>
+          </a:p>
+          <a:p>
+            <a:pPr lvl="1"/>
+            <a:r>
+              <a:rPr lang="en-CA" sz="1800" dirty="0" smtClean="0"/>
+              <a:t>Need to make decisions</a:t>
+            </a:r>
+          </a:p>
+          <a:p>
+            <a:pPr lvl="1"/>
+            <a:r>
+              <a:rPr lang="en-CA" sz="1800" dirty="0" smtClean="0"/>
+              <a:t>Do different things based on those decisions</a:t>
+            </a:r>
+          </a:p>
+          <a:p>
+            <a:endParaRPr lang="en-CA" sz="2000" dirty="0"/>
+          </a:p>
+          <a:p>
+            <a:r>
+              <a:rPr lang="en-CA" sz="2000" dirty="0" smtClean="0"/>
+              <a:t>The "if" statement is used to provide decision control in computer programs.</a:t>
+            </a:r>
+          </a:p>
+          <a:p>
+            <a:endParaRPr lang="en-CA" sz="2000" dirty="0"/>
+          </a:p>
+          <a:p>
+            <a:r>
+              <a:rPr lang="en-CA" sz="2000" dirty="0" smtClean="0"/>
+              <a:t>Note the Syntax:</a:t>
+            </a:r>
+          </a:p>
+          <a:p>
+            <a:pPr lvl="1"/>
+            <a:r>
+              <a:rPr lang="en-CA" sz="1600" dirty="0" smtClean="0"/>
+              <a:t>Lowercase </a:t>
+            </a:r>
+            <a:r>
+              <a:rPr lang="en-CA" sz="1600" b="1" dirty="0" smtClean="0">
+                <a:solidFill>
+                  <a:srgbClr val="0070C0"/>
+                </a:solidFill>
+              </a:rPr>
+              <a:t>if</a:t>
+            </a:r>
+          </a:p>
+          <a:p>
+            <a:pPr lvl="1"/>
+            <a:r>
+              <a:rPr lang="en-CA" sz="1600" dirty="0" smtClean="0"/>
+              <a:t>Ending colon </a:t>
+            </a:r>
+            <a:r>
+              <a:rPr lang="en-CA" sz="1600" b="1" dirty="0" smtClean="0">
+                <a:solidFill>
+                  <a:srgbClr val="0070C0"/>
+                </a:solidFill>
+              </a:rPr>
+              <a:t>:</a:t>
+            </a:r>
+            <a:endParaRPr lang="en-US" sz="1600" b="1" dirty="0">
+              <a:solidFill>
+                <a:srgbClr val="0070C0"/>
+              </a:solidFill>
+            </a:endParaRPr>
+          </a:p>
+        </p:txBody>
+      </p:sp>
+      <p:sp>
+        <p:nvSpPr>
+          <p:cNvPr id="4" name="TextBox 3"/>
+          <p:cNvSpPr txBox="1"/>
+          <p:nvPr/>
+        </p:nvSpPr>
+        <p:spPr>
+          <a:xfrm>
+            <a:off x="4910432" y="1825625"/>
+            <a:ext cx="4036233" cy="2308324"/>
+          </a:xfrm>
+          <a:prstGeom prst="rect">
+            <a:avLst/>
+          </a:prstGeom>
+          <a:noFill/>
+        </p:spPr>
+        <p:txBody>
+          <a:bodyPr wrap="none" rtlCol="0">
+            <a:spAutoFit/>
+          </a:bodyPr>
+          <a:lstStyle/>
+          <a:p>
+            <a:r>
+              <a:rPr lang="en-US" b="1" u="sng" dirty="0" smtClean="0">
+                <a:latin typeface="Arial" panose="020B0604020202020204" pitchFamily="34" charset="0"/>
+                <a:cs typeface="Arial" panose="020B0604020202020204" pitchFamily="34" charset="0"/>
+              </a:rPr>
+              <a:t>Sample Program:</a:t>
+            </a:r>
+          </a:p>
+          <a:p>
+            <a:endParaRPr lang="en-US" sz="1400" dirty="0">
+              <a:solidFill>
+                <a:srgbClr val="FF0000"/>
+              </a:solidFill>
+              <a:latin typeface="Arial" panose="020B0604020202020204" pitchFamily="34" charset="0"/>
+              <a:cs typeface="Arial" panose="020B0604020202020204" pitchFamily="34" charset="0"/>
+            </a:endParaRPr>
+          </a:p>
+          <a:p>
+            <a:r>
+              <a:rPr lang="en-US" sz="1400" dirty="0" err="1">
+                <a:solidFill>
+                  <a:srgbClr val="FF0000"/>
+                </a:solidFill>
+                <a:latin typeface="Arial" panose="020B0604020202020204" pitchFamily="34" charset="0"/>
+                <a:cs typeface="Arial" panose="020B0604020202020204" pitchFamily="34" charset="0"/>
+              </a:rPr>
+              <a:t>classSize</a:t>
+            </a:r>
+            <a:r>
+              <a:rPr lang="en-US" sz="1400" dirty="0">
+                <a:solidFill>
+                  <a:srgbClr val="FF0000"/>
+                </a:solidFill>
+                <a:latin typeface="Arial" panose="020B0604020202020204" pitchFamily="34" charset="0"/>
+                <a:cs typeface="Arial" panose="020B0604020202020204" pitchFamily="34" charset="0"/>
+              </a:rPr>
+              <a:t> = </a:t>
+            </a:r>
+            <a:r>
+              <a:rPr lang="en-US" sz="1400" dirty="0" err="1">
+                <a:solidFill>
+                  <a:srgbClr val="FF0000"/>
+                </a:solidFill>
+                <a:latin typeface="Arial" panose="020B0604020202020204" pitchFamily="34" charset="0"/>
+                <a:cs typeface="Arial" panose="020B0604020202020204" pitchFamily="34" charset="0"/>
+              </a:rPr>
+              <a:t>int</a:t>
+            </a:r>
+            <a:r>
+              <a:rPr lang="en-US" sz="1400" dirty="0">
+                <a:solidFill>
+                  <a:srgbClr val="FF0000"/>
+                </a:solidFill>
+                <a:latin typeface="Arial" panose="020B0604020202020204" pitchFamily="34" charset="0"/>
+                <a:cs typeface="Arial" panose="020B0604020202020204" pitchFamily="34" charset="0"/>
+              </a:rPr>
+              <a:t>(input("How many students:"))</a:t>
+            </a:r>
+          </a:p>
+          <a:p>
+            <a:r>
+              <a:rPr lang="en-US" sz="1400" dirty="0">
+                <a:solidFill>
+                  <a:srgbClr val="FF0000"/>
+                </a:solidFill>
+                <a:latin typeface="Arial" panose="020B0604020202020204" pitchFamily="34" charset="0"/>
+                <a:cs typeface="Arial" panose="020B0604020202020204" pitchFamily="34" charset="0"/>
+              </a:rPr>
+              <a:t/>
+            </a:r>
+            <a:br>
+              <a:rPr lang="en-US" sz="1400" dirty="0">
+                <a:solidFill>
+                  <a:srgbClr val="FF0000"/>
+                </a:solidFill>
+                <a:latin typeface="Arial" panose="020B0604020202020204" pitchFamily="34" charset="0"/>
+                <a:cs typeface="Arial" panose="020B0604020202020204" pitchFamily="34" charset="0"/>
+              </a:rPr>
+            </a:br>
+            <a:r>
+              <a:rPr lang="en-US" sz="1400" dirty="0">
+                <a:solidFill>
+                  <a:srgbClr val="0070C0"/>
+                </a:solidFill>
+                <a:latin typeface="Arial" panose="020B0604020202020204" pitchFamily="34" charset="0"/>
+                <a:cs typeface="Arial" panose="020B0604020202020204" pitchFamily="34" charset="0"/>
+              </a:rPr>
+              <a:t>if</a:t>
+            </a:r>
+            <a:r>
+              <a:rPr lang="en-US" sz="1400" dirty="0">
+                <a:solidFill>
+                  <a:srgbClr val="FF0000"/>
+                </a:solidFill>
+                <a:latin typeface="Arial" panose="020B0604020202020204" pitchFamily="34" charset="0"/>
+                <a:cs typeface="Arial" panose="020B0604020202020204" pitchFamily="34" charset="0"/>
+              </a:rPr>
+              <a:t> (</a:t>
+            </a:r>
+            <a:r>
+              <a:rPr lang="en-US" sz="1400" dirty="0" err="1">
+                <a:solidFill>
+                  <a:srgbClr val="FF0000"/>
+                </a:solidFill>
+                <a:latin typeface="Arial" panose="020B0604020202020204" pitchFamily="34" charset="0"/>
+                <a:cs typeface="Arial" panose="020B0604020202020204" pitchFamily="34" charset="0"/>
+              </a:rPr>
+              <a:t>classSize</a:t>
+            </a:r>
+            <a:r>
+              <a:rPr lang="en-US" sz="1400" dirty="0">
+                <a:solidFill>
+                  <a:srgbClr val="FF0000"/>
+                </a:solidFill>
+                <a:latin typeface="Arial" panose="020B0604020202020204" pitchFamily="34" charset="0"/>
+                <a:cs typeface="Arial" panose="020B0604020202020204" pitchFamily="34" charset="0"/>
+              </a:rPr>
+              <a:t> &gt; 30) </a:t>
+            </a:r>
+            <a:r>
+              <a:rPr lang="en-US" sz="1400" dirty="0">
+                <a:solidFill>
+                  <a:srgbClr val="0070C0"/>
+                </a:solidFill>
+                <a:latin typeface="Arial" panose="020B0604020202020204" pitchFamily="34" charset="0"/>
+                <a:cs typeface="Arial" panose="020B0604020202020204" pitchFamily="34" charset="0"/>
+              </a:rPr>
+              <a:t>:</a:t>
+            </a:r>
+          </a:p>
+          <a:p>
+            <a:r>
+              <a:rPr lang="en-US" sz="1400" dirty="0" smtClean="0">
+                <a:solidFill>
+                  <a:srgbClr val="FF0000"/>
+                </a:solidFill>
+                <a:latin typeface="Arial" panose="020B0604020202020204" pitchFamily="34" charset="0"/>
+                <a:cs typeface="Arial" panose="020B0604020202020204" pitchFamily="34" charset="0"/>
+              </a:rPr>
+              <a:t>    extra </a:t>
+            </a:r>
+            <a:r>
+              <a:rPr lang="en-US" sz="1400" dirty="0">
+                <a:solidFill>
+                  <a:srgbClr val="FF0000"/>
+                </a:solidFill>
+                <a:latin typeface="Arial" panose="020B0604020202020204" pitchFamily="34" charset="0"/>
+                <a:cs typeface="Arial" panose="020B0604020202020204" pitchFamily="34" charset="0"/>
+              </a:rPr>
+              <a:t>= </a:t>
+            </a:r>
+            <a:r>
+              <a:rPr lang="en-US" sz="1400" dirty="0" err="1">
+                <a:solidFill>
+                  <a:srgbClr val="FF0000"/>
+                </a:solidFill>
+                <a:latin typeface="Arial" panose="020B0604020202020204" pitchFamily="34" charset="0"/>
+                <a:cs typeface="Arial" panose="020B0604020202020204" pitchFamily="34" charset="0"/>
+              </a:rPr>
+              <a:t>classSize</a:t>
+            </a:r>
+            <a:r>
+              <a:rPr lang="en-US" sz="1400" dirty="0">
+                <a:solidFill>
+                  <a:srgbClr val="FF0000"/>
+                </a:solidFill>
+                <a:latin typeface="Arial" panose="020B0604020202020204" pitchFamily="34" charset="0"/>
+                <a:cs typeface="Arial" panose="020B0604020202020204" pitchFamily="34" charset="0"/>
+              </a:rPr>
+              <a:t> - 30 </a:t>
+            </a:r>
+          </a:p>
+          <a:p>
+            <a:r>
+              <a:rPr lang="en-US" sz="1400" dirty="0" smtClean="0">
+                <a:solidFill>
+                  <a:srgbClr val="FF0000"/>
+                </a:solidFill>
+                <a:latin typeface="Arial" panose="020B0604020202020204" pitchFamily="34" charset="0"/>
+                <a:cs typeface="Arial" panose="020B0604020202020204" pitchFamily="34" charset="0"/>
+              </a:rPr>
+              <a:t>    print</a:t>
+            </a:r>
+            <a:r>
+              <a:rPr lang="en-US" sz="1400" dirty="0">
+                <a:solidFill>
+                  <a:srgbClr val="FF0000"/>
+                </a:solidFill>
+                <a:latin typeface="Arial" panose="020B0604020202020204" pitchFamily="34" charset="0"/>
+                <a:cs typeface="Arial" panose="020B0604020202020204" pitchFamily="34" charset="0"/>
+              </a:rPr>
+              <a:t>("You need %d more computers" % extra)</a:t>
+            </a:r>
+          </a:p>
+          <a:p>
+            <a:endParaRPr lang="en-CA" sz="1400" dirty="0" smtClean="0">
+              <a:solidFill>
+                <a:srgbClr val="FF0000"/>
+              </a:solidFill>
+              <a:latin typeface="Arial" panose="020B0604020202020204" pitchFamily="34" charset="0"/>
+              <a:cs typeface="Arial" panose="020B0604020202020204" pitchFamily="34" charset="0"/>
+            </a:endParaRPr>
+          </a:p>
+          <a:p>
+            <a:r>
+              <a:rPr lang="en-CA" sz="1400" dirty="0" smtClean="0">
+                <a:solidFill>
+                  <a:srgbClr val="FF0000"/>
+                </a:solidFill>
+                <a:latin typeface="Arial" panose="020B0604020202020204" pitchFamily="34" charset="0"/>
+                <a:cs typeface="Arial" panose="020B0604020202020204" pitchFamily="34" charset="0"/>
+              </a:rPr>
+              <a:t>print("Let's start our lesson")</a:t>
+            </a:r>
+          </a:p>
+          <a:p>
+            <a:endParaRPr lang="en-US" sz="1400" dirty="0">
+              <a:solidFill>
+                <a:srgbClr val="FF0000"/>
+              </a:solidFill>
+              <a:latin typeface="Arial" panose="020B0604020202020204" pitchFamily="34" charset="0"/>
+              <a:cs typeface="Arial" panose="020B0604020202020204" pitchFamily="34" charset="0"/>
+            </a:endParaRPr>
+          </a:p>
+        </p:txBody>
+      </p:sp>
+      <p:pic>
+        <p:nvPicPr>
+          <p:cNvPr id="6" name="Picture 5"/>
+          <p:cNvPicPr>
+            <a:picLocks noChangeAspect="1"/>
+          </p:cNvPicPr>
+          <p:nvPr/>
+        </p:nvPicPr>
+        <p:blipFill>
+          <a:blip r:embed="rId2"/>
+          <a:stretch>
+            <a:fillRect/>
+          </a:stretch>
+        </p:blipFill>
+        <p:spPr>
+          <a:xfrm>
+            <a:off x="5713583" y="4133949"/>
+            <a:ext cx="2367818" cy="2418789"/>
+          </a:xfrm>
+          <a:prstGeom prst="rect">
+            <a:avLst/>
+          </a:prstGeom>
+        </p:spPr>
+      </p:pic>
     </p:spTree>
     <p:extLst>
       <p:ext uri="{BB962C8B-B14F-4D97-AF65-F5344CB8AC3E}">
@@ -3284,8 +3853,8 @@
           <a:lstStyle/>
           <a:p>
             <a:r>
-              <a:rPr lang="en-CA" dirty="0" smtClean="0"/>
-              <a:t>Conditional Expressions</a:t>
+              <a:rPr lang="en-CA" dirty="0"/>
+              <a:t>Indentation &amp; Code Blocks</a:t>
             </a:r>
             <a:endParaRPr lang="en-US" dirty="0"/>
           </a:p>
@@ -3301,11 +3870,453 @@
             <p:ph idx="1"/>
           </p:nvPr>
         </p:nvSpPr>
-        <p:spPr/>
-        <p:txBody>
-          <a:bodyPr/>
-          <a:lstStyle/>
-          <a:p>
+        <p:spPr>
+          <a:xfrm>
+            <a:off x="628650" y="1825625"/>
+            <a:ext cx="3783094" cy="4351338"/>
+          </a:xfrm>
+        </p:spPr>
+        <p:txBody>
+          <a:bodyPr>
+            <a:normAutofit fontScale="92500" lnSpcReduction="20000"/>
+          </a:bodyPr>
+          <a:lstStyle/>
+          <a:p>
+            <a:r>
+              <a:rPr lang="en-CA" sz="2000" dirty="0" smtClean="0"/>
+              <a:t>The result of the if statement is a </a:t>
+            </a:r>
+            <a:r>
+              <a:rPr lang="en-CA" sz="2000" dirty="0" smtClean="0">
+                <a:solidFill>
+                  <a:srgbClr val="0070C0"/>
+                </a:solidFill>
+              </a:rPr>
+              <a:t>Code Block</a:t>
+            </a:r>
+          </a:p>
+          <a:p>
+            <a:pPr lvl="1"/>
+            <a:r>
+              <a:rPr lang="en-CA" sz="1700" dirty="0" smtClean="0"/>
+              <a:t>A code block is an optional part of the program</a:t>
+            </a:r>
+          </a:p>
+          <a:p>
+            <a:pPr lvl="1"/>
+            <a:r>
+              <a:rPr lang="en-CA" sz="1700" dirty="0" smtClean="0"/>
+              <a:t>The code is only executed if certain conditions occur</a:t>
+            </a:r>
+          </a:p>
+          <a:p>
+            <a:endParaRPr lang="en-CA" sz="2000" dirty="0"/>
+          </a:p>
+          <a:p>
+            <a:r>
+              <a:rPr lang="en-CA" sz="2000" dirty="0" smtClean="0"/>
+              <a:t>A code block is </a:t>
+            </a:r>
+            <a:r>
+              <a:rPr lang="en-CA" sz="2000" dirty="0" smtClean="0">
+                <a:solidFill>
+                  <a:srgbClr val="0070C0"/>
+                </a:solidFill>
+              </a:rPr>
+              <a:t>indented</a:t>
+            </a:r>
+          </a:p>
+          <a:p>
+            <a:pPr lvl="1"/>
+            <a:r>
+              <a:rPr lang="en-CA" sz="1700" dirty="0" smtClean="0"/>
+              <a:t>May contain one or more lines of code</a:t>
+            </a:r>
+          </a:p>
+          <a:p>
+            <a:pPr lvl="1"/>
+            <a:r>
+              <a:rPr lang="en-CA" sz="1700" dirty="0" smtClean="0"/>
+              <a:t>All lines at the same </a:t>
+            </a:r>
+            <a:r>
+              <a:rPr lang="en-CA" sz="1700" dirty="0" smtClean="0">
+                <a:solidFill>
+                  <a:srgbClr val="0070C0"/>
+                </a:solidFill>
+              </a:rPr>
+              <a:t>level</a:t>
+            </a:r>
+            <a:r>
+              <a:rPr lang="en-CA" sz="1700" dirty="0" smtClean="0"/>
+              <a:t> of indentation are part of the same code block</a:t>
+            </a:r>
+            <a:endParaRPr lang="en-CA" sz="1700" dirty="0"/>
+          </a:p>
+          <a:p>
+            <a:pPr lvl="1"/>
+            <a:endParaRPr lang="en-CA" sz="2000" dirty="0"/>
+          </a:p>
+          <a:p>
+            <a:r>
+              <a:rPr lang="en-CA" sz="2000" dirty="0" smtClean="0"/>
+              <a:t>Note the Syntax:</a:t>
+            </a:r>
+          </a:p>
+          <a:p>
+            <a:pPr lvl="1"/>
+            <a:r>
+              <a:rPr lang="en-CA" sz="1700" dirty="0" smtClean="0"/>
+              <a:t>Indentation Level</a:t>
+            </a:r>
+            <a:endParaRPr lang="en-CA" sz="1700" b="1" dirty="0" smtClean="0">
+              <a:solidFill>
+                <a:srgbClr val="0070C0"/>
+              </a:solidFill>
+            </a:endParaRPr>
+          </a:p>
+          <a:p>
+            <a:pPr lvl="1"/>
+            <a:r>
+              <a:rPr lang="en-CA" sz="1700" dirty="0" smtClean="0"/>
+              <a:t>Style Convention is 4 spaces</a:t>
+            </a:r>
+            <a:br>
+              <a:rPr lang="en-CA" sz="1700" dirty="0" smtClean="0"/>
+            </a:br>
+            <a:r>
+              <a:rPr lang="en-CA" sz="1700" dirty="0" smtClean="0"/>
+              <a:t>or 1 tab</a:t>
+            </a:r>
+            <a:endParaRPr lang="en-US" sz="1700" b="1" dirty="0">
+              <a:solidFill>
+                <a:srgbClr val="0070C0"/>
+              </a:solidFill>
+            </a:endParaRPr>
+          </a:p>
+        </p:txBody>
+      </p:sp>
+      <p:sp>
+        <p:nvSpPr>
+          <p:cNvPr id="4" name="TextBox 3"/>
+          <p:cNvSpPr txBox="1"/>
+          <p:nvPr/>
+        </p:nvSpPr>
+        <p:spPr>
+          <a:xfrm>
+            <a:off x="4910432" y="1825625"/>
+            <a:ext cx="4036233" cy="2308324"/>
+          </a:xfrm>
+          <a:prstGeom prst="rect">
+            <a:avLst/>
+          </a:prstGeom>
+          <a:noFill/>
+        </p:spPr>
+        <p:txBody>
+          <a:bodyPr wrap="none" rtlCol="0">
+            <a:spAutoFit/>
+          </a:bodyPr>
+          <a:lstStyle/>
+          <a:p>
+            <a:r>
+              <a:rPr lang="en-US" b="1" u="sng" dirty="0" smtClean="0">
+                <a:latin typeface="Arial" panose="020B0604020202020204" pitchFamily="34" charset="0"/>
+                <a:cs typeface="Arial" panose="020B0604020202020204" pitchFamily="34" charset="0"/>
+              </a:rPr>
+              <a:t>Sample Program:</a:t>
+            </a:r>
+          </a:p>
+          <a:p>
+            <a:endParaRPr lang="en-US" sz="1400" dirty="0">
+              <a:solidFill>
+                <a:srgbClr val="FF0000"/>
+              </a:solidFill>
+              <a:latin typeface="Arial" panose="020B0604020202020204" pitchFamily="34" charset="0"/>
+              <a:cs typeface="Arial" panose="020B0604020202020204" pitchFamily="34" charset="0"/>
+            </a:endParaRPr>
+          </a:p>
+          <a:p>
+            <a:r>
+              <a:rPr lang="en-US" sz="1400" dirty="0" err="1">
+                <a:solidFill>
+                  <a:srgbClr val="FF0000"/>
+                </a:solidFill>
+                <a:latin typeface="Arial" panose="020B0604020202020204" pitchFamily="34" charset="0"/>
+                <a:cs typeface="Arial" panose="020B0604020202020204" pitchFamily="34" charset="0"/>
+              </a:rPr>
+              <a:t>classSize</a:t>
+            </a:r>
+            <a:r>
+              <a:rPr lang="en-US" sz="1400" dirty="0">
+                <a:solidFill>
+                  <a:srgbClr val="FF0000"/>
+                </a:solidFill>
+                <a:latin typeface="Arial" panose="020B0604020202020204" pitchFamily="34" charset="0"/>
+                <a:cs typeface="Arial" panose="020B0604020202020204" pitchFamily="34" charset="0"/>
+              </a:rPr>
+              <a:t> = </a:t>
+            </a:r>
+            <a:r>
+              <a:rPr lang="en-US" sz="1400" dirty="0" err="1">
+                <a:solidFill>
+                  <a:srgbClr val="FF0000"/>
+                </a:solidFill>
+                <a:latin typeface="Arial" panose="020B0604020202020204" pitchFamily="34" charset="0"/>
+                <a:cs typeface="Arial" panose="020B0604020202020204" pitchFamily="34" charset="0"/>
+              </a:rPr>
+              <a:t>int</a:t>
+            </a:r>
+            <a:r>
+              <a:rPr lang="en-US" sz="1400" dirty="0">
+                <a:solidFill>
+                  <a:srgbClr val="FF0000"/>
+                </a:solidFill>
+                <a:latin typeface="Arial" panose="020B0604020202020204" pitchFamily="34" charset="0"/>
+                <a:cs typeface="Arial" panose="020B0604020202020204" pitchFamily="34" charset="0"/>
+              </a:rPr>
+              <a:t>(input("How many students:"))</a:t>
+            </a:r>
+          </a:p>
+          <a:p>
+            <a:r>
+              <a:rPr lang="en-US" sz="1400" dirty="0">
+                <a:solidFill>
+                  <a:srgbClr val="FF0000"/>
+                </a:solidFill>
+                <a:latin typeface="Arial" panose="020B0604020202020204" pitchFamily="34" charset="0"/>
+                <a:cs typeface="Arial" panose="020B0604020202020204" pitchFamily="34" charset="0"/>
+              </a:rPr>
+              <a:t/>
+            </a:r>
+            <a:br>
+              <a:rPr lang="en-US" sz="1400" dirty="0">
+                <a:solidFill>
+                  <a:srgbClr val="FF0000"/>
+                </a:solidFill>
+                <a:latin typeface="Arial" panose="020B0604020202020204" pitchFamily="34" charset="0"/>
+                <a:cs typeface="Arial" panose="020B0604020202020204" pitchFamily="34" charset="0"/>
+              </a:rPr>
+            </a:br>
+            <a:r>
+              <a:rPr lang="en-US" sz="1400" dirty="0">
+                <a:solidFill>
+                  <a:srgbClr val="FF0000"/>
+                </a:solidFill>
+                <a:latin typeface="Arial" panose="020B0604020202020204" pitchFamily="34" charset="0"/>
+                <a:cs typeface="Arial" panose="020B0604020202020204" pitchFamily="34" charset="0"/>
+              </a:rPr>
+              <a:t>if (</a:t>
+            </a:r>
+            <a:r>
+              <a:rPr lang="en-US" sz="1400" dirty="0" err="1">
+                <a:solidFill>
+                  <a:srgbClr val="FF0000"/>
+                </a:solidFill>
+                <a:latin typeface="Arial" panose="020B0604020202020204" pitchFamily="34" charset="0"/>
+                <a:cs typeface="Arial" panose="020B0604020202020204" pitchFamily="34" charset="0"/>
+              </a:rPr>
+              <a:t>classSize</a:t>
+            </a:r>
+            <a:r>
+              <a:rPr lang="en-US" sz="1400" dirty="0">
+                <a:solidFill>
+                  <a:srgbClr val="FF0000"/>
+                </a:solidFill>
+                <a:latin typeface="Arial" panose="020B0604020202020204" pitchFamily="34" charset="0"/>
+                <a:cs typeface="Arial" panose="020B0604020202020204" pitchFamily="34" charset="0"/>
+              </a:rPr>
+              <a:t> &gt; 30) :</a:t>
+            </a:r>
+          </a:p>
+          <a:p>
+            <a:r>
+              <a:rPr lang="en-US" sz="1400" dirty="0" smtClean="0">
+                <a:solidFill>
+                  <a:srgbClr val="FF0000"/>
+                </a:solidFill>
+                <a:latin typeface="Arial" panose="020B0604020202020204" pitchFamily="34" charset="0"/>
+                <a:cs typeface="Arial" panose="020B0604020202020204" pitchFamily="34" charset="0"/>
+              </a:rPr>
+              <a:t>    </a:t>
+            </a:r>
+            <a:r>
+              <a:rPr lang="en-US" sz="1400" dirty="0" smtClean="0">
+                <a:solidFill>
+                  <a:srgbClr val="0070C0"/>
+                </a:solidFill>
+                <a:latin typeface="Arial" panose="020B0604020202020204" pitchFamily="34" charset="0"/>
+                <a:cs typeface="Arial" panose="020B0604020202020204" pitchFamily="34" charset="0"/>
+              </a:rPr>
+              <a:t>extra </a:t>
+            </a:r>
+            <a:r>
+              <a:rPr lang="en-US" sz="1400" dirty="0">
+                <a:solidFill>
+                  <a:srgbClr val="0070C0"/>
+                </a:solidFill>
+                <a:latin typeface="Arial" panose="020B0604020202020204" pitchFamily="34" charset="0"/>
+                <a:cs typeface="Arial" panose="020B0604020202020204" pitchFamily="34" charset="0"/>
+              </a:rPr>
+              <a:t>= </a:t>
+            </a:r>
+            <a:r>
+              <a:rPr lang="en-US" sz="1400" dirty="0" err="1">
+                <a:solidFill>
+                  <a:srgbClr val="0070C0"/>
+                </a:solidFill>
+                <a:latin typeface="Arial" panose="020B0604020202020204" pitchFamily="34" charset="0"/>
+                <a:cs typeface="Arial" panose="020B0604020202020204" pitchFamily="34" charset="0"/>
+              </a:rPr>
+              <a:t>classSize</a:t>
+            </a:r>
+            <a:r>
+              <a:rPr lang="en-US" sz="1400" dirty="0">
+                <a:solidFill>
+                  <a:srgbClr val="0070C0"/>
+                </a:solidFill>
+                <a:latin typeface="Arial" panose="020B0604020202020204" pitchFamily="34" charset="0"/>
+                <a:cs typeface="Arial" panose="020B0604020202020204" pitchFamily="34" charset="0"/>
+              </a:rPr>
+              <a:t> - 30 </a:t>
+            </a:r>
+          </a:p>
+          <a:p>
+            <a:r>
+              <a:rPr lang="en-US" sz="1400" dirty="0" smtClean="0">
+                <a:solidFill>
+                  <a:srgbClr val="0070C0"/>
+                </a:solidFill>
+                <a:latin typeface="Arial" panose="020B0604020202020204" pitchFamily="34" charset="0"/>
+                <a:cs typeface="Arial" panose="020B0604020202020204" pitchFamily="34" charset="0"/>
+              </a:rPr>
+              <a:t>    print</a:t>
+            </a:r>
+            <a:r>
+              <a:rPr lang="en-US" sz="1400" dirty="0">
+                <a:solidFill>
+                  <a:srgbClr val="0070C0"/>
+                </a:solidFill>
+                <a:latin typeface="Arial" panose="020B0604020202020204" pitchFamily="34" charset="0"/>
+                <a:cs typeface="Arial" panose="020B0604020202020204" pitchFamily="34" charset="0"/>
+              </a:rPr>
+              <a:t>("You need %d more computers" % extra)</a:t>
+            </a:r>
+          </a:p>
+          <a:p>
+            <a:endParaRPr lang="en-CA" sz="1400" dirty="0" smtClean="0">
+              <a:solidFill>
+                <a:srgbClr val="FF0000"/>
+              </a:solidFill>
+              <a:latin typeface="Arial" panose="020B0604020202020204" pitchFamily="34" charset="0"/>
+              <a:cs typeface="Arial" panose="020B0604020202020204" pitchFamily="34" charset="0"/>
+            </a:endParaRPr>
+          </a:p>
+          <a:p>
+            <a:r>
+              <a:rPr lang="en-CA" sz="1400" dirty="0">
+                <a:solidFill>
+                  <a:srgbClr val="FF0000"/>
+                </a:solidFill>
+                <a:latin typeface="Arial" panose="020B0604020202020204" pitchFamily="34" charset="0"/>
+                <a:cs typeface="Arial" panose="020B0604020202020204" pitchFamily="34" charset="0"/>
+              </a:rPr>
+              <a:t>print("Let's start our lesson</a:t>
+            </a:r>
+            <a:r>
+              <a:rPr lang="en-CA" sz="1400" dirty="0" smtClean="0">
+                <a:solidFill>
+                  <a:srgbClr val="FF0000"/>
+                </a:solidFill>
+                <a:latin typeface="Arial" panose="020B0604020202020204" pitchFamily="34" charset="0"/>
+                <a:cs typeface="Arial" panose="020B0604020202020204" pitchFamily="34" charset="0"/>
+              </a:rPr>
+              <a:t>")</a:t>
+            </a:r>
+            <a:endParaRPr lang="en-US" sz="1400" dirty="0" smtClean="0">
+              <a:solidFill>
+                <a:srgbClr val="FF0000"/>
+              </a:solidFill>
+              <a:latin typeface="Arial" panose="020B0604020202020204" pitchFamily="34" charset="0"/>
+              <a:cs typeface="Arial" panose="020B0604020202020204" pitchFamily="34" charset="0"/>
+            </a:endParaRPr>
+          </a:p>
+          <a:p>
+            <a:endParaRPr lang="en-US" sz="1400" dirty="0">
+              <a:solidFill>
+                <a:srgbClr val="FF0000"/>
+              </a:solidFill>
+              <a:latin typeface="Arial" panose="020B0604020202020204" pitchFamily="34" charset="0"/>
+              <a:cs typeface="Arial" panose="020B0604020202020204" pitchFamily="34" charset="0"/>
+            </a:endParaRPr>
+          </a:p>
+        </p:txBody>
+      </p:sp>
+      <p:pic>
+        <p:nvPicPr>
+          <p:cNvPr id="5" name="Picture 4"/>
+          <p:cNvPicPr>
+            <a:picLocks noChangeAspect="1"/>
+          </p:cNvPicPr>
+          <p:nvPr/>
+        </p:nvPicPr>
+        <p:blipFill>
+          <a:blip r:embed="rId2"/>
+          <a:stretch>
+            <a:fillRect/>
+          </a:stretch>
+        </p:blipFill>
+        <p:spPr>
+          <a:xfrm>
+            <a:off x="5713583" y="4133949"/>
+            <a:ext cx="2367818" cy="2418789"/>
+          </a:xfrm>
+          <a:prstGeom prst="rect">
+            <a:avLst/>
+          </a:prstGeom>
+        </p:spPr>
+      </p:pic>
+      <p:sp>
+        <p:nvSpPr>
+          <p:cNvPr id="7" name="Oval 6"/>
+          <p:cNvSpPr/>
+          <p:nvPr/>
+        </p:nvSpPr>
+        <p:spPr>
+          <a:xfrm>
+            <a:off x="6010836" y="5325036"/>
+            <a:ext cx="1223683" cy="851928"/>
+          </a:xfrm>
+          <a:prstGeom prst="ellipse">
+            <a:avLst/>
+          </a:prstGeom>
+          <a:noFill/>
+          <a:ln>
+            <a:solidFill>
+              <a:srgbClr val="FF0000"/>
+            </a:solidFill>
+          </a:ln>
+        </p:spPr>
+        <p:style>
+          <a:lnRef idx="2">
+            <a:schemeClr val="accent1">
+              <a:shade val="50000"/>
+            </a:schemeClr>
+          </a:lnRef>
+          <a:fillRef idx="1">
+            <a:schemeClr val="accent1"/>
+          </a:fillRef>
+          <a:effectRef idx="0">
+            <a:schemeClr val="accent1"/>
+          </a:effectRef>
+          <a:fontRef idx="minor">
+            <a:schemeClr val="lt1"/>
+          </a:fontRef>
+        </p:style>
+        <p:txBody>
+          <a:bodyPr rtlCol="0" anchor="ctr"/>
+          <a:lstStyle/>
+          <a:p>
+            <a:pPr algn="ctr"/>
             <a:endParaRPr lang="en-US"/>
           </a:p>
         </p:txBody>
@@ -3313,7 +4324,7 @@
     </p:spTree>
     <p:extLst>
       <p:ext uri="{BB962C8B-B14F-4D97-AF65-F5344CB8AC3E}">
-        <p14:creationId xmlns:p14="http://schemas.microsoft.com/office/powerpoint/2010/main" val="3589622207"/>
+        <p14:creationId xmlns:p14="http://schemas.microsoft.com/office/powerpoint/2010/main" val="201985194"/>
       </p:ext>
     </p:extLst>
   </p:cSld>
@@ -3356,8 +4367,8 @@
           <a:lstStyle/>
           <a:p>
             <a:r>
-              <a:rPr lang="en-CA" dirty="0" smtClean="0"/>
-              <a:t>Indentation &amp; Code Blocks</a:t>
+              <a:rPr lang="en-CA" dirty="0"/>
+              <a:t>Conditional Expressions</a:t>
             </a:r>
             <a:endParaRPr lang="en-US" dirty="0"/>
           </a:p>
@@ -3373,11 +4384,496 @@
             <p:ph idx="1"/>
           </p:nvPr>
         </p:nvSpPr>
-        <p:spPr/>
-        <p:txBody>
-          <a:bodyPr/>
-          <a:lstStyle/>
-          <a:p>
+        <p:spPr>
+          <a:xfrm>
+            <a:off x="628650" y="1825625"/>
+            <a:ext cx="3783094" cy="4351338"/>
+          </a:xfrm>
+        </p:spPr>
+        <p:txBody>
+          <a:bodyPr>
+            <a:normAutofit fontScale="92500" lnSpcReduction="20000"/>
+          </a:bodyPr>
+          <a:lstStyle/>
+          <a:p>
+            <a:r>
+              <a:rPr lang="en-CA" sz="2000" dirty="0" smtClean="0"/>
+              <a:t>The </a:t>
+            </a:r>
+            <a:r>
+              <a:rPr lang="en-CA" sz="2000" i="1" dirty="0" smtClean="0"/>
+              <a:t>question</a:t>
+            </a:r>
+            <a:r>
+              <a:rPr lang="en-CA" sz="2000" dirty="0" smtClean="0"/>
+              <a:t> asked by an if statement is a </a:t>
+            </a:r>
+            <a:r>
+              <a:rPr lang="en-CA" sz="2000" dirty="0" smtClean="0">
+                <a:solidFill>
+                  <a:srgbClr val="0070C0"/>
+                </a:solidFill>
+              </a:rPr>
+              <a:t>Conditional Expression</a:t>
+            </a:r>
+          </a:p>
+          <a:p>
+            <a:pPr lvl="1"/>
+            <a:r>
+              <a:rPr lang="en-CA" sz="1700" dirty="0" smtClean="0"/>
+              <a:t>May be a mathematical comparison</a:t>
+            </a:r>
+          </a:p>
+          <a:p>
+            <a:pPr lvl="1"/>
+            <a:r>
+              <a:rPr lang="en-CA" sz="1700" dirty="0" smtClean="0"/>
+              <a:t>May be a true or false (Boolean) expression</a:t>
+            </a:r>
+          </a:p>
+          <a:p>
+            <a:endParaRPr lang="en-CA" sz="2000" dirty="0"/>
+          </a:p>
+          <a:p>
+            <a:r>
+              <a:rPr lang="en-CA" sz="2000" dirty="0" smtClean="0"/>
+              <a:t>Types of Conditional Expressions</a:t>
+            </a:r>
+            <a:endParaRPr lang="en-CA" sz="2000" dirty="0" smtClean="0">
+              <a:solidFill>
+                <a:srgbClr val="0070C0"/>
+              </a:solidFill>
+            </a:endParaRPr>
+          </a:p>
+          <a:p>
+            <a:pPr lvl="1"/>
+            <a:r>
+              <a:rPr lang="en-CA" sz="1700" dirty="0" smtClean="0"/>
+              <a:t>Mathematical Comparisons</a:t>
+            </a:r>
+            <a:br>
+              <a:rPr lang="en-CA" sz="1700" dirty="0" smtClean="0"/>
+            </a:br>
+            <a:r>
+              <a:rPr lang="en-CA" sz="1700" dirty="0" smtClean="0">
+                <a:solidFill>
+                  <a:srgbClr val="0070C0"/>
+                </a:solidFill>
+              </a:rPr>
+              <a:t>&gt;, &lt;, &gt;=, &lt;=, ==, !=</a:t>
+            </a:r>
+            <a:endParaRPr lang="en-CA" sz="1300" dirty="0" smtClean="0">
+              <a:solidFill>
+                <a:srgbClr val="0070C0"/>
+              </a:solidFill>
+            </a:endParaRPr>
+          </a:p>
+          <a:p>
+            <a:pPr lvl="1"/>
+            <a:r>
+              <a:rPr lang="en-CA" sz="1700" dirty="0" smtClean="0"/>
+              <a:t>Boolean Expressions</a:t>
+            </a:r>
+            <a:br>
+              <a:rPr lang="en-CA" sz="1700" dirty="0" smtClean="0"/>
+            </a:br>
+            <a:r>
+              <a:rPr lang="en-CA" sz="1700" dirty="0" smtClean="0">
+                <a:solidFill>
+                  <a:srgbClr val="0070C0"/>
+                </a:solidFill>
+              </a:rPr>
+              <a:t>and, or, not, </a:t>
+            </a:r>
+            <a:r>
+              <a:rPr lang="en-CA" sz="1700" dirty="0" err="1" smtClean="0">
+                <a:solidFill>
+                  <a:srgbClr val="0070C0"/>
+                </a:solidFill>
+              </a:rPr>
+              <a:t>xor</a:t>
+            </a:r>
+            <a:r>
+              <a:rPr lang="en-CA" sz="1700" dirty="0" smtClean="0">
+                <a:solidFill>
+                  <a:srgbClr val="0070C0"/>
+                </a:solidFill>
+              </a:rPr>
+              <a:t>, true, false</a:t>
+            </a:r>
+            <a:endParaRPr lang="en-CA" sz="1700" dirty="0">
+              <a:solidFill>
+                <a:srgbClr val="0070C0"/>
+              </a:solidFill>
+            </a:endParaRPr>
+          </a:p>
+          <a:p>
+            <a:pPr lvl="1"/>
+            <a:endParaRPr lang="en-CA" sz="2000" dirty="0"/>
+          </a:p>
+          <a:p>
+            <a:r>
+              <a:rPr lang="en-CA" sz="2000" dirty="0" smtClean="0"/>
+              <a:t>Note the Syntax:</a:t>
+            </a:r>
+          </a:p>
+          <a:p>
+            <a:pPr lvl="1"/>
+            <a:r>
+              <a:rPr lang="en-CA" sz="1700" dirty="0" smtClean="0"/>
+              <a:t>Enclosed in brackets</a:t>
+            </a:r>
+            <a:endParaRPr lang="en-CA" sz="1700" b="1" dirty="0" smtClean="0">
+              <a:solidFill>
+                <a:srgbClr val="0070C0"/>
+              </a:solidFill>
+            </a:endParaRPr>
+          </a:p>
+          <a:p>
+            <a:pPr lvl="1"/>
+            <a:r>
+              <a:rPr lang="en-CA" sz="1700" dirty="0" smtClean="0"/>
+              <a:t>May compare variables</a:t>
+            </a:r>
+            <a:endParaRPr lang="en-US" sz="1700" b="1" dirty="0">
+              <a:solidFill>
+                <a:srgbClr val="0070C0"/>
+              </a:solidFill>
+            </a:endParaRPr>
+          </a:p>
+        </p:txBody>
+      </p:sp>
+      <p:sp>
+        <p:nvSpPr>
+          <p:cNvPr id="4" name="TextBox 3"/>
+          <p:cNvSpPr txBox="1"/>
+          <p:nvPr/>
+        </p:nvSpPr>
+        <p:spPr>
+          <a:xfrm>
+            <a:off x="4910432" y="1825625"/>
+            <a:ext cx="4036233" cy="2308324"/>
+          </a:xfrm>
+          <a:prstGeom prst="rect">
+            <a:avLst/>
+          </a:prstGeom>
+          <a:noFill/>
+        </p:spPr>
+        <p:txBody>
+          <a:bodyPr wrap="none" rtlCol="0">
+            <a:spAutoFit/>
+          </a:bodyPr>
+          <a:lstStyle/>
+          <a:p>
+            <a:r>
+              <a:rPr lang="en-US" b="1" u="sng" dirty="0" smtClean="0">
+                <a:latin typeface="Arial" panose="020B0604020202020204" pitchFamily="34" charset="0"/>
+                <a:cs typeface="Arial" panose="020B0604020202020204" pitchFamily="34" charset="0"/>
+              </a:rPr>
+              <a:t>Sample Program:</a:t>
+            </a:r>
+          </a:p>
+          <a:p>
+            <a:endParaRPr lang="en-US" sz="1400" dirty="0">
+              <a:solidFill>
+                <a:srgbClr val="FF0000"/>
+              </a:solidFill>
+              <a:latin typeface="Arial" panose="020B0604020202020204" pitchFamily="34" charset="0"/>
+              <a:cs typeface="Arial" panose="020B0604020202020204" pitchFamily="34" charset="0"/>
+            </a:endParaRPr>
+          </a:p>
+          <a:p>
+            <a:r>
+              <a:rPr lang="en-US" sz="1400" dirty="0" err="1">
+                <a:solidFill>
+                  <a:srgbClr val="FF0000"/>
+                </a:solidFill>
+                <a:latin typeface="Arial" panose="020B0604020202020204" pitchFamily="34" charset="0"/>
+                <a:cs typeface="Arial" panose="020B0604020202020204" pitchFamily="34" charset="0"/>
+              </a:rPr>
+              <a:t>classSize</a:t>
+            </a:r>
+            <a:r>
+              <a:rPr lang="en-US" sz="1400" dirty="0">
+                <a:solidFill>
+                  <a:srgbClr val="FF0000"/>
+                </a:solidFill>
+                <a:latin typeface="Arial" panose="020B0604020202020204" pitchFamily="34" charset="0"/>
+                <a:cs typeface="Arial" panose="020B0604020202020204" pitchFamily="34" charset="0"/>
+              </a:rPr>
+              <a:t> = </a:t>
+            </a:r>
+            <a:r>
+              <a:rPr lang="en-US" sz="1400" dirty="0" err="1">
+                <a:solidFill>
+                  <a:srgbClr val="FF0000"/>
+                </a:solidFill>
+                <a:latin typeface="Arial" panose="020B0604020202020204" pitchFamily="34" charset="0"/>
+                <a:cs typeface="Arial" panose="020B0604020202020204" pitchFamily="34" charset="0"/>
+              </a:rPr>
+              <a:t>int</a:t>
+            </a:r>
+            <a:r>
+              <a:rPr lang="en-US" sz="1400" dirty="0">
+                <a:solidFill>
+                  <a:srgbClr val="FF0000"/>
+                </a:solidFill>
+                <a:latin typeface="Arial" panose="020B0604020202020204" pitchFamily="34" charset="0"/>
+                <a:cs typeface="Arial" panose="020B0604020202020204" pitchFamily="34" charset="0"/>
+              </a:rPr>
+              <a:t>(input("How many students:"))</a:t>
+            </a:r>
+          </a:p>
+          <a:p>
+            <a:r>
+              <a:rPr lang="en-US" sz="1400" dirty="0">
+                <a:solidFill>
+                  <a:srgbClr val="FF0000"/>
+                </a:solidFill>
+                <a:latin typeface="Arial" panose="020B0604020202020204" pitchFamily="34" charset="0"/>
+                <a:cs typeface="Arial" panose="020B0604020202020204" pitchFamily="34" charset="0"/>
+              </a:rPr>
+              <a:t/>
+            </a:r>
+            <a:br>
+              <a:rPr lang="en-US" sz="1400" dirty="0">
+                <a:solidFill>
+                  <a:srgbClr val="FF0000"/>
+                </a:solidFill>
+                <a:latin typeface="Arial" panose="020B0604020202020204" pitchFamily="34" charset="0"/>
+                <a:cs typeface="Arial" panose="020B0604020202020204" pitchFamily="34" charset="0"/>
+              </a:rPr>
+            </a:br>
+            <a:r>
+              <a:rPr lang="en-US" sz="1400" dirty="0">
+                <a:solidFill>
+                  <a:srgbClr val="FF0000"/>
+                </a:solidFill>
+                <a:latin typeface="Arial" panose="020B0604020202020204" pitchFamily="34" charset="0"/>
+                <a:cs typeface="Arial" panose="020B0604020202020204" pitchFamily="34" charset="0"/>
+              </a:rPr>
+              <a:t>if </a:t>
+            </a:r>
+            <a:r>
+              <a:rPr lang="en-US" sz="1400" dirty="0">
+                <a:solidFill>
+                  <a:srgbClr val="0070C0"/>
+                </a:solidFill>
+                <a:latin typeface="Arial" panose="020B0604020202020204" pitchFamily="34" charset="0"/>
+                <a:cs typeface="Arial" panose="020B0604020202020204" pitchFamily="34" charset="0"/>
+              </a:rPr>
+              <a:t>(</a:t>
+            </a:r>
+            <a:r>
+              <a:rPr lang="en-US" sz="1400" dirty="0" err="1">
+                <a:solidFill>
+                  <a:srgbClr val="0070C0"/>
+                </a:solidFill>
+                <a:latin typeface="Arial" panose="020B0604020202020204" pitchFamily="34" charset="0"/>
+                <a:cs typeface="Arial" panose="020B0604020202020204" pitchFamily="34" charset="0"/>
+              </a:rPr>
+              <a:t>classSize</a:t>
+            </a:r>
+            <a:r>
+              <a:rPr lang="en-US" sz="1400" dirty="0">
+                <a:solidFill>
+                  <a:srgbClr val="0070C0"/>
+                </a:solidFill>
+                <a:latin typeface="Arial" panose="020B0604020202020204" pitchFamily="34" charset="0"/>
+                <a:cs typeface="Arial" panose="020B0604020202020204" pitchFamily="34" charset="0"/>
+              </a:rPr>
+              <a:t> &gt; 30) </a:t>
+            </a:r>
+            <a:r>
+              <a:rPr lang="en-US" sz="1400" dirty="0">
+                <a:solidFill>
+                  <a:srgbClr val="FF0000"/>
+                </a:solidFill>
+                <a:latin typeface="Arial" panose="020B0604020202020204" pitchFamily="34" charset="0"/>
+                <a:cs typeface="Arial" panose="020B0604020202020204" pitchFamily="34" charset="0"/>
+              </a:rPr>
+              <a:t>:</a:t>
+            </a:r>
+          </a:p>
+          <a:p>
+            <a:r>
+              <a:rPr lang="en-US" sz="1400" dirty="0" smtClean="0">
+                <a:solidFill>
+                  <a:srgbClr val="FF0000"/>
+                </a:solidFill>
+                <a:latin typeface="Arial" panose="020B0604020202020204" pitchFamily="34" charset="0"/>
+                <a:cs typeface="Arial" panose="020B0604020202020204" pitchFamily="34" charset="0"/>
+              </a:rPr>
+              <a:t>    extra </a:t>
+            </a:r>
+            <a:r>
+              <a:rPr lang="en-US" sz="1400" dirty="0">
+                <a:solidFill>
+                  <a:srgbClr val="FF0000"/>
+                </a:solidFill>
+                <a:latin typeface="Arial" panose="020B0604020202020204" pitchFamily="34" charset="0"/>
+                <a:cs typeface="Arial" panose="020B0604020202020204" pitchFamily="34" charset="0"/>
+              </a:rPr>
+              <a:t>= </a:t>
+            </a:r>
+            <a:r>
+              <a:rPr lang="en-US" sz="1400" dirty="0" err="1">
+                <a:solidFill>
+                  <a:srgbClr val="FF0000"/>
+                </a:solidFill>
+                <a:latin typeface="Arial" panose="020B0604020202020204" pitchFamily="34" charset="0"/>
+                <a:cs typeface="Arial" panose="020B0604020202020204" pitchFamily="34" charset="0"/>
+              </a:rPr>
+              <a:t>classSize</a:t>
+            </a:r>
+            <a:r>
+              <a:rPr lang="en-US" sz="1400" dirty="0">
+                <a:solidFill>
+                  <a:srgbClr val="FF0000"/>
+                </a:solidFill>
+                <a:latin typeface="Arial" panose="020B0604020202020204" pitchFamily="34" charset="0"/>
+                <a:cs typeface="Arial" panose="020B0604020202020204" pitchFamily="34" charset="0"/>
+              </a:rPr>
+              <a:t> - 30 </a:t>
+            </a:r>
+          </a:p>
+          <a:p>
+            <a:r>
+              <a:rPr lang="en-US" sz="1400" dirty="0" smtClean="0">
+                <a:solidFill>
+                  <a:srgbClr val="FF0000"/>
+                </a:solidFill>
+                <a:latin typeface="Arial" panose="020B0604020202020204" pitchFamily="34" charset="0"/>
+                <a:cs typeface="Arial" panose="020B0604020202020204" pitchFamily="34" charset="0"/>
+              </a:rPr>
+              <a:t>    print</a:t>
+            </a:r>
+            <a:r>
+              <a:rPr lang="en-US" sz="1400" dirty="0">
+                <a:solidFill>
+                  <a:srgbClr val="FF0000"/>
+                </a:solidFill>
+                <a:latin typeface="Arial" panose="020B0604020202020204" pitchFamily="34" charset="0"/>
+                <a:cs typeface="Arial" panose="020B0604020202020204" pitchFamily="34" charset="0"/>
+              </a:rPr>
+              <a:t>("You need %d more computers" % extra)</a:t>
+            </a:r>
+          </a:p>
+          <a:p>
+            <a:endParaRPr lang="en-CA" sz="1400" dirty="0" smtClean="0">
+              <a:solidFill>
+                <a:srgbClr val="FF0000"/>
+              </a:solidFill>
+              <a:latin typeface="Arial" panose="020B0604020202020204" pitchFamily="34" charset="0"/>
+              <a:cs typeface="Arial" panose="020B0604020202020204" pitchFamily="34" charset="0"/>
+            </a:endParaRPr>
+          </a:p>
+          <a:p>
+            <a:r>
+              <a:rPr lang="en-CA" sz="1400" dirty="0">
+                <a:solidFill>
+                  <a:srgbClr val="FF0000"/>
+                </a:solidFill>
+                <a:latin typeface="Arial" panose="020B0604020202020204" pitchFamily="34" charset="0"/>
+                <a:cs typeface="Arial" panose="020B0604020202020204" pitchFamily="34" charset="0"/>
+              </a:rPr>
+              <a:t>print("Let's start our lesson</a:t>
+            </a:r>
+            <a:r>
+              <a:rPr lang="en-CA" sz="1400" dirty="0" smtClean="0">
+                <a:solidFill>
+                  <a:srgbClr val="FF0000"/>
+                </a:solidFill>
+                <a:latin typeface="Arial" panose="020B0604020202020204" pitchFamily="34" charset="0"/>
+                <a:cs typeface="Arial" panose="020B0604020202020204" pitchFamily="34" charset="0"/>
+              </a:rPr>
+              <a:t>")</a:t>
+            </a:r>
+            <a:endParaRPr lang="en-US" sz="1400" dirty="0" smtClean="0">
+              <a:solidFill>
+                <a:srgbClr val="FF0000"/>
+              </a:solidFill>
+              <a:latin typeface="Arial" panose="020B0604020202020204" pitchFamily="34" charset="0"/>
+              <a:cs typeface="Arial" panose="020B0604020202020204" pitchFamily="34" charset="0"/>
+            </a:endParaRPr>
+          </a:p>
+          <a:p>
+            <a:endParaRPr lang="en-US" sz="1400" dirty="0">
+              <a:solidFill>
+                <a:srgbClr val="FF0000"/>
+              </a:solidFill>
+              <a:latin typeface="Arial" panose="020B0604020202020204" pitchFamily="34" charset="0"/>
+              <a:cs typeface="Arial" panose="020B0604020202020204" pitchFamily="34" charset="0"/>
+            </a:endParaRPr>
+          </a:p>
+        </p:txBody>
+      </p:sp>
+      <p:pic>
+        <p:nvPicPr>
+          <p:cNvPr id="5" name="Picture 4"/>
+          <p:cNvPicPr>
+            <a:picLocks noChangeAspect="1"/>
+          </p:cNvPicPr>
+          <p:nvPr/>
+        </p:nvPicPr>
+        <p:blipFill>
+          <a:blip r:embed="rId2"/>
+          <a:stretch>
+            <a:fillRect/>
+          </a:stretch>
+        </p:blipFill>
+        <p:spPr>
+          <a:xfrm>
+            <a:off x="5713583" y="4133949"/>
+            <a:ext cx="2367818" cy="2418789"/>
+          </a:xfrm>
+          <a:prstGeom prst="rect">
+            <a:avLst/>
+          </a:prstGeom>
+        </p:spPr>
+      </p:pic>
+      <p:sp>
+        <p:nvSpPr>
+          <p:cNvPr id="7" name="Oval 6"/>
+          <p:cNvSpPr/>
+          <p:nvPr/>
+        </p:nvSpPr>
+        <p:spPr>
+          <a:xfrm>
+            <a:off x="5970495" y="4491415"/>
+            <a:ext cx="1223683" cy="752938"/>
+          </a:xfrm>
+          <a:prstGeom prst="ellipse">
+            <a:avLst/>
+          </a:prstGeom>
+          <a:noFill/>
+          <a:ln>
+            <a:solidFill>
+              <a:srgbClr val="FF0000"/>
+            </a:solidFill>
+          </a:ln>
+        </p:spPr>
+        <p:style>
+          <a:lnRef idx="2">
+            <a:schemeClr val="accent1">
+              <a:shade val="50000"/>
+            </a:schemeClr>
+          </a:lnRef>
+          <a:fillRef idx="1">
+            <a:schemeClr val="accent1"/>
+          </a:fillRef>
+          <a:effectRef idx="0">
+            <a:schemeClr val="accent1"/>
+          </a:effectRef>
+          <a:fontRef idx="minor">
+            <a:schemeClr val="lt1"/>
+          </a:fontRef>
+        </p:style>
+        <p:txBody>
+          <a:bodyPr rtlCol="0" anchor="ctr"/>
+          <a:lstStyle/>
+          <a:p>
+            <a:pPr algn="ctr"/>
             <a:endParaRPr lang="en-US"/>
           </a:p>
         </p:txBody>
@@ -3385,7 +4881,7 @@
     </p:spTree>
     <p:extLst>
       <p:ext uri="{BB962C8B-B14F-4D97-AF65-F5344CB8AC3E}">
-        <p14:creationId xmlns:p14="http://schemas.microsoft.com/office/powerpoint/2010/main" val="2508746152"/>
+        <p14:creationId xmlns:p14="http://schemas.microsoft.com/office/powerpoint/2010/main" val="1827779062"/>
       </p:ext>
     </p:extLst>
   </p:cSld>
@@ -3429,7 +4925,7 @@
           <a:p>
             <a:r>
               <a:rPr lang="en-CA" dirty="0" smtClean="0"/>
-              <a:t>Line Comments</a:t>
+              <a:t>Is Equal To (==)</a:t>
             </a:r>
             <a:endParaRPr lang="en-US" dirty="0"/>
           </a:p>
@@ -3450,14 +4946,146 @@
           <a:bodyPr/>
           <a:lstStyle/>
           <a:p>
-            <a:endParaRPr lang="en-US"/>
+            <a:r>
+              <a:rPr lang="en-CA" dirty="0" smtClean="0"/>
+              <a:t>The operator to check for Equal To is </a:t>
+            </a:r>
+            <a:r>
+              <a:rPr lang="en-CA" b="1" dirty="0" smtClean="0">
+                <a:solidFill>
+                  <a:srgbClr val="0070C0"/>
+                </a:solidFill>
+              </a:rPr>
+              <a:t>==</a:t>
+            </a:r>
+          </a:p>
+          <a:p>
+            <a:pPr lvl="1"/>
+            <a:r>
+              <a:rPr lang="en-CA" dirty="0" smtClean="0"/>
+              <a:t>Not </a:t>
+            </a:r>
+            <a:r>
+              <a:rPr lang="en-CA" dirty="0" smtClean="0">
+                <a:solidFill>
+                  <a:srgbClr val="0070C0"/>
+                </a:solidFill>
+              </a:rPr>
+              <a:t>= </a:t>
+            </a:r>
+            <a:r>
+              <a:rPr lang="en-CA" dirty="0" smtClean="0"/>
+              <a:t>(i.e. the Assignment Operator)</a:t>
+            </a:r>
+          </a:p>
+          <a:p>
+            <a:pPr lvl="2"/>
+            <a:r>
+              <a:rPr lang="en-CA" dirty="0" smtClean="0"/>
+              <a:t>Assignment is always true</a:t>
+            </a:r>
+          </a:p>
+          <a:p>
+            <a:pPr lvl="1"/>
+            <a:r>
+              <a:rPr lang="en-CA" dirty="0" smtClean="0"/>
+              <a:t>Always use </a:t>
+            </a:r>
+            <a:r>
+              <a:rPr lang="en-CA" dirty="0" smtClean="0">
+                <a:solidFill>
+                  <a:srgbClr val="00B0F0"/>
+                </a:solidFill>
+              </a:rPr>
+              <a:t>==</a:t>
+            </a:r>
+            <a:r>
+              <a:rPr lang="en-CA" dirty="0" smtClean="0"/>
+              <a:t> to check equality!</a:t>
+            </a:r>
+          </a:p>
+          <a:p>
+            <a:pPr lvl="1"/>
+            <a:r>
+              <a:rPr lang="en-CA" dirty="0" smtClean="0"/>
+              <a:t>Using </a:t>
+            </a:r>
+            <a:r>
+              <a:rPr lang="en-CA" dirty="0" smtClean="0">
+                <a:solidFill>
+                  <a:srgbClr val="00B0F0"/>
+                </a:solidFill>
+              </a:rPr>
+              <a:t>=</a:t>
+            </a:r>
+            <a:r>
+              <a:rPr lang="en-CA" dirty="0" smtClean="0"/>
+              <a:t> instead of </a:t>
+            </a:r>
+            <a:r>
+              <a:rPr lang="en-CA" dirty="0" smtClean="0">
+                <a:solidFill>
+                  <a:srgbClr val="00B0F0"/>
+                </a:solidFill>
+              </a:rPr>
+              <a:t>==</a:t>
+            </a:r>
+            <a:r>
+              <a:rPr lang="en-CA" dirty="0" smtClean="0"/>
+              <a:t> is one of the biggest </a:t>
+            </a:r>
+            <a:br>
+              <a:rPr lang="en-CA" dirty="0" smtClean="0"/>
+            </a:br>
+            <a:r>
+              <a:rPr lang="en-CA" dirty="0" smtClean="0"/>
+              <a:t>rookie mistakes</a:t>
+            </a:r>
+          </a:p>
+          <a:p>
+            <a:pPr lvl="1"/>
+            <a:endParaRPr lang="en-CA" dirty="0"/>
+          </a:p>
+          <a:p>
+            <a:r>
+              <a:rPr lang="en-CA" dirty="0" smtClean="0"/>
+              <a:t>The operator </a:t>
+            </a:r>
+            <a:r>
+              <a:rPr lang="en-CA" b="1" dirty="0" smtClean="0">
+                <a:solidFill>
+                  <a:srgbClr val="00B0F0"/>
+                </a:solidFill>
+              </a:rPr>
+              <a:t>!=</a:t>
+            </a:r>
+            <a:r>
+              <a:rPr lang="en-CA" dirty="0" smtClean="0"/>
+              <a:t> is the opposite of ==</a:t>
+            </a:r>
+          </a:p>
+          <a:p>
+            <a:pPr lvl="1"/>
+            <a:r>
+              <a:rPr lang="en-CA" dirty="0" smtClean="0">
+                <a:solidFill>
+                  <a:srgbClr val="00B0F0"/>
+                </a:solidFill>
+              </a:rPr>
+              <a:t>!=</a:t>
+            </a:r>
+            <a:r>
+              <a:rPr lang="en-CA" dirty="0" smtClean="0"/>
+              <a:t> checks for Not Equal To</a:t>
+            </a:r>
+            <a:endParaRPr lang="en-US" dirty="0"/>
           </a:p>
         </p:txBody>
       </p:sp>
     </p:spTree>
     <p:extLst>
       <p:ext uri="{BB962C8B-B14F-4D97-AF65-F5344CB8AC3E}">
-        <p14:creationId xmlns:p14="http://schemas.microsoft.com/office/powerpoint/2010/main" val="1889764631"/>
+        <p14:creationId xmlns:p14="http://schemas.microsoft.com/office/powerpoint/2010/main" val="3589622207"/>
       </p:ext>
     </p:extLst>
   </p:cSld>
@@ -3500,8 +5128,8 @@
           <a:lstStyle/>
           <a:p>
             <a:r>
-              <a:rPr lang="en-CA" dirty="0" smtClean="0"/>
-              <a:t>Block Comments</a:t>
+              <a:rPr lang="en-CA" dirty="0"/>
+              <a:t>ELSE Statement Control</a:t>
             </a:r>
             <a:endParaRPr lang="en-US" dirty="0"/>
           </a:p>
@@ -3517,19 +5145,450 @@
             <p:ph idx="1"/>
           </p:nvPr>
         </p:nvSpPr>
-        <p:spPr/>
-        <p:txBody>
-          <a:bodyPr/>
-          <a:lstStyle/>
-          <a:p>
-            <a:endParaRPr lang="en-US"/>
-          </a:p>
-        </p:txBody>
-      </p:sp>
+        <p:spPr>
+          <a:xfrm>
+            <a:off x="628650" y="1825625"/>
+            <a:ext cx="3783094" cy="4351338"/>
+          </a:xfrm>
+        </p:spPr>
+        <p:txBody>
+          <a:bodyPr>
+            <a:normAutofit/>
+          </a:bodyPr>
+          <a:lstStyle/>
+          <a:p>
+            <a:r>
+              <a:rPr lang="en-CA" sz="2000" dirty="0" smtClean="0"/>
+              <a:t>Sometimes computer programs require </a:t>
+            </a:r>
+            <a:r>
+              <a:rPr lang="en-CA" sz="2000" u="sng" dirty="0" smtClean="0">
+                <a:solidFill>
+                  <a:srgbClr val="0070C0"/>
+                </a:solidFill>
+              </a:rPr>
+              <a:t>two</a:t>
+            </a:r>
+            <a:r>
+              <a:rPr lang="en-CA" sz="2000" dirty="0" smtClean="0"/>
+              <a:t> </a:t>
+            </a:r>
+            <a:r>
+              <a:rPr lang="en-CA" sz="2000" dirty="0" smtClean="0">
+                <a:solidFill>
+                  <a:srgbClr val="0070C0"/>
+                </a:solidFill>
+              </a:rPr>
+              <a:t>alternative </a:t>
+            </a:r>
+            <a:r>
+              <a:rPr lang="en-CA" sz="2000" dirty="0" smtClean="0">
+                <a:solidFill>
+                  <a:srgbClr val="0070C0"/>
+                </a:solidFill>
+              </a:rPr>
+              <a:t>actions</a:t>
+            </a:r>
+          </a:p>
+          <a:p>
+            <a:pPr lvl="1"/>
+            <a:r>
+              <a:rPr lang="en-CA" sz="1600" dirty="0" smtClean="0"/>
+              <a:t>Commands to be done when the </a:t>
+            </a:r>
+            <a:br>
+              <a:rPr lang="en-CA" sz="1600" dirty="0" smtClean="0"/>
+            </a:br>
+            <a:r>
+              <a:rPr lang="en-CA" sz="1600" dirty="0" smtClean="0"/>
+              <a:t>if </a:t>
+            </a:r>
+            <a:r>
+              <a:rPr lang="en-CA" sz="1600" dirty="0" smtClean="0"/>
+              <a:t>condition is </a:t>
+            </a:r>
+            <a:r>
+              <a:rPr lang="en-CA" sz="1600" dirty="0" smtClean="0"/>
+              <a:t>false</a:t>
+            </a:r>
+          </a:p>
+          <a:p>
+            <a:pPr lvl="1"/>
+            <a:r>
+              <a:rPr lang="en-CA" sz="1600" dirty="0" smtClean="0"/>
+              <a:t>Provides a second option</a:t>
+            </a:r>
+            <a:endParaRPr lang="en-CA" sz="1600" dirty="0"/>
+          </a:p>
+          <a:p>
+            <a:pPr lvl="1"/>
+            <a:endParaRPr lang="en-CA" sz="2000" dirty="0"/>
+          </a:p>
+          <a:p>
+            <a:r>
+              <a:rPr lang="en-CA" sz="2000" dirty="0" smtClean="0"/>
+              <a:t>Allows a program to say:</a:t>
+            </a:r>
+          </a:p>
+          <a:p>
+            <a:pPr lvl="1"/>
+            <a:r>
+              <a:rPr lang="en-CA" sz="1600" dirty="0" smtClean="0"/>
+              <a:t>"Do this otherwise do that"</a:t>
+            </a:r>
+            <a:endParaRPr lang="en-CA" sz="1600" dirty="0"/>
+          </a:p>
+          <a:p>
+            <a:pPr lvl="1"/>
+            <a:endParaRPr lang="en-CA" sz="2000" dirty="0"/>
+          </a:p>
+          <a:p>
+            <a:r>
+              <a:rPr lang="en-CA" sz="2000" dirty="0" smtClean="0"/>
+              <a:t>Note the Syntax:</a:t>
+            </a:r>
+          </a:p>
+          <a:p>
+            <a:pPr lvl="1"/>
+            <a:r>
+              <a:rPr lang="en-CA" sz="1600" dirty="0" smtClean="0"/>
+              <a:t>Lowercase </a:t>
+            </a:r>
+            <a:r>
+              <a:rPr lang="en-CA" sz="1600" dirty="0" smtClean="0">
+                <a:solidFill>
+                  <a:srgbClr val="0070C0"/>
+                </a:solidFill>
+              </a:rPr>
+              <a:t>else</a:t>
+            </a:r>
+            <a:endParaRPr lang="en-CA" sz="1600" b="1" dirty="0" smtClean="0">
+              <a:solidFill>
+                <a:srgbClr val="0070C0"/>
+              </a:solidFill>
+            </a:endParaRPr>
+          </a:p>
+          <a:p>
+            <a:pPr lvl="1"/>
+            <a:r>
+              <a:rPr lang="en-CA" sz="1600" dirty="0"/>
+              <a:t>Ending colon </a:t>
+            </a:r>
+            <a:r>
+              <a:rPr lang="en-CA" sz="1600" b="1" dirty="0" smtClean="0">
+                <a:solidFill>
+                  <a:srgbClr val="0070C0"/>
+                </a:solidFill>
+              </a:rPr>
+              <a:t>:</a:t>
+            </a:r>
+          </a:p>
+          <a:p>
+            <a:pPr lvl="1"/>
+            <a:r>
+              <a:rPr lang="en-CA" sz="1600" dirty="0" smtClean="0"/>
+              <a:t>Indented code block</a:t>
+            </a:r>
+            <a:endParaRPr lang="en-US" sz="1600" dirty="0"/>
+          </a:p>
+        </p:txBody>
+      </p:sp>
+      <p:sp>
+        <p:nvSpPr>
+          <p:cNvPr id="4" name="TextBox 3"/>
+          <p:cNvSpPr txBox="1"/>
+          <p:nvPr/>
+        </p:nvSpPr>
+        <p:spPr>
+          <a:xfrm>
+            <a:off x="4910432" y="1825625"/>
+            <a:ext cx="4036233" cy="2308324"/>
+          </a:xfrm>
+          <a:prstGeom prst="rect">
+            <a:avLst/>
+          </a:prstGeom>
+          <a:noFill/>
+        </p:spPr>
+        <p:txBody>
+          <a:bodyPr wrap="none" rtlCol="0">
+            <a:spAutoFit/>
+          </a:bodyPr>
+          <a:lstStyle/>
+          <a:p>
+            <a:r>
+              <a:rPr lang="en-US" b="1" u="sng" dirty="0" smtClean="0">
+                <a:latin typeface="Arial" panose="020B0604020202020204" pitchFamily="34" charset="0"/>
+                <a:cs typeface="Arial" panose="020B0604020202020204" pitchFamily="34" charset="0"/>
+              </a:rPr>
+              <a:t>Sample Program:</a:t>
+            </a:r>
+          </a:p>
+          <a:p>
+            <a:endParaRPr lang="en-US" sz="1400" dirty="0">
+              <a:solidFill>
+                <a:srgbClr val="FF0000"/>
+              </a:solidFill>
+              <a:latin typeface="Arial" panose="020B0604020202020204" pitchFamily="34" charset="0"/>
+              <a:cs typeface="Arial" panose="020B0604020202020204" pitchFamily="34" charset="0"/>
+            </a:endParaRPr>
+          </a:p>
+          <a:p>
+            <a:r>
+              <a:rPr lang="en-US" sz="1400" dirty="0" err="1">
+                <a:solidFill>
+                  <a:srgbClr val="FF0000"/>
+                </a:solidFill>
+                <a:latin typeface="Arial" panose="020B0604020202020204" pitchFamily="34" charset="0"/>
+                <a:cs typeface="Arial" panose="020B0604020202020204" pitchFamily="34" charset="0"/>
+              </a:rPr>
+              <a:t>classSize</a:t>
+            </a:r>
+            <a:r>
+              <a:rPr lang="en-US" sz="1400" dirty="0">
+                <a:solidFill>
+                  <a:srgbClr val="FF0000"/>
+                </a:solidFill>
+                <a:latin typeface="Arial" panose="020B0604020202020204" pitchFamily="34" charset="0"/>
+                <a:cs typeface="Arial" panose="020B0604020202020204" pitchFamily="34" charset="0"/>
+              </a:rPr>
+              <a:t> = </a:t>
+            </a:r>
+            <a:r>
+              <a:rPr lang="en-US" sz="1400" dirty="0" err="1">
+                <a:solidFill>
+                  <a:srgbClr val="FF0000"/>
+                </a:solidFill>
+                <a:latin typeface="Arial" panose="020B0604020202020204" pitchFamily="34" charset="0"/>
+                <a:cs typeface="Arial" panose="020B0604020202020204" pitchFamily="34" charset="0"/>
+              </a:rPr>
+              <a:t>int</a:t>
+            </a:r>
+            <a:r>
+              <a:rPr lang="en-US" sz="1400" dirty="0">
+                <a:solidFill>
+                  <a:srgbClr val="FF0000"/>
+                </a:solidFill>
+                <a:latin typeface="Arial" panose="020B0604020202020204" pitchFamily="34" charset="0"/>
+                <a:cs typeface="Arial" panose="020B0604020202020204" pitchFamily="34" charset="0"/>
+              </a:rPr>
+              <a:t>(input("How many students:"))</a:t>
+            </a:r>
+          </a:p>
+          <a:p>
+            <a:r>
+              <a:rPr lang="en-US" sz="1400" dirty="0">
+                <a:solidFill>
+                  <a:srgbClr val="FF0000"/>
+                </a:solidFill>
+                <a:latin typeface="Arial" panose="020B0604020202020204" pitchFamily="34" charset="0"/>
+                <a:cs typeface="Arial" panose="020B0604020202020204" pitchFamily="34" charset="0"/>
+              </a:rPr>
+              <a:t/>
+            </a:r>
+            <a:br>
+              <a:rPr lang="en-US" sz="1400" dirty="0">
+                <a:solidFill>
+                  <a:srgbClr val="FF0000"/>
+                </a:solidFill>
+                <a:latin typeface="Arial" panose="020B0604020202020204" pitchFamily="34" charset="0"/>
+                <a:cs typeface="Arial" panose="020B0604020202020204" pitchFamily="34" charset="0"/>
+              </a:rPr>
+            </a:br>
+            <a:r>
+              <a:rPr lang="en-US" sz="1400" dirty="0">
+                <a:solidFill>
+                  <a:srgbClr val="FF0000"/>
+                </a:solidFill>
+                <a:latin typeface="Arial" panose="020B0604020202020204" pitchFamily="34" charset="0"/>
+                <a:cs typeface="Arial" panose="020B0604020202020204" pitchFamily="34" charset="0"/>
+              </a:rPr>
+              <a:t>if (</a:t>
+            </a:r>
+            <a:r>
+              <a:rPr lang="en-US" sz="1400" dirty="0" err="1">
+                <a:solidFill>
+                  <a:srgbClr val="FF0000"/>
+                </a:solidFill>
+                <a:latin typeface="Arial" panose="020B0604020202020204" pitchFamily="34" charset="0"/>
+                <a:cs typeface="Arial" panose="020B0604020202020204" pitchFamily="34" charset="0"/>
+              </a:rPr>
+              <a:t>classSize</a:t>
+            </a:r>
+            <a:r>
+              <a:rPr lang="en-US" sz="1400" dirty="0">
+                <a:solidFill>
+                  <a:srgbClr val="FF0000"/>
+                </a:solidFill>
+                <a:latin typeface="Arial" panose="020B0604020202020204" pitchFamily="34" charset="0"/>
+                <a:cs typeface="Arial" panose="020B0604020202020204" pitchFamily="34" charset="0"/>
+              </a:rPr>
+              <a:t> &gt; 30) :</a:t>
+            </a:r>
+          </a:p>
+          <a:p>
+            <a:r>
+              <a:rPr lang="en-US" sz="1400" dirty="0" smtClean="0">
+                <a:solidFill>
+                  <a:srgbClr val="FF0000"/>
+                </a:solidFill>
+                <a:latin typeface="Arial" panose="020B0604020202020204" pitchFamily="34" charset="0"/>
+                <a:cs typeface="Arial" panose="020B0604020202020204" pitchFamily="34" charset="0"/>
+              </a:rPr>
+              <a:t>    extra </a:t>
+            </a:r>
+            <a:r>
+              <a:rPr lang="en-US" sz="1400" dirty="0">
+                <a:solidFill>
+                  <a:srgbClr val="FF0000"/>
+                </a:solidFill>
+                <a:latin typeface="Arial" panose="020B0604020202020204" pitchFamily="34" charset="0"/>
+                <a:cs typeface="Arial" panose="020B0604020202020204" pitchFamily="34" charset="0"/>
+              </a:rPr>
+              <a:t>= </a:t>
+            </a:r>
+            <a:r>
+              <a:rPr lang="en-US" sz="1400" dirty="0" err="1">
+                <a:solidFill>
+                  <a:srgbClr val="FF0000"/>
+                </a:solidFill>
+                <a:latin typeface="Arial" panose="020B0604020202020204" pitchFamily="34" charset="0"/>
+                <a:cs typeface="Arial" panose="020B0604020202020204" pitchFamily="34" charset="0"/>
+              </a:rPr>
+              <a:t>classSize</a:t>
+            </a:r>
+            <a:r>
+              <a:rPr lang="en-US" sz="1400" dirty="0">
+                <a:solidFill>
+                  <a:srgbClr val="FF0000"/>
+                </a:solidFill>
+                <a:latin typeface="Arial" panose="020B0604020202020204" pitchFamily="34" charset="0"/>
+                <a:cs typeface="Arial" panose="020B0604020202020204" pitchFamily="34" charset="0"/>
+              </a:rPr>
+              <a:t> - 30 </a:t>
+            </a:r>
+          </a:p>
+          <a:p>
+            <a:r>
+              <a:rPr lang="en-US" sz="1400" dirty="0" smtClean="0">
+                <a:solidFill>
+                  <a:srgbClr val="FF0000"/>
+                </a:solidFill>
+                <a:latin typeface="Arial" panose="020B0604020202020204" pitchFamily="34" charset="0"/>
+                <a:cs typeface="Arial" panose="020B0604020202020204" pitchFamily="34" charset="0"/>
+              </a:rPr>
+              <a:t>    print</a:t>
+            </a:r>
+            <a:r>
+              <a:rPr lang="en-US" sz="1400" dirty="0">
+                <a:solidFill>
+                  <a:srgbClr val="FF0000"/>
+                </a:solidFill>
+                <a:latin typeface="Arial" panose="020B0604020202020204" pitchFamily="34" charset="0"/>
+                <a:cs typeface="Arial" panose="020B0604020202020204" pitchFamily="34" charset="0"/>
+              </a:rPr>
+              <a:t>("You need %d more computers" % extra)</a:t>
+            </a:r>
+          </a:p>
+          <a:p>
+            <a:r>
+              <a:rPr lang="en-CA" sz="1400" dirty="0" smtClean="0">
+                <a:solidFill>
+                  <a:srgbClr val="0070C0"/>
+                </a:solidFill>
+                <a:latin typeface="Arial" panose="020B0604020202020204" pitchFamily="34" charset="0"/>
+                <a:cs typeface="Arial" panose="020B0604020202020204" pitchFamily="34" charset="0"/>
+              </a:rPr>
+              <a:t>else :</a:t>
+            </a:r>
+          </a:p>
+          <a:p>
+            <a:r>
+              <a:rPr lang="en-CA" sz="1400" dirty="0" smtClean="0">
+                <a:solidFill>
+                  <a:srgbClr val="FF0000"/>
+                </a:solidFill>
+                <a:latin typeface="Arial" panose="020B0604020202020204" pitchFamily="34" charset="0"/>
+                <a:cs typeface="Arial" panose="020B0604020202020204" pitchFamily="34" charset="0"/>
+              </a:rPr>
+              <a:t>    </a:t>
+            </a:r>
+            <a:r>
+              <a:rPr lang="en-CA" sz="1400" dirty="0" smtClean="0">
+                <a:solidFill>
+                  <a:srgbClr val="0070C0"/>
+                </a:solidFill>
+                <a:latin typeface="Arial" panose="020B0604020202020204" pitchFamily="34" charset="0"/>
+                <a:cs typeface="Arial" panose="020B0604020202020204" pitchFamily="34" charset="0"/>
+              </a:rPr>
+              <a:t>print</a:t>
+            </a:r>
+            <a:r>
+              <a:rPr lang="en-CA" sz="1400" dirty="0">
+                <a:solidFill>
+                  <a:srgbClr val="0070C0"/>
+                </a:solidFill>
+                <a:latin typeface="Arial" panose="020B0604020202020204" pitchFamily="34" charset="0"/>
+                <a:cs typeface="Arial" panose="020B0604020202020204" pitchFamily="34" charset="0"/>
+              </a:rPr>
+              <a:t>("Let's start our lesson</a:t>
+            </a:r>
+            <a:r>
+              <a:rPr lang="en-CA" sz="1400" dirty="0" smtClean="0">
+                <a:solidFill>
+                  <a:srgbClr val="0070C0"/>
+                </a:solidFill>
+                <a:latin typeface="Arial" panose="020B0604020202020204" pitchFamily="34" charset="0"/>
+                <a:cs typeface="Arial" panose="020B0604020202020204" pitchFamily="34" charset="0"/>
+              </a:rPr>
+              <a:t>")</a:t>
+            </a:r>
+            <a:endParaRPr lang="en-US" sz="1400" dirty="0" smtClean="0">
+              <a:solidFill>
+                <a:srgbClr val="0070C0"/>
+              </a:solidFill>
+              <a:latin typeface="Arial" panose="020B0604020202020204" pitchFamily="34" charset="0"/>
+              <a:cs typeface="Arial" panose="020B0604020202020204" pitchFamily="34" charset="0"/>
+            </a:endParaRPr>
+          </a:p>
+          <a:p>
+            <a:endParaRPr lang="en-US" sz="1400" dirty="0">
+              <a:solidFill>
+                <a:srgbClr val="FF0000"/>
+              </a:solidFill>
+              <a:latin typeface="Arial" panose="020B0604020202020204" pitchFamily="34" charset="0"/>
+              <a:cs typeface="Arial" panose="020B0604020202020204" pitchFamily="34" charset="0"/>
+            </a:endParaRPr>
+          </a:p>
+        </p:txBody>
+      </p:sp>
+      <p:pic>
+        <p:nvPicPr>
+          <p:cNvPr id="5" name="Picture 4"/>
+          <p:cNvPicPr>
+            <a:picLocks noChangeAspect="1"/>
+          </p:cNvPicPr>
+          <p:nvPr/>
+        </p:nvPicPr>
+        <p:blipFill>
+          <a:blip r:embed="rId2"/>
+          <a:stretch>
+            <a:fillRect/>
+          </a:stretch>
+        </p:blipFill>
+        <p:spPr>
+          <a:xfrm>
+            <a:off x="5782234" y="4133949"/>
+            <a:ext cx="2164977" cy="2644642"/>
+          </a:xfrm>
+          <a:prstGeom prst="rect">
+            <a:avLst/>
+          </a:prstGeom>
+        </p:spPr>
+      </p:pic>
     </p:spTree>
     <p:extLst>
       <p:ext uri="{BB962C8B-B14F-4D97-AF65-F5344CB8AC3E}">
-        <p14:creationId xmlns:p14="http://schemas.microsoft.com/office/powerpoint/2010/main" val="2600602265"/>
+        <p14:creationId xmlns:p14="http://schemas.microsoft.com/office/powerpoint/2010/main" val="3791503395"/>
       </p:ext>
     </p:extLst>
   </p:cSld>
@@ -3573,7 +5632,11 @@
           <a:p>
             <a:r>
               <a:rPr lang="en-CA" dirty="0" smtClean="0"/>
-              <a:t>Conditional Loop</a:t>
+              <a:t>ELIF </a:t>
+            </a:r>
+            <a:r>
+              <a:rPr lang="en-CA" dirty="0"/>
+              <a:t>Statement Control</a:t>
             </a:r>
             <a:endParaRPr lang="en-US" dirty="0"/>
           </a:p>
@@ -3589,19 +5652,569 @@
             <p:ph idx="1"/>
           </p:nvPr>
         </p:nvSpPr>
-        <p:spPr/>
-        <p:txBody>
-          <a:bodyPr/>
-          <a:lstStyle/>
-          <a:p>
-            <a:endParaRPr lang="en-US"/>
-          </a:p>
-        </p:txBody>
-      </p:sp>
+        <p:spPr>
+          <a:xfrm>
+            <a:off x="628650" y="1825625"/>
+            <a:ext cx="3783094" cy="4351338"/>
+          </a:xfrm>
+        </p:spPr>
+        <p:txBody>
+          <a:bodyPr>
+            <a:normAutofit/>
+          </a:bodyPr>
+          <a:lstStyle/>
+          <a:p>
+            <a:r>
+              <a:rPr lang="en-CA" sz="2000" dirty="0"/>
+              <a:t>Sometimes computer programs require </a:t>
+            </a:r>
+            <a:r>
+              <a:rPr lang="en-CA" sz="2000" u="sng" dirty="0" smtClean="0">
+                <a:solidFill>
+                  <a:srgbClr val="0070C0"/>
+                </a:solidFill>
+              </a:rPr>
+              <a:t>many</a:t>
+            </a:r>
+            <a:r>
+              <a:rPr lang="en-CA" sz="2000" dirty="0" smtClean="0">
+                <a:solidFill>
+                  <a:srgbClr val="0070C0"/>
+                </a:solidFill>
+              </a:rPr>
+              <a:t> alternative </a:t>
+            </a:r>
+            <a:r>
+              <a:rPr lang="en-CA" sz="2000" dirty="0">
+                <a:solidFill>
+                  <a:srgbClr val="0070C0"/>
+                </a:solidFill>
+              </a:rPr>
+              <a:t>actions</a:t>
+            </a:r>
+          </a:p>
+          <a:p>
+            <a:pPr lvl="1"/>
+            <a:r>
+              <a:rPr lang="en-CA" sz="1600" dirty="0" smtClean="0"/>
+              <a:t>Each </a:t>
+            </a:r>
+            <a:r>
+              <a:rPr lang="en-CA" sz="1600" dirty="0" err="1" smtClean="0">
+                <a:solidFill>
+                  <a:srgbClr val="0070C0"/>
+                </a:solidFill>
+              </a:rPr>
+              <a:t>elif</a:t>
+            </a:r>
+            <a:r>
+              <a:rPr lang="en-CA" sz="1600" dirty="0" smtClean="0"/>
+              <a:t> has its </a:t>
+            </a:r>
+            <a:r>
+              <a:rPr lang="en-CA" sz="1600" dirty="0" smtClean="0">
+                <a:solidFill>
+                  <a:srgbClr val="0070C0"/>
+                </a:solidFill>
+              </a:rPr>
+              <a:t>own</a:t>
+            </a:r>
+            <a:r>
+              <a:rPr lang="en-CA" sz="1600" dirty="0" smtClean="0"/>
+              <a:t> condition</a:t>
+            </a:r>
+            <a:endParaRPr lang="en-CA" sz="1600" dirty="0"/>
+          </a:p>
+          <a:p>
+            <a:pPr lvl="1"/>
+            <a:r>
+              <a:rPr lang="en-CA" sz="1600" dirty="0" smtClean="0"/>
+              <a:t>Conditions are checked </a:t>
+            </a:r>
+            <a:r>
+              <a:rPr lang="en-CA" sz="1600" dirty="0" smtClean="0">
+                <a:solidFill>
+                  <a:srgbClr val="0070C0"/>
+                </a:solidFill>
+              </a:rPr>
+              <a:t>in order</a:t>
+            </a:r>
+          </a:p>
+          <a:p>
+            <a:pPr lvl="1"/>
+            <a:r>
+              <a:rPr lang="en-CA" sz="1600" dirty="0" smtClean="0"/>
+              <a:t>Code is executed for the </a:t>
+            </a:r>
+            <a:r>
+              <a:rPr lang="en-CA" sz="1600" dirty="0" smtClean="0">
+                <a:solidFill>
+                  <a:srgbClr val="0070C0"/>
+                </a:solidFill>
+              </a:rPr>
+              <a:t>first</a:t>
+            </a:r>
+            <a:r>
+              <a:rPr lang="en-CA" sz="1600" dirty="0" smtClean="0"/>
+              <a:t> one that is </a:t>
+            </a:r>
+            <a:r>
+              <a:rPr lang="en-CA" sz="1600" dirty="0" smtClean="0">
+                <a:solidFill>
+                  <a:srgbClr val="0070C0"/>
+                </a:solidFill>
+              </a:rPr>
+              <a:t>true</a:t>
+            </a:r>
+          </a:p>
+          <a:p>
+            <a:pPr lvl="1"/>
+            <a:r>
+              <a:rPr lang="en-CA" sz="1600" dirty="0" smtClean="0">
+                <a:solidFill>
+                  <a:srgbClr val="0070C0"/>
+                </a:solidFill>
+              </a:rPr>
+              <a:t>Only</a:t>
+            </a:r>
+            <a:r>
+              <a:rPr lang="en-CA" sz="1600" dirty="0" smtClean="0"/>
+              <a:t> the first true condition is executed, </a:t>
+            </a:r>
+            <a:r>
+              <a:rPr lang="en-CA" sz="1600" dirty="0" smtClean="0">
+                <a:solidFill>
+                  <a:srgbClr val="0070C0"/>
+                </a:solidFill>
+              </a:rPr>
+              <a:t>even if </a:t>
+            </a:r>
+            <a:r>
+              <a:rPr lang="en-CA" sz="1600" dirty="0" smtClean="0"/>
+              <a:t>next conditions are also true</a:t>
+            </a:r>
+            <a:endParaRPr lang="en-CA" sz="1600" dirty="0"/>
+          </a:p>
+          <a:p>
+            <a:pPr marL="457200" lvl="1" indent="0">
+              <a:buNone/>
+            </a:pPr>
+            <a:endParaRPr lang="en-CA" sz="2000" dirty="0"/>
+          </a:p>
+          <a:p>
+            <a:r>
+              <a:rPr lang="en-CA" sz="2000" dirty="0"/>
+              <a:t>Note the Syntax:</a:t>
+            </a:r>
+          </a:p>
+          <a:p>
+            <a:pPr lvl="1"/>
+            <a:r>
+              <a:rPr lang="en-CA" sz="1600" dirty="0"/>
+              <a:t>Lowercase </a:t>
+            </a:r>
+            <a:r>
+              <a:rPr lang="en-CA" sz="1600" dirty="0" err="1" smtClean="0">
+                <a:solidFill>
+                  <a:srgbClr val="0070C0"/>
+                </a:solidFill>
+              </a:rPr>
+              <a:t>elif</a:t>
+            </a:r>
+            <a:endParaRPr lang="en-CA" sz="1600" b="1" dirty="0">
+              <a:solidFill>
+                <a:srgbClr val="0070C0"/>
+              </a:solidFill>
+            </a:endParaRPr>
+          </a:p>
+          <a:p>
+            <a:pPr lvl="1"/>
+            <a:r>
+              <a:rPr lang="en-CA" sz="1600" dirty="0" smtClean="0"/>
+              <a:t>Its own </a:t>
+            </a:r>
+            <a:r>
+              <a:rPr lang="en-CA" sz="1600" dirty="0" smtClean="0">
+                <a:solidFill>
+                  <a:srgbClr val="0070C0"/>
+                </a:solidFill>
+              </a:rPr>
+              <a:t>conditional</a:t>
+            </a:r>
+            <a:r>
+              <a:rPr lang="en-CA" sz="1600" dirty="0" smtClean="0"/>
+              <a:t> expression</a:t>
+            </a:r>
+          </a:p>
+          <a:p>
+            <a:pPr lvl="1"/>
+            <a:r>
+              <a:rPr lang="en-CA" sz="1600" dirty="0" smtClean="0"/>
+              <a:t>Ending </a:t>
+            </a:r>
+            <a:r>
+              <a:rPr lang="en-CA" sz="1600" dirty="0"/>
+              <a:t>colon </a:t>
+            </a:r>
+            <a:r>
+              <a:rPr lang="en-CA" sz="1600" b="1" dirty="0">
+                <a:solidFill>
+                  <a:srgbClr val="0070C0"/>
+                </a:solidFill>
+              </a:rPr>
+              <a:t>:</a:t>
+            </a:r>
+          </a:p>
+          <a:p>
+            <a:pPr lvl="1"/>
+            <a:r>
+              <a:rPr lang="en-CA" sz="1600" dirty="0"/>
+              <a:t>Indented code block</a:t>
+            </a:r>
+            <a:endParaRPr lang="en-US" sz="1600" dirty="0"/>
+          </a:p>
+        </p:txBody>
+      </p:sp>
+      <p:sp>
+        <p:nvSpPr>
+          <p:cNvPr id="4" name="TextBox 3"/>
+          <p:cNvSpPr txBox="1"/>
+          <p:nvPr/>
+        </p:nvSpPr>
+        <p:spPr>
+          <a:xfrm>
+            <a:off x="4910432" y="1825625"/>
+            <a:ext cx="4036233" cy="2739211"/>
+          </a:xfrm>
+          <a:prstGeom prst="rect">
+            <a:avLst/>
+          </a:prstGeom>
+          <a:noFill/>
+        </p:spPr>
+        <p:txBody>
+          <a:bodyPr wrap="none" rtlCol="0">
+            <a:spAutoFit/>
+          </a:bodyPr>
+          <a:lstStyle/>
+          <a:p>
+            <a:r>
+              <a:rPr lang="en-US" b="1" u="sng" dirty="0" smtClean="0">
+                <a:latin typeface="Arial" panose="020B0604020202020204" pitchFamily="34" charset="0"/>
+                <a:cs typeface="Arial" panose="020B0604020202020204" pitchFamily="34" charset="0"/>
+              </a:rPr>
+              <a:t>Sample Program:</a:t>
+            </a:r>
+          </a:p>
+          <a:p>
+            <a:endParaRPr lang="en-US" sz="1400" dirty="0">
+              <a:solidFill>
+                <a:srgbClr val="FF0000"/>
+              </a:solidFill>
+              <a:latin typeface="Arial" panose="020B0604020202020204" pitchFamily="34" charset="0"/>
+              <a:cs typeface="Arial" panose="020B0604020202020204" pitchFamily="34" charset="0"/>
+            </a:endParaRPr>
+          </a:p>
+          <a:p>
+            <a:r>
+              <a:rPr lang="en-US" sz="1400" dirty="0" err="1">
+                <a:solidFill>
+                  <a:srgbClr val="FF0000"/>
+                </a:solidFill>
+                <a:latin typeface="Arial" panose="020B0604020202020204" pitchFamily="34" charset="0"/>
+                <a:cs typeface="Arial" panose="020B0604020202020204" pitchFamily="34" charset="0"/>
+              </a:rPr>
+              <a:t>classSize</a:t>
+            </a:r>
+            <a:r>
+              <a:rPr lang="en-US" sz="1400" dirty="0">
+                <a:solidFill>
+                  <a:srgbClr val="FF0000"/>
+                </a:solidFill>
+                <a:latin typeface="Arial" panose="020B0604020202020204" pitchFamily="34" charset="0"/>
+                <a:cs typeface="Arial" panose="020B0604020202020204" pitchFamily="34" charset="0"/>
+              </a:rPr>
+              <a:t> = </a:t>
+            </a:r>
+            <a:r>
+              <a:rPr lang="en-US" sz="1400" dirty="0" err="1">
+                <a:solidFill>
+                  <a:srgbClr val="FF0000"/>
+                </a:solidFill>
+                <a:latin typeface="Arial" panose="020B0604020202020204" pitchFamily="34" charset="0"/>
+                <a:cs typeface="Arial" panose="020B0604020202020204" pitchFamily="34" charset="0"/>
+              </a:rPr>
+              <a:t>int</a:t>
+            </a:r>
+            <a:r>
+              <a:rPr lang="en-US" sz="1400" dirty="0">
+                <a:solidFill>
+                  <a:srgbClr val="FF0000"/>
+                </a:solidFill>
+                <a:latin typeface="Arial" panose="020B0604020202020204" pitchFamily="34" charset="0"/>
+                <a:cs typeface="Arial" panose="020B0604020202020204" pitchFamily="34" charset="0"/>
+              </a:rPr>
+              <a:t>(input("How many students</a:t>
+            </a:r>
+            <a:r>
+              <a:rPr lang="en-US" sz="1400" dirty="0" smtClean="0">
+                <a:solidFill>
+                  <a:srgbClr val="FF0000"/>
+                </a:solidFill>
+                <a:latin typeface="Arial" panose="020B0604020202020204" pitchFamily="34" charset="0"/>
+                <a:cs typeface="Arial" panose="020B0604020202020204" pitchFamily="34" charset="0"/>
+              </a:rPr>
+              <a:t>:"))</a:t>
+            </a:r>
+            <a:br>
+              <a:rPr lang="en-US" sz="1400" dirty="0" smtClean="0">
+                <a:solidFill>
+                  <a:srgbClr val="FF0000"/>
+                </a:solidFill>
+                <a:latin typeface="Arial" panose="020B0604020202020204" pitchFamily="34" charset="0"/>
+                <a:cs typeface="Arial" panose="020B0604020202020204" pitchFamily="34" charset="0"/>
+              </a:rPr>
+            </a:br>
+            <a:endParaRPr lang="en-US" sz="1400" dirty="0">
+              <a:solidFill>
+                <a:srgbClr val="FF0000"/>
+              </a:solidFill>
+              <a:latin typeface="Arial" panose="020B0604020202020204" pitchFamily="34" charset="0"/>
+              <a:cs typeface="Arial" panose="020B0604020202020204" pitchFamily="34" charset="0"/>
+            </a:endParaRPr>
+          </a:p>
+          <a:p>
+            <a:r>
+              <a:rPr lang="en-US" sz="1400" dirty="0">
+                <a:solidFill>
+                  <a:srgbClr val="FF0000"/>
+                </a:solidFill>
+                <a:latin typeface="Arial" panose="020B0604020202020204" pitchFamily="34" charset="0"/>
+                <a:cs typeface="Arial" panose="020B0604020202020204" pitchFamily="34" charset="0"/>
+              </a:rPr>
+              <a:t>if (</a:t>
+            </a:r>
+            <a:r>
+              <a:rPr lang="en-US" sz="1400" dirty="0" err="1">
+                <a:solidFill>
+                  <a:srgbClr val="FF0000"/>
+                </a:solidFill>
+                <a:latin typeface="Arial" panose="020B0604020202020204" pitchFamily="34" charset="0"/>
+                <a:cs typeface="Arial" panose="020B0604020202020204" pitchFamily="34" charset="0"/>
+              </a:rPr>
+              <a:t>classSize</a:t>
+            </a:r>
+            <a:r>
+              <a:rPr lang="en-US" sz="1400" dirty="0">
+                <a:solidFill>
+                  <a:srgbClr val="FF0000"/>
+                </a:solidFill>
+                <a:latin typeface="Arial" panose="020B0604020202020204" pitchFamily="34" charset="0"/>
+                <a:cs typeface="Arial" panose="020B0604020202020204" pitchFamily="34" charset="0"/>
+              </a:rPr>
+              <a:t> &gt; 30) :</a:t>
+            </a:r>
+          </a:p>
+          <a:p>
+            <a:r>
+              <a:rPr lang="en-US" sz="1400" dirty="0" smtClean="0">
+                <a:solidFill>
+                  <a:srgbClr val="FF0000"/>
+                </a:solidFill>
+                <a:latin typeface="Arial" panose="020B0604020202020204" pitchFamily="34" charset="0"/>
+                <a:cs typeface="Arial" panose="020B0604020202020204" pitchFamily="34" charset="0"/>
+              </a:rPr>
+              <a:t>    extra </a:t>
+            </a:r>
+            <a:r>
+              <a:rPr lang="en-US" sz="1400" dirty="0">
+                <a:solidFill>
+                  <a:srgbClr val="FF0000"/>
+                </a:solidFill>
+                <a:latin typeface="Arial" panose="020B0604020202020204" pitchFamily="34" charset="0"/>
+                <a:cs typeface="Arial" panose="020B0604020202020204" pitchFamily="34" charset="0"/>
+              </a:rPr>
+              <a:t>= </a:t>
+            </a:r>
+            <a:r>
+              <a:rPr lang="en-US" sz="1400" dirty="0" err="1">
+                <a:solidFill>
+                  <a:srgbClr val="FF0000"/>
+                </a:solidFill>
+                <a:latin typeface="Arial" panose="020B0604020202020204" pitchFamily="34" charset="0"/>
+                <a:cs typeface="Arial" panose="020B0604020202020204" pitchFamily="34" charset="0"/>
+              </a:rPr>
+              <a:t>classSize</a:t>
+            </a:r>
+            <a:r>
+              <a:rPr lang="en-US" sz="1400" dirty="0">
+                <a:solidFill>
+                  <a:srgbClr val="FF0000"/>
+                </a:solidFill>
+                <a:latin typeface="Arial" panose="020B0604020202020204" pitchFamily="34" charset="0"/>
+                <a:cs typeface="Arial" panose="020B0604020202020204" pitchFamily="34" charset="0"/>
+              </a:rPr>
+              <a:t> - 30 </a:t>
+            </a:r>
+          </a:p>
+          <a:p>
+            <a:r>
+              <a:rPr lang="en-US" sz="1400" dirty="0" smtClean="0">
+                <a:solidFill>
+                  <a:srgbClr val="FF0000"/>
+                </a:solidFill>
+                <a:latin typeface="Arial" panose="020B0604020202020204" pitchFamily="34" charset="0"/>
+                <a:cs typeface="Arial" panose="020B0604020202020204" pitchFamily="34" charset="0"/>
+              </a:rPr>
+              <a:t>    print</a:t>
+            </a:r>
+            <a:r>
+              <a:rPr lang="en-US" sz="1400" dirty="0">
+                <a:solidFill>
+                  <a:srgbClr val="FF0000"/>
+                </a:solidFill>
+                <a:latin typeface="Arial" panose="020B0604020202020204" pitchFamily="34" charset="0"/>
+                <a:cs typeface="Arial" panose="020B0604020202020204" pitchFamily="34" charset="0"/>
+              </a:rPr>
+              <a:t>("You need %d more computers" % extra)</a:t>
+            </a:r>
+          </a:p>
+          <a:p>
+            <a:r>
+              <a:rPr lang="en-US" sz="1400" dirty="0" err="1">
+                <a:solidFill>
+                  <a:srgbClr val="0070C0"/>
+                </a:solidFill>
+                <a:latin typeface="Arial" panose="020B0604020202020204" pitchFamily="34" charset="0"/>
+                <a:cs typeface="Arial" panose="020B0604020202020204" pitchFamily="34" charset="0"/>
+              </a:rPr>
+              <a:t>elif</a:t>
+            </a:r>
+            <a:r>
+              <a:rPr lang="en-US" sz="1400" dirty="0">
+                <a:solidFill>
+                  <a:srgbClr val="0070C0"/>
+                </a:solidFill>
+                <a:latin typeface="Arial" panose="020B0604020202020204" pitchFamily="34" charset="0"/>
+                <a:cs typeface="Arial" panose="020B0604020202020204" pitchFamily="34" charset="0"/>
+              </a:rPr>
+              <a:t> (</a:t>
+            </a:r>
+            <a:r>
+              <a:rPr lang="en-US" sz="1400" dirty="0" err="1">
+                <a:solidFill>
+                  <a:srgbClr val="0070C0"/>
+                </a:solidFill>
+                <a:latin typeface="Arial" panose="020B0604020202020204" pitchFamily="34" charset="0"/>
+                <a:cs typeface="Arial" panose="020B0604020202020204" pitchFamily="34" charset="0"/>
+              </a:rPr>
+              <a:t>classSize</a:t>
+            </a:r>
+            <a:r>
+              <a:rPr lang="en-US" sz="1400" dirty="0">
+                <a:solidFill>
+                  <a:srgbClr val="0070C0"/>
+                </a:solidFill>
+                <a:latin typeface="Arial" panose="020B0604020202020204" pitchFamily="34" charset="0"/>
+                <a:cs typeface="Arial" panose="020B0604020202020204" pitchFamily="34" charset="0"/>
+              </a:rPr>
+              <a:t> &lt; 14) :</a:t>
+            </a:r>
+          </a:p>
+          <a:p>
+            <a:r>
+              <a:rPr lang="en-US" sz="1400" dirty="0" smtClean="0">
+                <a:solidFill>
+                  <a:srgbClr val="0070C0"/>
+                </a:solidFill>
+                <a:latin typeface="Arial" panose="020B0604020202020204" pitchFamily="34" charset="0"/>
+                <a:cs typeface="Arial" panose="020B0604020202020204" pitchFamily="34" charset="0"/>
+              </a:rPr>
+              <a:t>    print</a:t>
+            </a:r>
+            <a:r>
+              <a:rPr lang="en-US" sz="1400" dirty="0">
+                <a:solidFill>
+                  <a:srgbClr val="0070C0"/>
+                </a:solidFill>
+                <a:latin typeface="Arial" panose="020B0604020202020204" pitchFamily="34" charset="0"/>
+                <a:cs typeface="Arial" panose="020B0604020202020204" pitchFamily="34" charset="0"/>
+              </a:rPr>
+              <a:t>("You need more students")</a:t>
+            </a:r>
+          </a:p>
+          <a:p>
+            <a:r>
+              <a:rPr lang="en-US" sz="1400" dirty="0">
+                <a:solidFill>
+                  <a:srgbClr val="FF0000"/>
+                </a:solidFill>
+                <a:latin typeface="Arial" panose="020B0604020202020204" pitchFamily="34" charset="0"/>
+                <a:cs typeface="Arial" panose="020B0604020202020204" pitchFamily="34" charset="0"/>
+              </a:rPr>
+              <a:t>else :</a:t>
+            </a:r>
+          </a:p>
+          <a:p>
+            <a:r>
+              <a:rPr lang="en-US" sz="1400" dirty="0" smtClean="0">
+                <a:solidFill>
+                  <a:srgbClr val="FF0000"/>
+                </a:solidFill>
+                <a:latin typeface="Arial" panose="020B0604020202020204" pitchFamily="34" charset="0"/>
+                <a:cs typeface="Arial" panose="020B0604020202020204" pitchFamily="34" charset="0"/>
+              </a:rPr>
+              <a:t>    print</a:t>
+            </a:r>
+            <a:r>
+              <a:rPr lang="en-US" sz="1400" dirty="0">
+                <a:solidFill>
+                  <a:srgbClr val="FF0000"/>
+                </a:solidFill>
+                <a:latin typeface="Arial" panose="020B0604020202020204" pitchFamily="34" charset="0"/>
+                <a:cs typeface="Arial" panose="020B0604020202020204" pitchFamily="34" charset="0"/>
+              </a:rPr>
+              <a:t>("Let's start our lesson")</a:t>
+            </a:r>
+          </a:p>
+          <a:p>
+            <a:endParaRPr lang="en-US" sz="1400" dirty="0">
+              <a:solidFill>
+                <a:srgbClr val="FF0000"/>
+              </a:solidFill>
+              <a:latin typeface="Arial" panose="020B0604020202020204" pitchFamily="34" charset="0"/>
+              <a:cs typeface="Arial" panose="020B0604020202020204" pitchFamily="34" charset="0"/>
+            </a:endParaRPr>
+          </a:p>
+        </p:txBody>
+      </p:sp>
+      <p:pic>
+        <p:nvPicPr>
+          <p:cNvPr id="6" name="Picture 5"/>
+          <p:cNvPicPr>
+            <a:picLocks noChangeAspect="1"/>
+          </p:cNvPicPr>
+          <p:nvPr/>
+        </p:nvPicPr>
+        <p:blipFill>
+          <a:blip r:embed="rId2"/>
+          <a:stretch>
+            <a:fillRect/>
+          </a:stretch>
+        </p:blipFill>
+        <p:spPr>
+          <a:xfrm>
+            <a:off x="5069540" y="4564836"/>
+            <a:ext cx="3445809" cy="2153370"/>
+          </a:xfrm>
+          <a:prstGeom prst="rect">
+            <a:avLst/>
+          </a:prstGeom>
+        </p:spPr>
+      </p:pic>
     </p:spTree>
     <p:extLst>
       <p:ext uri="{BB962C8B-B14F-4D97-AF65-F5344CB8AC3E}">
-        <p14:creationId xmlns:p14="http://schemas.microsoft.com/office/powerpoint/2010/main" val="586472113"/>
+        <p14:creationId xmlns:p14="http://schemas.microsoft.com/office/powerpoint/2010/main" val="4125550551"/>
       </p:ext>
     </p:extLst>
   </p:cSld>
@@ -3645,7 +6258,7 @@
           <a:p>
             <a:r>
               <a:rPr lang="en-CA" dirty="0" smtClean="0"/>
-              <a:t>Counted Loop</a:t>
+              <a:t>Program Comments</a:t>
             </a:r>
             <a:endParaRPr lang="en-US" dirty="0"/>
           </a:p>
@@ -3661,19 +6274,460 @@
             <p:ph idx="1"/>
           </p:nvPr>
         </p:nvSpPr>
-        <p:spPr/>
-        <p:txBody>
-          <a:bodyPr/>
-          <a:lstStyle/>
-          <a:p>
-            <a:endParaRPr lang="en-US"/>
+        <p:spPr>
+          <a:xfrm>
+            <a:off x="628650" y="1825625"/>
+            <a:ext cx="4252632" cy="4351338"/>
+          </a:xfrm>
+        </p:spPr>
+        <p:txBody>
+          <a:bodyPr>
+            <a:normAutofit/>
+          </a:bodyPr>
+          <a:lstStyle/>
+          <a:p>
+            <a:r>
+              <a:rPr lang="en-CA" sz="1600" dirty="0" smtClean="0"/>
+              <a:t>Sometimes complicated parts of a program need to be explained with words</a:t>
+            </a:r>
+          </a:p>
+          <a:p>
+            <a:pPr lvl="1"/>
+            <a:r>
+              <a:rPr lang="en-CA" sz="1400" dirty="0" smtClean="0"/>
+              <a:t>These words are not part of the program code and do not have to follow Python Syntax</a:t>
+            </a:r>
+          </a:p>
+          <a:p>
+            <a:pPr lvl="1"/>
+            <a:r>
+              <a:rPr lang="en-CA" sz="1400" dirty="0" smtClean="0"/>
+              <a:t>These comments are helpful for understanding the program by you or someone else in the future</a:t>
+            </a:r>
+          </a:p>
+          <a:p>
+            <a:pPr lvl="1"/>
+            <a:endParaRPr lang="en-CA" sz="1200" dirty="0" smtClean="0"/>
+          </a:p>
+          <a:p>
+            <a:r>
+              <a:rPr lang="en-CA" sz="1600" dirty="0" smtClean="0"/>
+              <a:t>Line Comments</a:t>
+            </a:r>
+          </a:p>
+          <a:p>
+            <a:pPr lvl="1"/>
+            <a:r>
+              <a:rPr lang="en-CA" sz="1200" dirty="0" smtClean="0"/>
+              <a:t>Begin with a </a:t>
+            </a:r>
+            <a:r>
+              <a:rPr lang="en-CA" sz="1200" dirty="0" smtClean="0">
+                <a:solidFill>
+                  <a:srgbClr val="0070C0"/>
+                </a:solidFill>
+              </a:rPr>
+              <a:t>#</a:t>
+            </a:r>
+          </a:p>
+          <a:p>
+            <a:pPr lvl="1"/>
+            <a:r>
+              <a:rPr lang="en-CA" sz="1200" dirty="0" smtClean="0"/>
+              <a:t>everything after the # is a comment</a:t>
+            </a:r>
+          </a:p>
+          <a:p>
+            <a:pPr lvl="1"/>
+            <a:r>
+              <a:rPr lang="en-CA" sz="1200" dirty="0" smtClean="0"/>
+              <a:t>Used to explain a specific line of code</a:t>
+            </a:r>
+            <a:endParaRPr lang="en-CA" sz="1200" dirty="0"/>
+          </a:p>
+          <a:p>
+            <a:pPr lvl="1"/>
+            <a:endParaRPr lang="en-CA" sz="1600" dirty="0"/>
+          </a:p>
+          <a:p>
+            <a:r>
+              <a:rPr lang="en-CA" sz="1600" dirty="0" smtClean="0"/>
+              <a:t>Block Comments</a:t>
+            </a:r>
+          </a:p>
+          <a:p>
+            <a:pPr lvl="1"/>
+            <a:r>
+              <a:rPr lang="en-CA" sz="1200" dirty="0" smtClean="0"/>
+              <a:t>Begin and end with </a:t>
+            </a:r>
+            <a:r>
+              <a:rPr lang="en-CA" sz="1200" dirty="0" smtClean="0">
+                <a:solidFill>
+                  <a:srgbClr val="0070C0"/>
+                </a:solidFill>
+              </a:rPr>
+              <a:t>"""</a:t>
+            </a:r>
+            <a:r>
+              <a:rPr lang="en-CA" sz="1200" dirty="0" smtClean="0"/>
+              <a:t> or ''' (Three quotations)</a:t>
+            </a:r>
+          </a:p>
+          <a:p>
+            <a:pPr lvl="1"/>
+            <a:r>
+              <a:rPr lang="en-CA" sz="1200" dirty="0" smtClean="0"/>
+              <a:t>Can span multiple lines</a:t>
+            </a:r>
+          </a:p>
+          <a:p>
+            <a:pPr lvl="1"/>
+            <a:r>
+              <a:rPr lang="en-CA" sz="1200" dirty="0" smtClean="0"/>
+              <a:t>Used to explain large blocks or sections of code</a:t>
+            </a:r>
+            <a:endParaRPr lang="en-US" sz="1200" dirty="0"/>
+          </a:p>
+        </p:txBody>
+      </p:sp>
+      <p:sp>
+        <p:nvSpPr>
+          <p:cNvPr id="4" name="TextBox 3"/>
+          <p:cNvSpPr txBox="1"/>
+          <p:nvPr/>
+        </p:nvSpPr>
+        <p:spPr>
+          <a:xfrm>
+            <a:off x="4910432" y="1825625"/>
+            <a:ext cx="3998210" cy="4247317"/>
+          </a:xfrm>
+          <a:prstGeom prst="rect">
+            <a:avLst/>
+          </a:prstGeom>
+          <a:noFill/>
+        </p:spPr>
+        <p:txBody>
+          <a:bodyPr wrap="none" rtlCol="0">
+            <a:spAutoFit/>
+          </a:bodyPr>
+          <a:lstStyle/>
+          <a:p>
+            <a:r>
+              <a:rPr lang="en-US" b="1" u="sng" dirty="0" smtClean="0">
+                <a:latin typeface="Arial" panose="020B0604020202020204" pitchFamily="34" charset="0"/>
+                <a:cs typeface="Arial" panose="020B0604020202020204" pitchFamily="34" charset="0"/>
+              </a:rPr>
+              <a:t>Sample Program:</a:t>
+            </a:r>
+          </a:p>
+          <a:p>
+            <a:endParaRPr lang="en-US" sz="1400" dirty="0">
+              <a:solidFill>
+                <a:srgbClr val="FF0000"/>
+              </a:solidFill>
+              <a:latin typeface="Arial" panose="020B0604020202020204" pitchFamily="34" charset="0"/>
+              <a:cs typeface="Arial" panose="020B0604020202020204" pitchFamily="34" charset="0"/>
+            </a:endParaRPr>
+          </a:p>
+          <a:p>
+            <a:r>
+              <a:rPr lang="en-US" sz="1400" dirty="0" err="1">
+                <a:solidFill>
+                  <a:srgbClr val="FF0000"/>
+                </a:solidFill>
+              </a:rPr>
+              <a:t>classSize</a:t>
+            </a:r>
+            <a:r>
+              <a:rPr lang="en-US" sz="1400" dirty="0">
+                <a:solidFill>
+                  <a:srgbClr val="FF0000"/>
+                </a:solidFill>
+              </a:rPr>
+              <a:t> = </a:t>
+            </a:r>
+            <a:r>
+              <a:rPr lang="en-US" sz="1400" dirty="0" err="1">
+                <a:solidFill>
+                  <a:srgbClr val="FF0000"/>
+                </a:solidFill>
+              </a:rPr>
+              <a:t>int</a:t>
+            </a:r>
+            <a:r>
+              <a:rPr lang="en-US" sz="1400" dirty="0">
+                <a:solidFill>
+                  <a:srgbClr val="FF0000"/>
+                </a:solidFill>
+              </a:rPr>
+              <a:t>(input("How many students:"))</a:t>
+            </a:r>
+          </a:p>
+          <a:p>
+            <a:r>
+              <a:rPr lang="en-US" sz="1400" dirty="0">
+                <a:solidFill>
+                  <a:srgbClr val="FF0000"/>
+                </a:solidFill>
+              </a:rPr>
+              <a:t/>
+            </a:r>
+            <a:br>
+              <a:rPr lang="en-US" sz="1400" dirty="0">
+                <a:solidFill>
+                  <a:srgbClr val="FF0000"/>
+                </a:solidFill>
+              </a:rPr>
+            </a:br>
+            <a:r>
+              <a:rPr lang="en-US" sz="1400" dirty="0">
+                <a:solidFill>
+                  <a:srgbClr val="0070C0"/>
+                </a:solidFill>
+              </a:rPr>
+              <a:t>"""</a:t>
+            </a:r>
+          </a:p>
+          <a:p>
+            <a:r>
+              <a:rPr lang="en-US" sz="1400" dirty="0">
+                <a:solidFill>
+                  <a:srgbClr val="0070C0"/>
+                </a:solidFill>
+              </a:rPr>
+              <a:t>This nested if statement looks at the class size</a:t>
+            </a:r>
+          </a:p>
+          <a:p>
+            <a:r>
+              <a:rPr lang="en-US" sz="1400" dirty="0">
+                <a:solidFill>
+                  <a:srgbClr val="0070C0"/>
+                </a:solidFill>
+              </a:rPr>
+              <a:t>to determine if things are properly set up.</a:t>
+            </a:r>
+          </a:p>
+          <a:p>
+            <a:r>
+              <a:rPr lang="en-US" sz="1400" dirty="0">
+                <a:solidFill>
+                  <a:srgbClr val="0070C0"/>
+                </a:solidFill>
+              </a:rPr>
+              <a:t>"""</a:t>
+            </a:r>
+          </a:p>
+          <a:p>
+            <a:r>
+              <a:rPr lang="en-US" sz="1400" dirty="0">
+                <a:solidFill>
+                  <a:srgbClr val="FF0000"/>
+                </a:solidFill>
+              </a:rPr>
+              <a:t>if (</a:t>
+            </a:r>
+            <a:r>
+              <a:rPr lang="en-US" sz="1400" dirty="0" err="1">
+                <a:solidFill>
+                  <a:srgbClr val="FF0000"/>
+                </a:solidFill>
+              </a:rPr>
+              <a:t>classSize</a:t>
+            </a:r>
+            <a:r>
+              <a:rPr lang="en-US" sz="1400" dirty="0">
+                <a:solidFill>
+                  <a:srgbClr val="FF0000"/>
+                </a:solidFill>
+              </a:rPr>
+              <a:t> &gt; 30) </a:t>
+            </a:r>
+            <a:r>
+              <a:rPr lang="en-US" sz="1400" dirty="0" smtClean="0">
+                <a:solidFill>
+                  <a:srgbClr val="FF0000"/>
+                </a:solidFill>
+              </a:rPr>
+              <a:t>:</a:t>
+            </a:r>
+          </a:p>
+          <a:p>
+            <a:r>
+              <a:rPr lang="en-US" sz="1400" dirty="0" smtClean="0">
+                <a:solidFill>
+                  <a:srgbClr val="FF0000"/>
+                </a:solidFill>
+              </a:rPr>
+              <a:t>    </a:t>
+            </a:r>
+            <a:r>
+              <a:rPr lang="en-US" sz="1400" dirty="0" smtClean="0">
+                <a:solidFill>
+                  <a:srgbClr val="0070C0"/>
+                </a:solidFill>
+              </a:rPr>
+              <a:t># Normal class size is 30 students, extra is over 30 </a:t>
+            </a:r>
+          </a:p>
+          <a:p>
+            <a:r>
+              <a:rPr lang="en-US" sz="1400" dirty="0" smtClean="0">
+                <a:solidFill>
+                  <a:srgbClr val="FF0000"/>
+                </a:solidFill>
+              </a:rPr>
+              <a:t>    extra </a:t>
+            </a:r>
+            <a:r>
+              <a:rPr lang="en-US" sz="1400" dirty="0">
+                <a:solidFill>
+                  <a:srgbClr val="FF0000"/>
+                </a:solidFill>
+              </a:rPr>
+              <a:t>= </a:t>
+            </a:r>
+            <a:r>
+              <a:rPr lang="en-US" sz="1400" dirty="0" err="1">
+                <a:solidFill>
+                  <a:srgbClr val="FF0000"/>
+                </a:solidFill>
+              </a:rPr>
+              <a:t>classSize</a:t>
+            </a:r>
+            <a:r>
+              <a:rPr lang="en-US" sz="1400" dirty="0">
+                <a:solidFill>
+                  <a:srgbClr val="FF0000"/>
+                </a:solidFill>
+              </a:rPr>
+              <a:t> - 30 </a:t>
+            </a:r>
+          </a:p>
+          <a:p>
+            <a:r>
+              <a:rPr lang="en-US" sz="1400" dirty="0" smtClean="0">
+                <a:solidFill>
+                  <a:srgbClr val="FF0000"/>
+                </a:solidFill>
+              </a:rPr>
+              <a:t>    print</a:t>
+            </a:r>
+            <a:r>
+              <a:rPr lang="en-US" sz="1400" dirty="0">
+                <a:solidFill>
+                  <a:srgbClr val="FF0000"/>
+                </a:solidFill>
+              </a:rPr>
+              <a:t>("You need %d more computers" % extra)</a:t>
+            </a:r>
+          </a:p>
+          <a:p>
+            <a:r>
+              <a:rPr lang="en-US" sz="1400" dirty="0" err="1">
+                <a:solidFill>
+                  <a:srgbClr val="FF0000"/>
+                </a:solidFill>
+              </a:rPr>
+              <a:t>elif</a:t>
+            </a:r>
+            <a:r>
+              <a:rPr lang="en-US" sz="1400" dirty="0">
+                <a:solidFill>
+                  <a:srgbClr val="FF0000"/>
+                </a:solidFill>
+              </a:rPr>
+              <a:t> (</a:t>
+            </a:r>
+            <a:r>
+              <a:rPr lang="en-US" sz="1400" dirty="0" err="1">
+                <a:solidFill>
+                  <a:srgbClr val="FF0000"/>
+                </a:solidFill>
+              </a:rPr>
+              <a:t>classSize</a:t>
+            </a:r>
+            <a:r>
+              <a:rPr lang="en-US" sz="1400" dirty="0">
+                <a:solidFill>
+                  <a:srgbClr val="FF0000"/>
+                </a:solidFill>
+              </a:rPr>
+              <a:t> &lt; 14) :</a:t>
+            </a:r>
+          </a:p>
+          <a:p>
+            <a:r>
+              <a:rPr lang="en-US" sz="1400" dirty="0" smtClean="0">
+                <a:solidFill>
+                  <a:srgbClr val="FF0000"/>
+                </a:solidFill>
+              </a:rPr>
+              <a:t>    print</a:t>
+            </a:r>
+            <a:r>
+              <a:rPr lang="en-US" sz="1400" dirty="0">
+                <a:solidFill>
+                  <a:srgbClr val="FF0000"/>
+                </a:solidFill>
+              </a:rPr>
+              <a:t>("You need more students")</a:t>
+            </a:r>
+          </a:p>
+          <a:p>
+            <a:r>
+              <a:rPr lang="en-US" sz="1400" dirty="0">
+                <a:solidFill>
+                  <a:srgbClr val="FF0000"/>
+                </a:solidFill>
+              </a:rPr>
+              <a:t>else :</a:t>
+            </a:r>
+          </a:p>
+          <a:p>
+            <a:r>
+              <a:rPr lang="en-US" sz="1400" dirty="0" smtClean="0">
+                <a:solidFill>
+                  <a:srgbClr val="FF0000"/>
+                </a:solidFill>
+              </a:rPr>
+              <a:t>    print</a:t>
+            </a:r>
+            <a:r>
+              <a:rPr lang="en-US" sz="1400" dirty="0">
+                <a:solidFill>
+                  <a:srgbClr val="FF0000"/>
+                </a:solidFill>
+              </a:rPr>
+              <a:t>("Let's start our lesson")</a:t>
+            </a:r>
+          </a:p>
+          <a:p>
+            <a:r>
+              <a:rPr lang="en-US" sz="1400" dirty="0"/>
+              <a:t/>
+            </a:r>
+            <a:br>
+              <a:rPr lang="en-US" sz="1400" dirty="0"/>
+            </a:br>
+            <a:endParaRPr lang="en-US" sz="1400" dirty="0"/>
+          </a:p>
+          <a:p>
+            <a:endParaRPr lang="en-US" sz="1400" dirty="0">
+              <a:solidFill>
+                <a:srgbClr val="FF0000"/>
+              </a:solidFill>
+              <a:latin typeface="Arial" panose="020B0604020202020204" pitchFamily="34" charset="0"/>
+              <a:cs typeface="Arial" panose="020B0604020202020204" pitchFamily="34" charset="0"/>
+            </a:endParaRPr>
           </a:p>
         </p:txBody>
       </p:sp>
     </p:spTree>
     <p:extLst>
       <p:ext uri="{BB962C8B-B14F-4D97-AF65-F5344CB8AC3E}">
-        <p14:creationId xmlns:p14="http://schemas.microsoft.com/office/powerpoint/2010/main" val="1979795657"/>
+        <p14:creationId xmlns:p14="http://schemas.microsoft.com/office/powerpoint/2010/main" val="1889764631"/>
       </p:ext>
     </p:extLst>
   </p:cSld>
@@ -3717,7 +6771,7 @@
           <a:p>
             <a:r>
               <a:rPr lang="en-CA" dirty="0" smtClean="0"/>
-              <a:t>Breaking A Loop Early</a:t>
+              <a:t>Conditional Loop</a:t>
             </a:r>
             <a:endParaRPr lang="en-US" dirty="0"/>
           </a:p>
@@ -3745,7 +6799,7 @@
     </p:spTree>
     <p:extLst>
       <p:ext uri="{BB962C8B-B14F-4D97-AF65-F5344CB8AC3E}">
-        <p14:creationId xmlns:p14="http://schemas.microsoft.com/office/powerpoint/2010/main" val="4226837260"/>
+        <p14:creationId xmlns:p14="http://schemas.microsoft.com/office/powerpoint/2010/main" val="586472113"/>
       </p:ext>
     </p:extLst>
   </p:cSld>

--- a/Topic B Programming Introduction/B.3 Lesson - Python Control Basics.pptx
+++ b/Topic B Programming Introduction/B.3 Lesson - Python Control Basics.pptx
@@ -14,11 +14,13 @@
     <p:sldId id="272" r:id="rId8"/>
     <p:sldId id="260" r:id="rId9"/>
     <p:sldId id="262" r:id="rId10"/>
-    <p:sldId id="273" r:id="rId11"/>
-    <p:sldId id="265" r:id="rId12"/>
-    <p:sldId id="266" r:id="rId13"/>
-    <p:sldId id="263" r:id="rId14"/>
-    <p:sldId id="264" r:id="rId15"/>
+    <p:sldId id="274" r:id="rId11"/>
+    <p:sldId id="275" r:id="rId12"/>
+    <p:sldId id="273" r:id="rId13"/>
+    <p:sldId id="265" r:id="rId14"/>
+    <p:sldId id="266" r:id="rId15"/>
+    <p:sldId id="263" r:id="rId16"/>
+    <p:sldId id="264" r:id="rId17"/>
   </p:sldIdLst>
   <p:sldSz cx="9144000" cy="6858000" type="screen4x3"/>
   <p:notesSz cx="6858000" cy="9144000"/>
@@ -3075,7 +3077,11 @@
           <a:bodyPr/>
           <a:lstStyle/>
           <a:p>
-            <a:endParaRPr lang="en-US"/>
+            <a:r>
+              <a:rPr lang="en-CA" dirty="0" smtClean="0"/>
+              <a:t>While Loop</a:t>
+            </a:r>
+            <a:endParaRPr lang="en-US" dirty="0"/>
           </a:p>
         </p:txBody>
       </p:sp>
@@ -3089,19 +3095,481 @@
             <p:ph idx="1"/>
           </p:nvPr>
         </p:nvSpPr>
-        <p:spPr/>
-        <p:txBody>
-          <a:bodyPr/>
-          <a:lstStyle/>
-          <a:p>
-            <a:endParaRPr lang="en-US"/>
+        <p:spPr>
+          <a:xfrm>
+            <a:off x="628650" y="1825625"/>
+            <a:ext cx="3783094" cy="4351338"/>
+          </a:xfrm>
+        </p:spPr>
+        <p:txBody>
+          <a:bodyPr>
+            <a:normAutofit lnSpcReduction="10000"/>
+          </a:bodyPr>
+          <a:lstStyle/>
+          <a:p>
+            <a:r>
+              <a:rPr lang="en-CA" sz="2000" dirty="0" smtClean="0"/>
+              <a:t>A while loop can be used to repeat a block of code</a:t>
+            </a:r>
+            <a:endParaRPr lang="en-CA" sz="2000" dirty="0">
+              <a:solidFill>
+                <a:srgbClr val="0070C0"/>
+              </a:solidFill>
+            </a:endParaRPr>
+          </a:p>
+          <a:p>
+            <a:pPr lvl="1"/>
+            <a:r>
+              <a:rPr lang="en-CA" sz="1600" dirty="0" smtClean="0"/>
+              <a:t>The loop continues as long as the condition is true</a:t>
+            </a:r>
+            <a:endParaRPr lang="en-CA" sz="1600" dirty="0"/>
+          </a:p>
+          <a:p>
+            <a:pPr lvl="1"/>
+            <a:r>
+              <a:rPr lang="en-CA" sz="1600" dirty="0" smtClean="0"/>
+              <a:t>The condition is checked each repeat of the loop</a:t>
+            </a:r>
+            <a:endParaRPr lang="en-CA" sz="1600" dirty="0" smtClean="0">
+              <a:solidFill>
+                <a:srgbClr val="0070C0"/>
+              </a:solidFill>
+            </a:endParaRPr>
+          </a:p>
+          <a:p>
+            <a:pPr lvl="1"/>
+            <a:r>
+              <a:rPr lang="en-CA" sz="1600" dirty="0" smtClean="0"/>
+              <a:t>The code block is executed each repeat of the loop</a:t>
+            </a:r>
+            <a:endParaRPr lang="en-CA" sz="1600" dirty="0" smtClean="0">
+              <a:solidFill>
+                <a:srgbClr val="0070C0"/>
+              </a:solidFill>
+            </a:endParaRPr>
+          </a:p>
+          <a:p>
+            <a:pPr lvl="1"/>
+            <a:r>
+              <a:rPr lang="en-CA" sz="1600" dirty="0" smtClean="0"/>
+              <a:t>The loop exits when the condition becomes false</a:t>
+            </a:r>
+            <a:endParaRPr lang="en-CA" sz="1600" dirty="0"/>
+          </a:p>
+          <a:p>
+            <a:pPr marL="457200" lvl="1" indent="0">
+              <a:buNone/>
+            </a:pPr>
+            <a:endParaRPr lang="en-CA" sz="2000" dirty="0"/>
+          </a:p>
+          <a:p>
+            <a:r>
+              <a:rPr lang="en-CA" sz="2000" dirty="0"/>
+              <a:t>Note the Syntax:</a:t>
+            </a:r>
+          </a:p>
+          <a:p>
+            <a:pPr lvl="1"/>
+            <a:r>
+              <a:rPr lang="en-CA" sz="1600" dirty="0"/>
+              <a:t>Lowercase </a:t>
+            </a:r>
+            <a:r>
+              <a:rPr lang="en-CA" sz="1600" dirty="0" smtClean="0">
+                <a:solidFill>
+                  <a:srgbClr val="0070C0"/>
+                </a:solidFill>
+              </a:rPr>
+              <a:t>while</a:t>
+            </a:r>
+            <a:endParaRPr lang="en-CA" sz="1600" b="1" dirty="0">
+              <a:solidFill>
+                <a:srgbClr val="0070C0"/>
+              </a:solidFill>
+            </a:endParaRPr>
+          </a:p>
+          <a:p>
+            <a:pPr lvl="1"/>
+            <a:r>
+              <a:rPr lang="en-CA" sz="1600" dirty="0" smtClean="0"/>
+              <a:t>Its own </a:t>
+            </a:r>
+            <a:r>
+              <a:rPr lang="en-CA" sz="1600" dirty="0" smtClean="0">
+                <a:solidFill>
+                  <a:srgbClr val="0070C0"/>
+                </a:solidFill>
+              </a:rPr>
+              <a:t>conditional</a:t>
+            </a:r>
+            <a:r>
+              <a:rPr lang="en-CA" sz="1600" dirty="0" smtClean="0"/>
+              <a:t> expression</a:t>
+            </a:r>
+          </a:p>
+          <a:p>
+            <a:pPr lvl="1"/>
+            <a:r>
+              <a:rPr lang="en-CA" sz="1600" dirty="0" smtClean="0"/>
+              <a:t>Ending </a:t>
+            </a:r>
+            <a:r>
+              <a:rPr lang="en-CA" sz="1600" dirty="0"/>
+              <a:t>colon </a:t>
+            </a:r>
+            <a:r>
+              <a:rPr lang="en-CA" sz="1600" b="1" dirty="0">
+                <a:solidFill>
+                  <a:srgbClr val="0070C0"/>
+                </a:solidFill>
+              </a:rPr>
+              <a:t>:</a:t>
+            </a:r>
+          </a:p>
+          <a:p>
+            <a:pPr lvl="1"/>
+            <a:r>
+              <a:rPr lang="en-CA" sz="1600" dirty="0"/>
+              <a:t>Indented code block</a:t>
+            </a:r>
+            <a:endParaRPr lang="en-US" sz="1600" dirty="0"/>
+          </a:p>
+        </p:txBody>
+      </p:sp>
+      <p:sp>
+        <p:nvSpPr>
+          <p:cNvPr id="4" name="TextBox 3"/>
+          <p:cNvSpPr txBox="1"/>
+          <p:nvPr/>
+        </p:nvSpPr>
+        <p:spPr>
+          <a:xfrm>
+            <a:off x="4910432" y="1825625"/>
+            <a:ext cx="3471207" cy="4093428"/>
+          </a:xfrm>
+          <a:prstGeom prst="rect">
+            <a:avLst/>
+          </a:prstGeom>
+          <a:noFill/>
+        </p:spPr>
+        <p:txBody>
+          <a:bodyPr wrap="none" rtlCol="0">
+            <a:spAutoFit/>
+          </a:bodyPr>
+          <a:lstStyle/>
+          <a:p>
+            <a:r>
+              <a:rPr lang="en-US" b="1" u="sng" dirty="0" smtClean="0">
+                <a:latin typeface="Arial" panose="020B0604020202020204" pitchFamily="34" charset="0"/>
+                <a:cs typeface="Arial" panose="020B0604020202020204" pitchFamily="34" charset="0"/>
+              </a:rPr>
+              <a:t>Sample Program:</a:t>
+            </a:r>
+          </a:p>
+          <a:p>
+            <a:endParaRPr lang="en-US" sz="1400" dirty="0">
+              <a:solidFill>
+                <a:srgbClr val="FF0000"/>
+              </a:solidFill>
+              <a:latin typeface="Arial" panose="020B0604020202020204" pitchFamily="34" charset="0"/>
+              <a:cs typeface="Arial" panose="020B0604020202020204" pitchFamily="34" charset="0"/>
+            </a:endParaRPr>
+          </a:p>
+          <a:p>
+            <a:r>
+              <a:rPr lang="en-US" sz="1400" dirty="0">
+                <a:solidFill>
+                  <a:srgbClr val="FF0000"/>
+                </a:solidFill>
+              </a:rPr>
+              <a:t>print(" ")</a:t>
+            </a:r>
+          </a:p>
+          <a:p>
+            <a:r>
+              <a:rPr lang="en-US" sz="1400" dirty="0">
+                <a:solidFill>
+                  <a:srgbClr val="FF0000"/>
+                </a:solidFill>
+              </a:rPr>
+              <a:t>print("This program uses a countdown loop")</a:t>
+            </a:r>
+          </a:p>
+          <a:p>
+            <a:r>
+              <a:rPr lang="en-US" sz="1400" dirty="0">
+                <a:solidFill>
+                  <a:srgbClr val="FF0000"/>
+                </a:solidFill>
+              </a:rPr>
+              <a:t>print(" ")</a:t>
+            </a:r>
+          </a:p>
+          <a:p>
+            <a:r>
+              <a:rPr lang="en-US" sz="1400" dirty="0" err="1">
+                <a:solidFill>
+                  <a:srgbClr val="FF0000"/>
+                </a:solidFill>
+              </a:rPr>
+              <a:t>startCount</a:t>
+            </a:r>
+            <a:r>
+              <a:rPr lang="en-US" sz="1400" dirty="0">
+                <a:solidFill>
+                  <a:srgbClr val="FF0000"/>
+                </a:solidFill>
+              </a:rPr>
+              <a:t> = </a:t>
+            </a:r>
+            <a:r>
+              <a:rPr lang="en-US" sz="1400" dirty="0" err="1">
+                <a:solidFill>
+                  <a:srgbClr val="FF0000"/>
+                </a:solidFill>
+              </a:rPr>
+              <a:t>int</a:t>
+            </a:r>
+            <a:r>
+              <a:rPr lang="en-US" sz="1400" dirty="0">
+                <a:solidFill>
+                  <a:srgbClr val="FF0000"/>
+                </a:solidFill>
+              </a:rPr>
+              <a:t>(input("Enter a number:"))</a:t>
+            </a:r>
+          </a:p>
+          <a:p>
+            <a:r>
+              <a:rPr lang="en-US" sz="1400" dirty="0">
+                <a:solidFill>
+                  <a:srgbClr val="FF0000"/>
+                </a:solidFill>
+              </a:rPr>
+              <a:t/>
+            </a:r>
+            <a:br>
+              <a:rPr lang="en-US" sz="1400" dirty="0">
+                <a:solidFill>
+                  <a:srgbClr val="FF0000"/>
+                </a:solidFill>
+              </a:rPr>
+            </a:br>
+            <a:r>
+              <a:rPr lang="en-US" sz="1400" dirty="0">
+                <a:solidFill>
+                  <a:srgbClr val="FF0000"/>
+                </a:solidFill>
+              </a:rPr>
+              <a:t>"""</a:t>
+            </a:r>
+          </a:p>
+          <a:p>
+            <a:r>
+              <a:rPr lang="en-US" sz="1400" dirty="0">
+                <a:solidFill>
+                  <a:srgbClr val="FF0000"/>
+                </a:solidFill>
+              </a:rPr>
+              <a:t>This loop counts down to zero</a:t>
+            </a:r>
+          </a:p>
+          <a:p>
+            <a:r>
+              <a:rPr lang="en-US" sz="1400" dirty="0">
+                <a:solidFill>
+                  <a:srgbClr val="FF0000"/>
+                </a:solidFill>
+              </a:rPr>
+              <a:t>"""</a:t>
+            </a:r>
+          </a:p>
+          <a:p>
+            <a:r>
+              <a:rPr lang="en-US" sz="1400" dirty="0" err="1">
+                <a:solidFill>
+                  <a:srgbClr val="FF0000"/>
+                </a:solidFill>
+              </a:rPr>
+              <a:t>currentCount</a:t>
+            </a:r>
+            <a:r>
+              <a:rPr lang="en-US" sz="1400" dirty="0">
+                <a:solidFill>
+                  <a:srgbClr val="FF0000"/>
+                </a:solidFill>
+              </a:rPr>
+              <a:t> = </a:t>
+            </a:r>
+            <a:r>
+              <a:rPr lang="en-US" sz="1400" dirty="0" err="1">
+                <a:solidFill>
+                  <a:srgbClr val="FF0000"/>
+                </a:solidFill>
+              </a:rPr>
+              <a:t>startCount</a:t>
+            </a:r>
+            <a:endParaRPr lang="en-US" sz="1400" dirty="0">
+              <a:solidFill>
+                <a:srgbClr val="FF0000"/>
+              </a:solidFill>
+            </a:endParaRPr>
+          </a:p>
+          <a:p>
+            <a:r>
+              <a:rPr lang="en-US" sz="1400" dirty="0">
+                <a:solidFill>
+                  <a:srgbClr val="0070C0"/>
+                </a:solidFill>
+              </a:rPr>
+              <a:t>while (</a:t>
+            </a:r>
+            <a:r>
+              <a:rPr lang="en-US" sz="1400" dirty="0" err="1">
+                <a:solidFill>
+                  <a:srgbClr val="0070C0"/>
+                </a:solidFill>
+              </a:rPr>
+              <a:t>currentCount</a:t>
+            </a:r>
+            <a:r>
+              <a:rPr lang="en-US" sz="1400" dirty="0">
+                <a:solidFill>
+                  <a:srgbClr val="0070C0"/>
+                </a:solidFill>
+              </a:rPr>
+              <a:t> &gt;= 0) :</a:t>
+            </a:r>
+          </a:p>
+          <a:p>
+            <a:r>
+              <a:rPr lang="en-US" sz="1400" dirty="0" smtClean="0">
+                <a:solidFill>
+                  <a:srgbClr val="0070C0"/>
+                </a:solidFill>
+              </a:rPr>
+              <a:t>    print</a:t>
+            </a:r>
+            <a:r>
+              <a:rPr lang="en-US" sz="1400" dirty="0">
+                <a:solidFill>
+                  <a:srgbClr val="0070C0"/>
+                </a:solidFill>
+              </a:rPr>
+              <a:t>("Count = %d" % </a:t>
+            </a:r>
+            <a:r>
+              <a:rPr lang="en-US" sz="1400" dirty="0" err="1">
+                <a:solidFill>
+                  <a:srgbClr val="0070C0"/>
+                </a:solidFill>
+              </a:rPr>
+              <a:t>currentCount</a:t>
+            </a:r>
+            <a:r>
+              <a:rPr lang="en-US" sz="1400" dirty="0">
+                <a:solidFill>
+                  <a:srgbClr val="0070C0"/>
+                </a:solidFill>
+              </a:rPr>
+              <a:t>)</a:t>
+            </a:r>
+          </a:p>
+          <a:p>
+            <a:r>
+              <a:rPr lang="en-US" sz="1400" dirty="0" smtClean="0">
+                <a:solidFill>
+                  <a:srgbClr val="0070C0"/>
+                </a:solidFill>
+              </a:rPr>
+              <a:t>    </a:t>
+            </a:r>
+            <a:r>
+              <a:rPr lang="en-US" sz="1400" dirty="0" err="1" smtClean="0">
+                <a:solidFill>
+                  <a:srgbClr val="0070C0"/>
+                </a:solidFill>
+              </a:rPr>
+              <a:t>currentCount</a:t>
+            </a:r>
+            <a:r>
+              <a:rPr lang="en-US" sz="1400" dirty="0" smtClean="0">
+                <a:solidFill>
+                  <a:srgbClr val="0070C0"/>
+                </a:solidFill>
+              </a:rPr>
+              <a:t> </a:t>
+            </a:r>
+            <a:r>
+              <a:rPr lang="en-US" sz="1400" dirty="0">
+                <a:solidFill>
+                  <a:srgbClr val="0070C0"/>
+                </a:solidFill>
+              </a:rPr>
+              <a:t>= </a:t>
+            </a:r>
+            <a:r>
+              <a:rPr lang="en-US" sz="1400" dirty="0" err="1">
+                <a:solidFill>
+                  <a:srgbClr val="0070C0"/>
+                </a:solidFill>
+              </a:rPr>
+              <a:t>currentCount</a:t>
+            </a:r>
+            <a:r>
+              <a:rPr lang="en-US" sz="1400" dirty="0">
+                <a:solidFill>
+                  <a:srgbClr val="0070C0"/>
+                </a:solidFill>
+              </a:rPr>
+              <a:t> - 1</a:t>
+            </a:r>
+          </a:p>
+          <a:p>
+            <a:r>
+              <a:rPr lang="en-US" sz="1400" dirty="0">
+                <a:solidFill>
+                  <a:srgbClr val="FF0000"/>
+                </a:solidFill>
+              </a:rPr>
+              <a:t/>
+            </a:r>
+            <a:br>
+              <a:rPr lang="en-US" sz="1400" dirty="0">
+                <a:solidFill>
+                  <a:srgbClr val="FF0000"/>
+                </a:solidFill>
+              </a:rPr>
+            </a:br>
+            <a:r>
+              <a:rPr lang="en-US" sz="1400" dirty="0">
+                <a:solidFill>
+                  <a:srgbClr val="FF0000"/>
+                </a:solidFill>
+              </a:rPr>
+              <a:t>#Countdown Completed!</a:t>
+            </a:r>
+          </a:p>
+          <a:p>
+            <a:r>
+              <a:rPr lang="en-US" sz="1400" dirty="0">
+                <a:solidFill>
+                  <a:srgbClr val="FF0000"/>
+                </a:solidFill>
+              </a:rPr>
+              <a:t>print("Blastoff!!!!")</a:t>
+            </a:r>
+          </a:p>
+          <a:p>
+            <a:endParaRPr lang="en-US" dirty="0"/>
           </a:p>
         </p:txBody>
       </p:sp>
     </p:spTree>
     <p:extLst>
       <p:ext uri="{BB962C8B-B14F-4D97-AF65-F5344CB8AC3E}">
-        <p14:creationId xmlns:p14="http://schemas.microsoft.com/office/powerpoint/2010/main" val="2375883348"/>
+        <p14:creationId xmlns:p14="http://schemas.microsoft.com/office/powerpoint/2010/main" val="1800391246"/>
       </p:ext>
     </p:extLst>
   </p:cSld>
@@ -3145,7 +3613,7 @@
           <a:p>
             <a:r>
               <a:rPr lang="en-CA" dirty="0" smtClean="0"/>
-              <a:t>Use Of Comments For Debugging</a:t>
+              <a:t>Infinite Loop – Logic Error</a:t>
             </a:r>
             <a:endParaRPr lang="en-US" dirty="0"/>
           </a:p>
@@ -3161,19 +3629,467 @@
             <p:ph idx="1"/>
           </p:nvPr>
         </p:nvSpPr>
-        <p:spPr/>
-        <p:txBody>
-          <a:bodyPr/>
-          <a:lstStyle/>
-          <a:p>
-            <a:endParaRPr lang="en-US"/>
+        <p:spPr>
+          <a:xfrm>
+            <a:off x="628650" y="1825625"/>
+            <a:ext cx="3783094" cy="4351338"/>
+          </a:xfrm>
+        </p:spPr>
+        <p:txBody>
+          <a:bodyPr>
+            <a:normAutofit fontScale="92500" lnSpcReduction="10000"/>
+          </a:bodyPr>
+          <a:lstStyle/>
+          <a:p>
+            <a:r>
+              <a:rPr lang="en-CA" sz="2000" dirty="0" smtClean="0"/>
+              <a:t>Sometimes the loop condition never becomes false</a:t>
+            </a:r>
+            <a:endParaRPr lang="en-CA" sz="2000" dirty="0">
+              <a:solidFill>
+                <a:srgbClr val="0070C0"/>
+              </a:solidFill>
+            </a:endParaRPr>
+          </a:p>
+          <a:p>
+            <a:pPr lvl="1"/>
+            <a:r>
+              <a:rPr lang="en-CA" sz="1600" dirty="0" smtClean="0"/>
+              <a:t>In this case the loop never exits and repeats forever</a:t>
+            </a:r>
+            <a:endParaRPr lang="en-CA" sz="1600" dirty="0"/>
+          </a:p>
+          <a:p>
+            <a:pPr lvl="1"/>
+            <a:r>
+              <a:rPr lang="en-CA" sz="1600" dirty="0" smtClean="0"/>
+              <a:t>This is called an Infinite Loop</a:t>
+            </a:r>
+          </a:p>
+          <a:p>
+            <a:pPr lvl="1"/>
+            <a:r>
+              <a:rPr lang="en-CA" sz="1600" dirty="0" smtClean="0"/>
+              <a:t>The sample program contains an error because the = (assignment) operator was used instead of == (is equal to)</a:t>
+            </a:r>
+            <a:endParaRPr lang="en-CA" sz="1600" dirty="0" smtClean="0"/>
+          </a:p>
+          <a:p>
+            <a:pPr lvl="1"/>
+            <a:r>
+              <a:rPr lang="en-CA" sz="1600" dirty="0" smtClean="0"/>
+              <a:t>Infinite loops are one result of Logic Errors</a:t>
+            </a:r>
+            <a:endParaRPr lang="en-CA" sz="1600" dirty="0" smtClean="0">
+              <a:solidFill>
+                <a:srgbClr val="0070C0"/>
+              </a:solidFill>
+            </a:endParaRPr>
+          </a:p>
+          <a:p>
+            <a:pPr marL="457200" lvl="1" indent="0">
+              <a:buNone/>
+            </a:pPr>
+            <a:endParaRPr lang="en-CA" sz="2000" dirty="0"/>
+          </a:p>
+          <a:p>
+            <a:r>
+              <a:rPr lang="en-CA" sz="2000" dirty="0" smtClean="0"/>
+              <a:t>A Logic Error:</a:t>
+            </a:r>
+            <a:endParaRPr lang="en-CA" sz="2000" dirty="0"/>
+          </a:p>
+          <a:p>
+            <a:pPr lvl="1"/>
+            <a:r>
+              <a:rPr lang="en-CA" sz="1600" dirty="0" smtClean="0"/>
+              <a:t>Error not because of a typo (Syntax)</a:t>
+            </a:r>
+            <a:endParaRPr lang="en-CA" sz="1600" b="1" dirty="0">
+              <a:solidFill>
+                <a:srgbClr val="0070C0"/>
+              </a:solidFill>
+            </a:endParaRPr>
+          </a:p>
+          <a:p>
+            <a:pPr lvl="1"/>
+            <a:r>
+              <a:rPr lang="en-CA" sz="1600" dirty="0" smtClean="0"/>
+              <a:t>Error not because of an undefined variable (Run Time)</a:t>
+            </a:r>
+            <a:endParaRPr lang="en-CA" sz="1600" dirty="0" smtClean="0"/>
+          </a:p>
+          <a:p>
+            <a:pPr lvl="1"/>
+            <a:r>
+              <a:rPr lang="en-CA" sz="1600" dirty="0" smtClean="0"/>
+              <a:t>Error due to poor thinking or design of </a:t>
+            </a:r>
+            <a:r>
+              <a:rPr lang="en-CA" sz="1600" smtClean="0"/>
+              <a:t>your computer code</a:t>
+            </a:r>
+            <a:endParaRPr lang="en-US" sz="1600" dirty="0"/>
+          </a:p>
+        </p:txBody>
+      </p:sp>
+      <p:sp>
+        <p:nvSpPr>
+          <p:cNvPr id="4" name="TextBox 3"/>
+          <p:cNvSpPr txBox="1"/>
+          <p:nvPr/>
+        </p:nvSpPr>
+        <p:spPr>
+          <a:xfrm>
+            <a:off x="4910432" y="1825625"/>
+            <a:ext cx="3471207" cy="4093428"/>
+          </a:xfrm>
+          <a:prstGeom prst="rect">
+            <a:avLst/>
+          </a:prstGeom>
+          <a:noFill/>
+        </p:spPr>
+        <p:txBody>
+          <a:bodyPr wrap="none" rtlCol="0">
+            <a:spAutoFit/>
+          </a:bodyPr>
+          <a:lstStyle/>
+          <a:p>
+            <a:r>
+              <a:rPr lang="en-US" b="1" u="sng" dirty="0" smtClean="0">
+                <a:latin typeface="Arial" panose="020B0604020202020204" pitchFamily="34" charset="0"/>
+                <a:cs typeface="Arial" panose="020B0604020202020204" pitchFamily="34" charset="0"/>
+              </a:rPr>
+              <a:t>Sample Program:</a:t>
+            </a:r>
+          </a:p>
+          <a:p>
+            <a:endParaRPr lang="en-US" sz="1400" dirty="0">
+              <a:solidFill>
+                <a:srgbClr val="FF0000"/>
+              </a:solidFill>
+              <a:latin typeface="Arial" panose="020B0604020202020204" pitchFamily="34" charset="0"/>
+              <a:cs typeface="Arial" panose="020B0604020202020204" pitchFamily="34" charset="0"/>
+            </a:endParaRPr>
+          </a:p>
+          <a:p>
+            <a:r>
+              <a:rPr lang="en-US" sz="1400" dirty="0">
+                <a:solidFill>
+                  <a:srgbClr val="FF0000"/>
+                </a:solidFill>
+              </a:rPr>
+              <a:t>print(" ")</a:t>
+            </a:r>
+          </a:p>
+          <a:p>
+            <a:r>
+              <a:rPr lang="en-US" sz="1400" dirty="0">
+                <a:solidFill>
+                  <a:srgbClr val="FF0000"/>
+                </a:solidFill>
+              </a:rPr>
+              <a:t>print("This program uses a countdown loop")</a:t>
+            </a:r>
+          </a:p>
+          <a:p>
+            <a:r>
+              <a:rPr lang="en-US" sz="1400" dirty="0">
+                <a:solidFill>
+                  <a:srgbClr val="FF0000"/>
+                </a:solidFill>
+              </a:rPr>
+              <a:t>print(" ")</a:t>
+            </a:r>
+          </a:p>
+          <a:p>
+            <a:r>
+              <a:rPr lang="en-US" sz="1400" dirty="0" err="1">
+                <a:solidFill>
+                  <a:srgbClr val="FF0000"/>
+                </a:solidFill>
+              </a:rPr>
+              <a:t>startCount</a:t>
+            </a:r>
+            <a:r>
+              <a:rPr lang="en-US" sz="1400" dirty="0">
+                <a:solidFill>
+                  <a:srgbClr val="FF0000"/>
+                </a:solidFill>
+              </a:rPr>
+              <a:t> = </a:t>
+            </a:r>
+            <a:r>
+              <a:rPr lang="en-US" sz="1400" dirty="0" err="1">
+                <a:solidFill>
+                  <a:srgbClr val="FF0000"/>
+                </a:solidFill>
+              </a:rPr>
+              <a:t>int</a:t>
+            </a:r>
+            <a:r>
+              <a:rPr lang="en-US" sz="1400" dirty="0">
+                <a:solidFill>
+                  <a:srgbClr val="FF0000"/>
+                </a:solidFill>
+              </a:rPr>
+              <a:t>(input("Enter a number:"))</a:t>
+            </a:r>
+          </a:p>
+          <a:p>
+            <a:r>
+              <a:rPr lang="en-US" sz="1400" dirty="0">
+                <a:solidFill>
+                  <a:srgbClr val="FF0000"/>
+                </a:solidFill>
+              </a:rPr>
+              <a:t/>
+            </a:r>
+            <a:br>
+              <a:rPr lang="en-US" sz="1400" dirty="0">
+                <a:solidFill>
+                  <a:srgbClr val="FF0000"/>
+                </a:solidFill>
+              </a:rPr>
+            </a:br>
+            <a:r>
+              <a:rPr lang="en-US" sz="1400" dirty="0">
+                <a:solidFill>
+                  <a:srgbClr val="FF0000"/>
+                </a:solidFill>
+              </a:rPr>
+              <a:t>"""</a:t>
+            </a:r>
+          </a:p>
+          <a:p>
+            <a:r>
+              <a:rPr lang="en-US" sz="1400" dirty="0">
+                <a:solidFill>
+                  <a:srgbClr val="FF0000"/>
+                </a:solidFill>
+              </a:rPr>
+              <a:t>This loop counts down to zero</a:t>
+            </a:r>
+          </a:p>
+          <a:p>
+            <a:r>
+              <a:rPr lang="en-US" sz="1400" dirty="0">
+                <a:solidFill>
+                  <a:srgbClr val="FF0000"/>
+                </a:solidFill>
+              </a:rPr>
+              <a:t>"""</a:t>
+            </a:r>
+          </a:p>
+          <a:p>
+            <a:r>
+              <a:rPr lang="en-US" sz="1400" dirty="0" err="1">
+                <a:solidFill>
+                  <a:srgbClr val="FF0000"/>
+                </a:solidFill>
+              </a:rPr>
+              <a:t>currentCount</a:t>
+            </a:r>
+            <a:r>
+              <a:rPr lang="en-US" sz="1400" dirty="0">
+                <a:solidFill>
+                  <a:srgbClr val="FF0000"/>
+                </a:solidFill>
+              </a:rPr>
+              <a:t> = </a:t>
+            </a:r>
+            <a:r>
+              <a:rPr lang="en-US" sz="1400" dirty="0" err="1">
+                <a:solidFill>
+                  <a:srgbClr val="FF0000"/>
+                </a:solidFill>
+              </a:rPr>
+              <a:t>startCount</a:t>
+            </a:r>
+            <a:endParaRPr lang="en-US" sz="1400" dirty="0">
+              <a:solidFill>
+                <a:srgbClr val="FF0000"/>
+              </a:solidFill>
+            </a:endParaRPr>
+          </a:p>
+          <a:p>
+            <a:r>
+              <a:rPr lang="en-US" sz="1400" dirty="0">
+                <a:solidFill>
+                  <a:srgbClr val="FF0000"/>
+                </a:solidFill>
+              </a:rPr>
+              <a:t>while (</a:t>
+            </a:r>
+            <a:r>
+              <a:rPr lang="en-US" sz="1400" dirty="0" err="1">
+                <a:solidFill>
+                  <a:srgbClr val="0070C0"/>
+                </a:solidFill>
+              </a:rPr>
+              <a:t>currentCount</a:t>
+            </a:r>
+            <a:r>
+              <a:rPr lang="en-US" sz="1400" dirty="0">
+                <a:solidFill>
+                  <a:srgbClr val="0070C0"/>
+                </a:solidFill>
+              </a:rPr>
+              <a:t> </a:t>
+            </a:r>
+            <a:r>
+              <a:rPr lang="en-US" sz="1400" dirty="0" smtClean="0">
+                <a:solidFill>
+                  <a:srgbClr val="0070C0"/>
+                </a:solidFill>
+              </a:rPr>
+              <a:t>= </a:t>
+            </a:r>
+            <a:r>
+              <a:rPr lang="en-US" sz="1400" dirty="0">
+                <a:solidFill>
+                  <a:srgbClr val="0070C0"/>
+                </a:solidFill>
+              </a:rPr>
+              <a:t>0</a:t>
+            </a:r>
+            <a:r>
+              <a:rPr lang="en-US" sz="1400" dirty="0">
+                <a:solidFill>
+                  <a:srgbClr val="FF0000"/>
+                </a:solidFill>
+              </a:rPr>
+              <a:t>) :</a:t>
+            </a:r>
+          </a:p>
+          <a:p>
+            <a:r>
+              <a:rPr lang="en-US" sz="1400" dirty="0" smtClean="0">
+                <a:solidFill>
+                  <a:srgbClr val="FF0000"/>
+                </a:solidFill>
+              </a:rPr>
+              <a:t>    print</a:t>
+            </a:r>
+            <a:r>
+              <a:rPr lang="en-US" sz="1400" dirty="0">
+                <a:solidFill>
+                  <a:srgbClr val="FF0000"/>
+                </a:solidFill>
+              </a:rPr>
+              <a:t>("Count = %d" % </a:t>
+            </a:r>
+            <a:r>
+              <a:rPr lang="en-US" sz="1400" dirty="0" err="1">
+                <a:solidFill>
+                  <a:srgbClr val="FF0000"/>
+                </a:solidFill>
+              </a:rPr>
+              <a:t>currentCount</a:t>
+            </a:r>
+            <a:r>
+              <a:rPr lang="en-US" sz="1400" dirty="0">
+                <a:solidFill>
+                  <a:srgbClr val="FF0000"/>
+                </a:solidFill>
+              </a:rPr>
+              <a:t>)</a:t>
+            </a:r>
+          </a:p>
+          <a:p>
+            <a:r>
+              <a:rPr lang="en-US" sz="1400" dirty="0" smtClean="0">
+                <a:solidFill>
+                  <a:srgbClr val="FF0000"/>
+                </a:solidFill>
+              </a:rPr>
+              <a:t>    </a:t>
+            </a:r>
+            <a:r>
+              <a:rPr lang="en-US" sz="1400" dirty="0" err="1" smtClean="0">
+                <a:solidFill>
+                  <a:srgbClr val="FF0000"/>
+                </a:solidFill>
+              </a:rPr>
+              <a:t>currentCount</a:t>
+            </a:r>
+            <a:r>
+              <a:rPr lang="en-US" sz="1400" dirty="0" smtClean="0">
+                <a:solidFill>
+                  <a:srgbClr val="FF0000"/>
+                </a:solidFill>
+              </a:rPr>
+              <a:t> </a:t>
+            </a:r>
+            <a:r>
+              <a:rPr lang="en-US" sz="1400" dirty="0">
+                <a:solidFill>
+                  <a:srgbClr val="FF0000"/>
+                </a:solidFill>
+              </a:rPr>
+              <a:t>= </a:t>
+            </a:r>
+            <a:r>
+              <a:rPr lang="en-US" sz="1400" dirty="0" err="1">
+                <a:solidFill>
+                  <a:srgbClr val="FF0000"/>
+                </a:solidFill>
+              </a:rPr>
+              <a:t>currentCount</a:t>
+            </a:r>
+            <a:r>
+              <a:rPr lang="en-US" sz="1400" dirty="0">
+                <a:solidFill>
+                  <a:srgbClr val="FF0000"/>
+                </a:solidFill>
+              </a:rPr>
+              <a:t> - 1</a:t>
+            </a:r>
+          </a:p>
+          <a:p>
+            <a:r>
+              <a:rPr lang="en-US" sz="1400" dirty="0">
+                <a:solidFill>
+                  <a:srgbClr val="FF0000"/>
+                </a:solidFill>
+              </a:rPr>
+              <a:t/>
+            </a:r>
+            <a:br>
+              <a:rPr lang="en-US" sz="1400" dirty="0">
+                <a:solidFill>
+                  <a:srgbClr val="FF0000"/>
+                </a:solidFill>
+              </a:rPr>
+            </a:br>
+            <a:r>
+              <a:rPr lang="en-US" sz="1400" dirty="0">
+                <a:solidFill>
+                  <a:srgbClr val="FF0000"/>
+                </a:solidFill>
+              </a:rPr>
+              <a:t>#Countdown Completed!</a:t>
+            </a:r>
+          </a:p>
+          <a:p>
+            <a:r>
+              <a:rPr lang="en-US" sz="1400" dirty="0">
+                <a:solidFill>
+                  <a:srgbClr val="FF0000"/>
+                </a:solidFill>
+              </a:rPr>
+              <a:t>print("Blastoff!!!!")</a:t>
+            </a:r>
+          </a:p>
+          <a:p>
+            <a:endParaRPr lang="en-US" dirty="0"/>
           </a:p>
         </p:txBody>
       </p:sp>
     </p:spTree>
     <p:extLst>
       <p:ext uri="{BB962C8B-B14F-4D97-AF65-F5344CB8AC3E}">
-        <p14:creationId xmlns:p14="http://schemas.microsoft.com/office/powerpoint/2010/main" val="1307072331"/>
+        <p14:creationId xmlns:p14="http://schemas.microsoft.com/office/powerpoint/2010/main" val="4225727504"/>
       </p:ext>
     </p:extLst>
   </p:cSld>
@@ -3202,7 +4118,7 @@
       </p:grpSpPr>
       <p:sp>
         <p:nvSpPr>
-          <p:cNvPr id="2" name="Title 1"/>
+          <p:cNvPr id="4" name="Title 3"/>
           <p:cNvSpPr>
             <a:spLocks noGrp="1"/>
           </p:cNvSpPr>
@@ -3217,7 +4133,7 @@
           <a:p>
             <a:r>
               <a:rPr lang="en-CA" dirty="0" smtClean="0"/>
-              <a:t>Use Of Print For Debugging</a:t>
+              <a:t>End of Lesson B.3</a:t>
             </a:r>
             <a:endParaRPr lang="en-US" dirty="0"/>
           </a:p>
@@ -3225,12 +4141,12 @@
       </p:sp>
       <p:sp>
         <p:nvSpPr>
-          <p:cNvPr id="3" name="Content Placeholder 2"/>
-          <p:cNvSpPr>
-            <a:spLocks noGrp="1"/>
-          </p:cNvSpPr>
-          <p:nvPr>
-            <p:ph idx="1"/>
+          <p:cNvPr id="5" name="Text Placeholder 4"/>
+          <p:cNvSpPr>
+            <a:spLocks noGrp="1"/>
+          </p:cNvSpPr>
+          <p:nvPr>
+            <p:ph type="body" idx="1"/>
           </p:nvPr>
         </p:nvSpPr>
         <p:spPr/>
@@ -3245,7 +4161,7 @@
     </p:spTree>
     <p:extLst>
       <p:ext uri="{BB962C8B-B14F-4D97-AF65-F5344CB8AC3E}">
-        <p14:creationId xmlns:p14="http://schemas.microsoft.com/office/powerpoint/2010/main" val="2969170581"/>
+        <p14:creationId xmlns:p14="http://schemas.microsoft.com/office/powerpoint/2010/main" val="2375883348"/>
       </p:ext>
     </p:extLst>
   </p:cSld>
@@ -3289,6 +4205,150 @@
           <a:p>
             <a:r>
               <a:rPr lang="en-CA" dirty="0" smtClean="0"/>
+              <a:t>Use Of Comments For Debugging</a:t>
+            </a:r>
+            <a:endParaRPr lang="en-US" dirty="0"/>
+          </a:p>
+        </p:txBody>
+      </p:sp>
+      <p:sp>
+        <p:nvSpPr>
+          <p:cNvPr id="3" name="Content Placeholder 2"/>
+          <p:cNvSpPr>
+            <a:spLocks noGrp="1"/>
+          </p:cNvSpPr>
+          <p:nvPr>
+            <p:ph idx="1"/>
+          </p:nvPr>
+        </p:nvSpPr>
+        <p:spPr/>
+        <p:txBody>
+          <a:bodyPr/>
+          <a:lstStyle/>
+          <a:p>
+            <a:endParaRPr lang="en-US"/>
+          </a:p>
+        </p:txBody>
+      </p:sp>
+    </p:spTree>
+    <p:extLst>
+      <p:ext uri="{BB962C8B-B14F-4D97-AF65-F5344CB8AC3E}">
+        <p14:creationId xmlns:p14="http://schemas.microsoft.com/office/powerpoint/2010/main" val="1307072331"/>
+      </p:ext>
+    </p:extLst>
+  </p:cSld>
+  <p:clrMapOvr>
+    <a:masterClrMapping/>
+  </p:clrMapOvr>
+</p:sld>
+</file>
+
+<file path=ppt/slides/slide14.xml><?xml version="1.0" encoding="utf-8"?>
+<p:sld xmlns:a="http://schemas.openxmlformats.org/drawingml/2006/main" xmlns:r="http://schemas.openxmlformats.org/officeDocument/2006/relationships" xmlns:p="http://schemas.openxmlformats.org/presentationml/2006/main">
+  <p:cSld>
+    <p:spTree>
+      <p:nvGrpSpPr>
+        <p:cNvPr id="1" name=""/>
+        <p:cNvGrpSpPr/>
+        <p:nvPr/>
+      </p:nvGrpSpPr>
+      <p:grpSpPr>
+        <a:xfrm>
+          <a:off x="0" y="0"/>
+          <a:ext cx="0" cy="0"/>
+          <a:chOff x="0" y="0"/>
+          <a:chExt cx="0" cy="0"/>
+        </a:xfrm>
+      </p:grpSpPr>
+      <p:sp>
+        <p:nvSpPr>
+          <p:cNvPr id="2" name="Title 1"/>
+          <p:cNvSpPr>
+            <a:spLocks noGrp="1"/>
+          </p:cNvSpPr>
+          <p:nvPr>
+            <p:ph type="title"/>
+          </p:nvPr>
+        </p:nvSpPr>
+        <p:spPr/>
+        <p:txBody>
+          <a:bodyPr/>
+          <a:lstStyle/>
+          <a:p>
+            <a:r>
+              <a:rPr lang="en-CA" dirty="0" smtClean="0"/>
+              <a:t>Use Of Print For Debugging</a:t>
+            </a:r>
+            <a:endParaRPr lang="en-US" dirty="0"/>
+          </a:p>
+        </p:txBody>
+      </p:sp>
+      <p:sp>
+        <p:nvSpPr>
+          <p:cNvPr id="3" name="Content Placeholder 2"/>
+          <p:cNvSpPr>
+            <a:spLocks noGrp="1"/>
+          </p:cNvSpPr>
+          <p:nvPr>
+            <p:ph idx="1"/>
+          </p:nvPr>
+        </p:nvSpPr>
+        <p:spPr/>
+        <p:txBody>
+          <a:bodyPr/>
+          <a:lstStyle/>
+          <a:p>
+            <a:endParaRPr lang="en-US"/>
+          </a:p>
+        </p:txBody>
+      </p:sp>
+    </p:spTree>
+    <p:extLst>
+      <p:ext uri="{BB962C8B-B14F-4D97-AF65-F5344CB8AC3E}">
+        <p14:creationId xmlns:p14="http://schemas.microsoft.com/office/powerpoint/2010/main" val="2969170581"/>
+      </p:ext>
+    </p:extLst>
+  </p:cSld>
+  <p:clrMapOvr>
+    <a:masterClrMapping/>
+  </p:clrMapOvr>
+</p:sld>
+</file>
+
+<file path=ppt/slides/slide15.xml><?xml version="1.0" encoding="utf-8"?>
+<p:sld xmlns:a="http://schemas.openxmlformats.org/drawingml/2006/main" xmlns:r="http://schemas.openxmlformats.org/officeDocument/2006/relationships" xmlns:p="http://schemas.openxmlformats.org/presentationml/2006/main">
+  <p:cSld>
+    <p:spTree>
+      <p:nvGrpSpPr>
+        <p:cNvPr id="1" name=""/>
+        <p:cNvGrpSpPr/>
+        <p:nvPr/>
+      </p:nvGrpSpPr>
+      <p:grpSpPr>
+        <a:xfrm>
+          <a:off x="0" y="0"/>
+          <a:ext cx="0" cy="0"/>
+          <a:chOff x="0" y="0"/>
+          <a:chExt cx="0" cy="0"/>
+        </a:xfrm>
+      </p:grpSpPr>
+      <p:sp>
+        <p:nvSpPr>
+          <p:cNvPr id="2" name="Title 1"/>
+          <p:cNvSpPr>
+            <a:spLocks noGrp="1"/>
+          </p:cNvSpPr>
+          <p:nvPr>
+            <p:ph type="title"/>
+          </p:nvPr>
+        </p:nvSpPr>
+        <p:spPr/>
+        <p:txBody>
+          <a:bodyPr/>
+          <a:lstStyle/>
+          <a:p>
+            <a:r>
+              <a:rPr lang="en-CA" dirty="0" smtClean="0"/>
               <a:t>Counted Loop</a:t>
             </a:r>
             <a:endParaRPr lang="en-US" dirty="0"/>
@@ -3327,7 +4387,7 @@
 </p:sld>
 </file>
 
-<file path=ppt/slides/slide14.xml><?xml version="1.0" encoding="utf-8"?>
+<file path=ppt/slides/slide16.xml><?xml version="1.0" encoding="utf-8"?>
 <p:sld xmlns:a="http://schemas.openxmlformats.org/drawingml/2006/main" xmlns:r="http://schemas.openxmlformats.org/officeDocument/2006/relationships" xmlns:p="http://schemas.openxmlformats.org/presentationml/2006/main">
   <p:cSld>
     <p:spTree>
@@ -5179,15 +6239,7 @@
                   <a:srgbClr val="0070C0"/>
                 </a:solidFill>
               </a:rPr>
-              <a:t>alternative </a:t>
-            </a:r>
-            <a:r>
-              <a:rPr lang="en-CA" sz="2000" dirty="0" smtClean="0">
-                <a:solidFill>
-                  <a:srgbClr val="0070C0"/>
-                </a:solidFill>
-              </a:rPr>
-              <a:t>actions</a:t>
+              <a:t>alternative actions</a:t>
             </a:r>
           </a:p>
           <a:p>
@@ -5201,15 +6253,7 @@
             </a:br>
             <a:r>
               <a:rPr lang="en-CA" sz="1600" dirty="0" smtClean="0"/>
-              <a:t>if </a:t>
-            </a:r>
-            <a:r>
-              <a:rPr lang="en-CA" sz="1600" dirty="0" smtClean="0"/>
-              <a:t>condition is </a:t>
-            </a:r>
-            <a:r>
-              <a:rPr lang="en-CA" sz="1600" dirty="0" smtClean="0"/>
-              <a:t>false</a:t>
+              <a:t>if condition is false</a:t>
             </a:r>
           </a:p>
           <a:p>
@@ -6771,7 +7815,11 @@
           <a:p>
             <a:r>
               <a:rPr lang="en-CA" dirty="0" smtClean="0"/>
-              <a:t>Conditional Loop</a:t>
+              <a:t>Conditional </a:t>
+            </a:r>
+            <a:r>
+              <a:rPr lang="en-CA" dirty="0" smtClean="0"/>
+              <a:t>Loops</a:t>
             </a:r>
             <a:endParaRPr lang="en-US" dirty="0"/>
           </a:p>
@@ -6787,15 +7835,105 @@
             <p:ph idx="1"/>
           </p:nvPr>
         </p:nvSpPr>
-        <p:spPr/>
-        <p:txBody>
-          <a:bodyPr/>
-          <a:lstStyle/>
-          <a:p>
-            <a:endParaRPr lang="en-US"/>
-          </a:p>
-        </p:txBody>
-      </p:sp>
+        <p:spPr>
+          <a:xfrm>
+            <a:off x="628650" y="1825625"/>
+            <a:ext cx="3892550" cy="4351338"/>
+          </a:xfrm>
+        </p:spPr>
+        <p:txBody>
+          <a:bodyPr>
+            <a:normAutofit/>
+          </a:bodyPr>
+          <a:lstStyle/>
+          <a:p>
+            <a:r>
+              <a:rPr lang="en-CA" sz="1800" dirty="0" smtClean="0"/>
+              <a:t>Sometimes programs need to repeat a block of instructions over and over again</a:t>
+            </a:r>
+          </a:p>
+          <a:p>
+            <a:pPr lvl="1"/>
+            <a:r>
+              <a:rPr lang="en-CA" sz="1600" dirty="0" smtClean="0"/>
+              <a:t>Repeat a certain number of times</a:t>
+            </a:r>
+          </a:p>
+          <a:p>
+            <a:pPr lvl="1"/>
+            <a:r>
+              <a:rPr lang="en-CA" sz="1600" dirty="0" smtClean="0"/>
+              <a:t>Repeat while a condition is true</a:t>
+            </a:r>
+          </a:p>
+          <a:p>
+            <a:pPr lvl="1"/>
+            <a:endParaRPr lang="en-CA" sz="1600" dirty="0"/>
+          </a:p>
+          <a:p>
+            <a:r>
+              <a:rPr lang="en-CA" sz="1800" dirty="0" smtClean="0"/>
+              <a:t>Do not use "cut-and-paste" to make copies of your code</a:t>
+            </a:r>
+          </a:p>
+          <a:p>
+            <a:pPr lvl="1"/>
+            <a:r>
+              <a:rPr lang="en-CA" sz="1600" dirty="0" smtClean="0"/>
+              <a:t>It is too much work</a:t>
+            </a:r>
+          </a:p>
+          <a:p>
+            <a:pPr lvl="1"/>
+            <a:r>
+              <a:rPr lang="en-CA" sz="1600" dirty="0" smtClean="0"/>
+              <a:t>It makes your program difficult to understand and debug</a:t>
+            </a:r>
+          </a:p>
+          <a:p>
+            <a:pPr lvl="1"/>
+            <a:r>
+              <a:rPr lang="en-CA" sz="1600" dirty="0" smtClean="0"/>
+              <a:t>You may not know in advance how many copies you need</a:t>
+            </a:r>
+          </a:p>
+          <a:p>
+            <a:pPr lvl="1"/>
+            <a:endParaRPr lang="en-CA" sz="1600" dirty="0"/>
+          </a:p>
+          <a:p>
+            <a:r>
+              <a:rPr lang="en-CA" sz="2000" dirty="0" smtClean="0"/>
+              <a:t>Use a Python Loop!</a:t>
+            </a:r>
+            <a:endParaRPr lang="en-US" sz="2000" dirty="0"/>
+          </a:p>
+        </p:txBody>
+      </p:sp>
+      <p:pic>
+        <p:nvPicPr>
+          <p:cNvPr id="4" name="Picture 3"/>
+          <p:cNvPicPr>
+            <a:picLocks noChangeAspect="1"/>
+          </p:cNvPicPr>
+          <p:nvPr/>
+        </p:nvPicPr>
+        <p:blipFill>
+          <a:blip r:embed="rId2"/>
+          <a:stretch>
+            <a:fillRect/>
+          </a:stretch>
+        </p:blipFill>
+        <p:spPr>
+          <a:xfrm>
+            <a:off x="5038725" y="1690689"/>
+            <a:ext cx="3476625" cy="3638550"/>
+          </a:xfrm>
+          <a:prstGeom prst="rect">
+            <a:avLst/>
+          </a:prstGeom>
+        </p:spPr>
+      </p:pic>
     </p:spTree>
     <p:extLst>
       <p:ext uri="{BB962C8B-B14F-4D97-AF65-F5344CB8AC3E}">

--- a/Topic B Programming Introduction/B.3 Lesson - Python Control Basics.pptx
+++ b/Topic B Programming Introduction/B.3 Lesson - Python Control Basics.pptx
@@ -258,7 +258,7 @@
           <a:p>
             <a:fld id="{033E5389-43CE-4475-8AC5-F7A03157C002}" type="datetimeFigureOut">
               <a:rPr lang="en-US" smtClean="0"/>
-              <a:t>9/19/2019</a:t>
+              <a:t>9/20/2019</a:t>
             </a:fld>
             <a:endParaRPr lang="en-US"/>
           </a:p>
@@ -428,7 +428,7 @@
           <a:p>
             <a:fld id="{033E5389-43CE-4475-8AC5-F7A03157C002}" type="datetimeFigureOut">
               <a:rPr lang="en-US" smtClean="0"/>
-              <a:t>9/19/2019</a:t>
+              <a:t>9/20/2019</a:t>
             </a:fld>
             <a:endParaRPr lang="en-US"/>
           </a:p>
@@ -608,7 +608,7 @@
           <a:p>
             <a:fld id="{033E5389-43CE-4475-8AC5-F7A03157C002}" type="datetimeFigureOut">
               <a:rPr lang="en-US" smtClean="0"/>
-              <a:t>9/19/2019</a:t>
+              <a:t>9/20/2019</a:t>
             </a:fld>
             <a:endParaRPr lang="en-US"/>
           </a:p>
@@ -778,7 +778,7 @@
           <a:p>
             <a:fld id="{033E5389-43CE-4475-8AC5-F7A03157C002}" type="datetimeFigureOut">
               <a:rPr lang="en-US" smtClean="0"/>
-              <a:t>9/19/2019</a:t>
+              <a:t>9/20/2019</a:t>
             </a:fld>
             <a:endParaRPr lang="en-US"/>
           </a:p>
@@ -1022,7 +1022,7 @@
           <a:p>
             <a:fld id="{033E5389-43CE-4475-8AC5-F7A03157C002}" type="datetimeFigureOut">
               <a:rPr lang="en-US" smtClean="0"/>
-              <a:t>9/19/2019</a:t>
+              <a:t>9/20/2019</a:t>
             </a:fld>
             <a:endParaRPr lang="en-US"/>
           </a:p>
@@ -1254,7 +1254,7 @@
           <a:p>
             <a:fld id="{033E5389-43CE-4475-8AC5-F7A03157C002}" type="datetimeFigureOut">
               <a:rPr lang="en-US" smtClean="0"/>
-              <a:t>9/19/2019</a:t>
+              <a:t>9/20/2019</a:t>
             </a:fld>
             <a:endParaRPr lang="en-US"/>
           </a:p>
@@ -1621,7 +1621,7 @@
           <a:p>
             <a:fld id="{033E5389-43CE-4475-8AC5-F7A03157C002}" type="datetimeFigureOut">
               <a:rPr lang="en-US" smtClean="0"/>
-              <a:t>9/19/2019</a:t>
+              <a:t>9/20/2019</a:t>
             </a:fld>
             <a:endParaRPr lang="en-US"/>
           </a:p>
@@ -1739,7 +1739,7 @@
           <a:p>
             <a:fld id="{033E5389-43CE-4475-8AC5-F7A03157C002}" type="datetimeFigureOut">
               <a:rPr lang="en-US" smtClean="0"/>
-              <a:t>9/19/2019</a:t>
+              <a:t>9/20/2019</a:t>
             </a:fld>
             <a:endParaRPr lang="en-US"/>
           </a:p>
@@ -1834,7 +1834,7 @@
           <a:p>
             <a:fld id="{033E5389-43CE-4475-8AC5-F7A03157C002}" type="datetimeFigureOut">
               <a:rPr lang="en-US" smtClean="0"/>
-              <a:t>9/19/2019</a:t>
+              <a:t>9/20/2019</a:t>
             </a:fld>
             <a:endParaRPr lang="en-US"/>
           </a:p>
@@ -2111,7 +2111,7 @@
           <a:p>
             <a:fld id="{033E5389-43CE-4475-8AC5-F7A03157C002}" type="datetimeFigureOut">
               <a:rPr lang="en-US" smtClean="0"/>
-              <a:t>9/19/2019</a:t>
+              <a:t>9/20/2019</a:t>
             </a:fld>
             <a:endParaRPr lang="en-US"/>
           </a:p>
@@ -2368,7 +2368,7 @@
           <a:p>
             <a:fld id="{033E5389-43CE-4475-8AC5-F7A03157C002}" type="datetimeFigureOut">
               <a:rPr lang="en-US" smtClean="0"/>
-              <a:t>9/19/2019</a:t>
+              <a:t>9/20/2019</a:t>
             </a:fld>
             <a:endParaRPr lang="en-US"/>
           </a:p>
@@ -2581,7 +2581,7 @@
           <a:p>
             <a:fld id="{033E5389-43CE-4475-8AC5-F7A03157C002}" type="datetimeFigureOut">
               <a:rPr lang="en-US" smtClean="0"/>
-              <a:t>9/19/2019</a:t>
+              <a:t>9/20/2019</a:t>
             </a:fld>
             <a:endParaRPr lang="en-US"/>
           </a:p>
@@ -3042,6 +3042,13 @@
   <p:clrMapOvr>
     <a:masterClrMapping/>
   </p:clrMapOvr>
+  <p:timing>
+    <p:tnLst>
+      <p:par>
+        <p:cTn id="1" dur="indefinite" restart="never" nodeType="tmRoot"/>
+      </p:par>
+    </p:tnLst>
+  </p:timing>
 </p:sld>
 </file>
 
@@ -3672,7 +3679,6 @@
               <a:rPr lang="en-CA" sz="1600" dirty="0" smtClean="0"/>
               <a:t>The sample program contains an error because the = (assignment) operator was used instead of == (is equal to)</a:t>
             </a:r>
-            <a:endParaRPr lang="en-CA" sz="1600" dirty="0" smtClean="0"/>
           </a:p>
           <a:p>
             <a:pPr lvl="1"/>
@@ -3717,7 +3723,6 @@
               <a:rPr lang="en-CA" sz="1600" dirty="0" smtClean="0"/>
               <a:t>Error not because of an undefined variable (Run Time)</a:t>
             </a:r>
-            <a:endParaRPr lang="en-CA" sz="1600" dirty="0" smtClean="0"/>
           </a:p>
           <a:p>
             <a:pPr lvl="1"/>
@@ -4877,6 +4882,13 @@
   <p:clrMapOvr>
     <a:masterClrMapping/>
   </p:clrMapOvr>
+  <p:timing>
+    <p:tnLst>
+      <p:par>
+        <p:cTn id="1" dur="indefinite" restart="never" nodeType="tmRoot"/>
+      </p:par>
+    </p:tnLst>
+  </p:timing>
 </p:sld>
 </file>
 
@@ -5391,6 +5403,13 @@
   <p:clrMapOvr>
     <a:masterClrMapping/>
   </p:clrMapOvr>
+  <p:timing>
+    <p:tnLst>
+      <p:par>
+        <p:cTn id="1" dur="indefinite" restart="never" nodeType="tmRoot"/>
+      </p:par>
+    </p:tnLst>
+  </p:timing>
 </p:sld>
 </file>
 
@@ -5948,6 +5967,13 @@
   <p:clrMapOvr>
     <a:masterClrMapping/>
   </p:clrMapOvr>
+  <p:timing>
+    <p:tnLst>
+      <p:par>
+        <p:cTn id="1" dur="indefinite" restart="never" nodeType="tmRoot"/>
+      </p:par>
+    </p:tnLst>
+  </p:timing>
 </p:sld>
 </file>
 
@@ -6152,6 +6178,13 @@
   <p:clrMapOvr>
     <a:masterClrMapping/>
   </p:clrMapOvr>
+  <p:timing>
+    <p:tnLst>
+      <p:par>
+        <p:cTn id="1" dur="indefinite" restart="never" nodeType="tmRoot"/>
+      </p:par>
+    </p:tnLst>
+  </p:timing>
 </p:sld>
 </file>
 
@@ -6346,7 +6379,7 @@
         <p:spPr>
           <a:xfrm>
             <a:off x="4910432" y="1825625"/>
-            <a:ext cx="4036233" cy="2308324"/>
+            <a:ext cx="4036233" cy="2954655"/>
           </a:xfrm>
           <a:prstGeom prst="rect">
             <a:avLst/>
@@ -6567,25 +6600,38 @@
               <a:t>print</a:t>
             </a:r>
             <a:r>
-              <a:rPr lang="en-CA" sz="1400" dirty="0">
+              <a:rPr lang="en-CA" sz="1400" dirty="0" smtClean="0">
                 <a:solidFill>
                   <a:srgbClr val="0070C0"/>
                 </a:solidFill>
                 <a:latin typeface="Arial" panose="020B0604020202020204" pitchFamily="34" charset="0"/>
                 <a:cs typeface="Arial" panose="020B0604020202020204" pitchFamily="34" charset="0"/>
               </a:rPr>
-              <a:t>("Let's start our lesson</a:t>
-            </a:r>
-            <a:r>
-              <a:rPr lang="en-CA" sz="1400" dirty="0" smtClean="0">
-                <a:solidFill>
-                  <a:srgbClr val="0070C0"/>
-                </a:solidFill>
-                <a:latin typeface="Arial" panose="020B0604020202020204" pitchFamily="34" charset="0"/>
-                <a:cs typeface="Arial" panose="020B0604020202020204" pitchFamily="34" charset="0"/>
-              </a:rPr>
-              <a:t>")</a:t>
-            </a:r>
+              <a:t>("Your computers are ok")</a:t>
+            </a:r>
+          </a:p>
+          <a:p>
+            <a:endParaRPr lang="en-CA" sz="1400" dirty="0">
+              <a:solidFill>
+                <a:srgbClr val="0070C0"/>
+              </a:solidFill>
+              <a:latin typeface="Arial" panose="020B0604020202020204" pitchFamily="34" charset="0"/>
+              <a:cs typeface="Arial" panose="020B0604020202020204" pitchFamily="34" charset="0"/>
+            </a:endParaRPr>
+          </a:p>
+          <a:p>
+            <a:r>
+              <a:rPr lang="en-US" sz="1400" dirty="0">
+                <a:solidFill>
+                  <a:srgbClr val="FF0000"/>
+                </a:solidFill>
+                <a:latin typeface="Arial" panose="020B0604020202020204" pitchFamily="34" charset="0"/>
+                <a:cs typeface="Arial" panose="020B0604020202020204" pitchFamily="34" charset="0"/>
+              </a:rPr>
+              <a:t>print("Let's start our lesson")</a:t>
+            </a:r>
+          </a:p>
+          <a:p>
             <a:endParaRPr lang="en-US" sz="1400" dirty="0" smtClean="0">
               <a:solidFill>
                 <a:srgbClr val="0070C0"/>
@@ -6621,8 +6667,8 @@
         </p:blipFill>
         <p:spPr>
           <a:xfrm>
-            <a:off x="5782234" y="4133949"/>
-            <a:ext cx="2164977" cy="2644642"/>
+            <a:off x="5782234" y="4429759"/>
+            <a:ext cx="2164977" cy="2348831"/>
           </a:xfrm>
           <a:prstGeom prst="rect">
             <a:avLst/>
@@ -6639,6 +6685,13 @@
   <p:clrMapOvr>
     <a:masterClrMapping/>
   </p:clrMapOvr>
+  <p:timing>
+    <p:tnLst>
+      <p:par>
+        <p:cTn id="1" dur="indefinite" restart="never" nodeType="tmRoot"/>
+      </p:par>
+    </p:tnLst>
+  </p:timing>
 </p:sld>
 </file>
 
@@ -7265,6 +7318,13 @@
   <p:clrMapOvr>
     <a:masterClrMapping/>
   </p:clrMapOvr>
+  <p:timing>
+    <p:tnLst>
+      <p:par>
+        <p:cTn id="1" dur="indefinite" restart="never" nodeType="tmRoot"/>
+      </p:par>
+    </p:tnLst>
+  </p:timing>
 </p:sld>
 </file>
 
@@ -7778,6 +7838,13 @@
   <p:clrMapOvr>
     <a:masterClrMapping/>
   </p:clrMapOvr>
+  <p:timing>
+    <p:tnLst>
+      <p:par>
+        <p:cTn id="1" dur="indefinite" restart="never" nodeType="tmRoot"/>
+      </p:par>
+    </p:tnLst>
+  </p:timing>
 </p:sld>
 </file>
 
@@ -7815,11 +7882,7 @@
           <a:p>
             <a:r>
               <a:rPr lang="en-CA" dirty="0" smtClean="0"/>
-              <a:t>Conditional </a:t>
-            </a:r>
-            <a:r>
-              <a:rPr lang="en-CA" dirty="0" smtClean="0"/>
-              <a:t>Loops</a:t>
+              <a:t>Conditional Loops</a:t>
             </a:r>
             <a:endParaRPr lang="en-US" dirty="0"/>
           </a:p>

--- a/Topic B Programming Introduction/B.3 Lesson - Python Control Basics.pptx
+++ b/Topic B Programming Introduction/B.3 Lesson - Python Control Basics.pptx
@@ -16,11 +16,14 @@
     <p:sldId id="262" r:id="rId10"/>
     <p:sldId id="274" r:id="rId11"/>
     <p:sldId id="275" r:id="rId12"/>
-    <p:sldId id="273" r:id="rId13"/>
-    <p:sldId id="265" r:id="rId14"/>
-    <p:sldId id="266" r:id="rId15"/>
-    <p:sldId id="263" r:id="rId16"/>
-    <p:sldId id="264" r:id="rId17"/>
+    <p:sldId id="276" r:id="rId13"/>
+    <p:sldId id="277" r:id="rId14"/>
+    <p:sldId id="278" r:id="rId15"/>
+    <p:sldId id="273" r:id="rId16"/>
+    <p:sldId id="265" r:id="rId17"/>
+    <p:sldId id="266" r:id="rId18"/>
+    <p:sldId id="263" r:id="rId19"/>
+    <p:sldId id="264" r:id="rId20"/>
   </p:sldIdLst>
   <p:sldSz cx="9144000" cy="6858000" type="screen4x3"/>
   <p:notesSz cx="6858000" cy="9144000"/>
@@ -258,7 +261,7 @@
           <a:p>
             <a:fld id="{033E5389-43CE-4475-8AC5-F7A03157C002}" type="datetimeFigureOut">
               <a:rPr lang="en-US" smtClean="0"/>
-              <a:t>9/20/2019</a:t>
+              <a:t>9/23/2019</a:t>
             </a:fld>
             <a:endParaRPr lang="en-US"/>
           </a:p>
@@ -428,7 +431,7 @@
           <a:p>
             <a:fld id="{033E5389-43CE-4475-8AC5-F7A03157C002}" type="datetimeFigureOut">
               <a:rPr lang="en-US" smtClean="0"/>
-              <a:t>9/20/2019</a:t>
+              <a:t>9/23/2019</a:t>
             </a:fld>
             <a:endParaRPr lang="en-US"/>
           </a:p>
@@ -608,7 +611,7 @@
           <a:p>
             <a:fld id="{033E5389-43CE-4475-8AC5-F7A03157C002}" type="datetimeFigureOut">
               <a:rPr lang="en-US" smtClean="0"/>
-              <a:t>9/20/2019</a:t>
+              <a:t>9/23/2019</a:t>
             </a:fld>
             <a:endParaRPr lang="en-US"/>
           </a:p>
@@ -778,7 +781,7 @@
           <a:p>
             <a:fld id="{033E5389-43CE-4475-8AC5-F7A03157C002}" type="datetimeFigureOut">
               <a:rPr lang="en-US" smtClean="0"/>
-              <a:t>9/20/2019</a:t>
+              <a:t>9/23/2019</a:t>
             </a:fld>
             <a:endParaRPr lang="en-US"/>
           </a:p>
@@ -1022,7 +1025,7 @@
           <a:p>
             <a:fld id="{033E5389-43CE-4475-8AC5-F7A03157C002}" type="datetimeFigureOut">
               <a:rPr lang="en-US" smtClean="0"/>
-              <a:t>9/20/2019</a:t>
+              <a:t>9/23/2019</a:t>
             </a:fld>
             <a:endParaRPr lang="en-US"/>
           </a:p>
@@ -1254,7 +1257,7 @@
           <a:p>
             <a:fld id="{033E5389-43CE-4475-8AC5-F7A03157C002}" type="datetimeFigureOut">
               <a:rPr lang="en-US" smtClean="0"/>
-              <a:t>9/20/2019</a:t>
+              <a:t>9/23/2019</a:t>
             </a:fld>
             <a:endParaRPr lang="en-US"/>
           </a:p>
@@ -1621,7 +1624,7 @@
           <a:p>
             <a:fld id="{033E5389-43CE-4475-8AC5-F7A03157C002}" type="datetimeFigureOut">
               <a:rPr lang="en-US" smtClean="0"/>
-              <a:t>9/20/2019</a:t>
+              <a:t>9/23/2019</a:t>
             </a:fld>
             <a:endParaRPr lang="en-US"/>
           </a:p>
@@ -1739,7 +1742,7 @@
           <a:p>
             <a:fld id="{033E5389-43CE-4475-8AC5-F7A03157C002}" type="datetimeFigureOut">
               <a:rPr lang="en-US" smtClean="0"/>
-              <a:t>9/20/2019</a:t>
+              <a:t>9/23/2019</a:t>
             </a:fld>
             <a:endParaRPr lang="en-US"/>
           </a:p>
@@ -1834,7 +1837,7 @@
           <a:p>
             <a:fld id="{033E5389-43CE-4475-8AC5-F7A03157C002}" type="datetimeFigureOut">
               <a:rPr lang="en-US" smtClean="0"/>
-              <a:t>9/20/2019</a:t>
+              <a:t>9/23/2019</a:t>
             </a:fld>
             <a:endParaRPr lang="en-US"/>
           </a:p>
@@ -2111,7 +2114,7 @@
           <a:p>
             <a:fld id="{033E5389-43CE-4475-8AC5-F7A03157C002}" type="datetimeFigureOut">
               <a:rPr lang="en-US" smtClean="0"/>
-              <a:t>9/20/2019</a:t>
+              <a:t>9/23/2019</a:t>
             </a:fld>
             <a:endParaRPr lang="en-US"/>
           </a:p>
@@ -2368,7 +2371,7 @@
           <a:p>
             <a:fld id="{033E5389-43CE-4475-8AC5-F7A03157C002}" type="datetimeFigureOut">
               <a:rPr lang="en-US" smtClean="0"/>
-              <a:t>9/20/2019</a:t>
+              <a:t>9/23/2019</a:t>
             </a:fld>
             <a:endParaRPr lang="en-US"/>
           </a:p>
@@ -2581,7 +2584,7 @@
           <a:p>
             <a:fld id="{033E5389-43CE-4475-8AC5-F7A03157C002}" type="datetimeFigureOut">
               <a:rPr lang="en-US" smtClean="0"/>
-              <a:t>9/20/2019</a:t>
+              <a:t>9/23/2019</a:t>
             </a:fld>
             <a:endParaRPr lang="en-US"/>
           </a:p>
@@ -4138,7 +4141,7 @@
           <a:p>
             <a:r>
               <a:rPr lang="en-CA" dirty="0" smtClean="0"/>
-              <a:t>End of Lesson B.3</a:t>
+              <a:t>Student Questions</a:t>
             </a:r>
             <a:endParaRPr lang="en-US" dirty="0"/>
           </a:p>
@@ -4159,14 +4162,18 @@
           <a:bodyPr/>
           <a:lstStyle/>
           <a:p>
-            <a:endParaRPr lang="en-US"/>
+            <a:r>
+              <a:rPr lang="en-CA" dirty="0" smtClean="0"/>
+              <a:t>Notes and Template Code</a:t>
+            </a:r>
+            <a:endParaRPr lang="en-US" dirty="0"/>
           </a:p>
         </p:txBody>
       </p:sp>
     </p:spTree>
     <p:extLst>
       <p:ext uri="{BB962C8B-B14F-4D97-AF65-F5344CB8AC3E}">
-        <p14:creationId xmlns:p14="http://schemas.microsoft.com/office/powerpoint/2010/main" val="2375883348"/>
+        <p14:creationId xmlns:p14="http://schemas.microsoft.com/office/powerpoint/2010/main" val="141571009"/>
       </p:ext>
     </p:extLst>
   </p:cSld>
@@ -4195,7 +4202,7 @@
       </p:grpSpPr>
       <p:sp>
         <p:nvSpPr>
-          <p:cNvPr id="2" name="Title 1"/>
+          <p:cNvPr id="4" name="Title 3"/>
           <p:cNvSpPr>
             <a:spLocks noGrp="1"/>
           </p:cNvSpPr>
@@ -4210,7 +4217,7 @@
           <a:p>
             <a:r>
               <a:rPr lang="en-CA" dirty="0" smtClean="0"/>
-              <a:t>Use Of Comments For Debugging</a:t>
+              <a:t>Generating A Random Number</a:t>
             </a:r>
             <a:endParaRPr lang="en-US" dirty="0"/>
           </a:p>
@@ -4218,7 +4225,7 @@
       </p:sp>
       <p:sp>
         <p:nvSpPr>
-          <p:cNvPr id="3" name="Content Placeholder 2"/>
+          <p:cNvPr id="5" name="Content Placeholder 4"/>
           <p:cNvSpPr>
             <a:spLocks noGrp="1"/>
           </p:cNvSpPr>
@@ -4231,14 +4238,131 @@
           <a:bodyPr/>
           <a:lstStyle/>
           <a:p>
-            <a:endParaRPr lang="en-US"/>
+            <a:pPr marL="0" indent="0">
+              <a:buNone/>
+            </a:pPr>
+            <a:r>
+              <a:rPr lang="en-US" sz="2000" dirty="0"/>
+              <a:t># This code generates a random number between 0 to 9</a:t>
+            </a:r>
+          </a:p>
+          <a:p>
+            <a:pPr marL="0" indent="0">
+              <a:buNone/>
+            </a:pPr>
+            <a:r>
+              <a:rPr lang="en-US" sz="2000" dirty="0"/>
+              <a:t># Stores the value of the random number in the variable "</a:t>
+            </a:r>
+            <a:r>
+              <a:rPr lang="en-US" sz="2000" dirty="0" err="1"/>
+              <a:t>targetNumber</a:t>
+            </a:r>
+            <a:r>
+              <a:rPr lang="en-US" sz="2000" dirty="0"/>
+              <a:t>"</a:t>
+            </a:r>
+          </a:p>
+          <a:p>
+            <a:pPr marL="0" indent="0">
+              <a:buNone/>
+            </a:pPr>
+            <a:r>
+              <a:rPr lang="en-US" sz="2000" dirty="0"/>
+              <a:t># Then prints out the result</a:t>
+            </a:r>
+          </a:p>
+          <a:p>
+            <a:pPr marL="0" indent="0">
+              <a:buNone/>
+            </a:pPr>
+            <a:r>
+              <a:rPr lang="en-US" sz="2000" dirty="0">
+                <a:solidFill>
+                  <a:srgbClr val="0070C0"/>
+                </a:solidFill>
+              </a:rPr>
+              <a:t>import random</a:t>
+            </a:r>
+          </a:p>
+          <a:p>
+            <a:pPr marL="0" indent="0">
+              <a:buNone/>
+            </a:pPr>
+            <a:r>
+              <a:rPr lang="en-US" sz="2000" dirty="0" err="1">
+                <a:solidFill>
+                  <a:srgbClr val="0070C0"/>
+                </a:solidFill>
+              </a:rPr>
+              <a:t>targetNumber</a:t>
+            </a:r>
+            <a:r>
+              <a:rPr lang="en-US" sz="2000" dirty="0">
+                <a:solidFill>
+                  <a:srgbClr val="0070C0"/>
+                </a:solidFill>
+              </a:rPr>
+              <a:t> = </a:t>
+            </a:r>
+            <a:r>
+              <a:rPr lang="en-US" sz="2000" dirty="0" err="1">
+                <a:solidFill>
+                  <a:srgbClr val="0070C0"/>
+                </a:solidFill>
+              </a:rPr>
+              <a:t>random.randint</a:t>
+            </a:r>
+            <a:r>
+              <a:rPr lang="en-US" sz="2000" dirty="0">
+                <a:solidFill>
+                  <a:srgbClr val="0070C0"/>
+                </a:solidFill>
+              </a:rPr>
+              <a:t>(0,9)</a:t>
+            </a:r>
+          </a:p>
+          <a:p>
+            <a:pPr marL="0" indent="0">
+              <a:buNone/>
+            </a:pPr>
+            <a:r>
+              <a:rPr lang="en-US" sz="2000" dirty="0">
+                <a:solidFill>
+                  <a:srgbClr val="0070C0"/>
+                </a:solidFill>
+              </a:rPr>
+              <a:t>print("The random number %d is the target." % </a:t>
+            </a:r>
+            <a:r>
+              <a:rPr lang="en-US" sz="2000" dirty="0" err="1">
+                <a:solidFill>
+                  <a:srgbClr val="0070C0"/>
+                </a:solidFill>
+              </a:rPr>
+              <a:t>targetNumber</a:t>
+            </a:r>
+            <a:r>
+              <a:rPr lang="en-US" sz="2000" dirty="0">
+                <a:solidFill>
+                  <a:srgbClr val="0070C0"/>
+                </a:solidFill>
+              </a:rPr>
+              <a:t>)</a:t>
+            </a:r>
+          </a:p>
+          <a:p>
+            <a:pPr marL="0" indent="0">
+              <a:buNone/>
+            </a:pPr>
+            <a:endParaRPr lang="en-US" dirty="0"/>
           </a:p>
         </p:txBody>
       </p:sp>
     </p:spTree>
     <p:extLst>
       <p:ext uri="{BB962C8B-B14F-4D97-AF65-F5344CB8AC3E}">
-        <p14:creationId xmlns:p14="http://schemas.microsoft.com/office/powerpoint/2010/main" val="1307072331"/>
+        <p14:creationId xmlns:p14="http://schemas.microsoft.com/office/powerpoint/2010/main" val="2950073095"/>
       </p:ext>
     </p:extLst>
   </p:cSld>
@@ -4277,40 +4401,135 @@
         </p:nvSpPr>
         <p:spPr/>
         <p:txBody>
-          <a:bodyPr/>
-          <a:lstStyle/>
-          <a:p>
+          <a:bodyPr>
+            <a:normAutofit/>
+          </a:bodyPr>
+          <a:lstStyle/>
+          <a:p>
+            <a:r>
+              <a:rPr lang="en-CA" sz="4000" dirty="0" smtClean="0"/>
+              <a:t>Student Questions – Guessing Game</a:t>
+            </a:r>
+            <a:endParaRPr lang="en-US" sz="4000" dirty="0"/>
+          </a:p>
+        </p:txBody>
+      </p:sp>
+      <p:sp>
+        <p:nvSpPr>
+          <p:cNvPr id="3" name="Content Placeholder 2"/>
+          <p:cNvSpPr>
+            <a:spLocks noGrp="1"/>
+          </p:cNvSpPr>
+          <p:nvPr>
+            <p:ph idx="1"/>
+          </p:nvPr>
+        </p:nvSpPr>
+        <p:spPr/>
+        <p:txBody>
+          <a:bodyPr>
+            <a:normAutofit lnSpcReduction="10000"/>
+          </a:bodyPr>
+          <a:lstStyle/>
+          <a:p>
+            <a:pPr marL="0" indent="0">
+              <a:buNone/>
+            </a:pPr>
             <a:r>
               <a:rPr lang="en-CA" dirty="0" smtClean="0"/>
-              <a:t>Use Of Print For Debugging</a:t>
-            </a:r>
+              <a:t>Create a game to guess a random number</a:t>
+            </a:r>
+          </a:p>
+          <a:p>
+            <a:pPr marL="0" indent="0">
+              <a:buNone/>
+            </a:pPr>
+            <a:r>
+              <a:rPr lang="en-CA" dirty="0"/>
+              <a:t>	</a:t>
+            </a:r>
+            <a:endParaRPr lang="en-CA" dirty="0" smtClean="0"/>
+          </a:p>
+          <a:p>
+            <a:pPr marL="514350" indent="-514350">
+              <a:buFont typeface="+mj-lt"/>
+              <a:buAutoNum type="arabicPeriod"/>
+            </a:pPr>
+            <a:r>
+              <a:rPr lang="en-CA" dirty="0" smtClean="0"/>
+              <a:t>Basic Game</a:t>
+            </a:r>
+          </a:p>
+          <a:p>
+            <a:pPr lvl="1"/>
+            <a:r>
+              <a:rPr lang="en-CA" dirty="0" smtClean="0"/>
+              <a:t>Guess the number </a:t>
+            </a:r>
+          </a:p>
+          <a:p>
+            <a:pPr lvl="1"/>
+            <a:endParaRPr lang="en-CA" dirty="0" smtClean="0"/>
+          </a:p>
+          <a:p>
+            <a:pPr marL="514350" indent="-514350">
+              <a:buFont typeface="+mj-lt"/>
+              <a:buAutoNum type="arabicPeriod"/>
+            </a:pPr>
+            <a:r>
+              <a:rPr lang="en-CA" dirty="0" smtClean="0"/>
+              <a:t>Medium Game</a:t>
+            </a:r>
+          </a:p>
+          <a:p>
+            <a:pPr lvl="1"/>
+            <a:r>
+              <a:rPr lang="en-CA" dirty="0" smtClean="0"/>
+              <a:t>Guess the number with clues</a:t>
+            </a:r>
+          </a:p>
+          <a:p>
+            <a:pPr lvl="1"/>
+            <a:endParaRPr lang="en-CA" dirty="0" smtClean="0"/>
+          </a:p>
+          <a:p>
+            <a:pPr marL="514350" indent="-514350">
+              <a:buFont typeface="+mj-lt"/>
+              <a:buAutoNum type="arabicPeriod"/>
+            </a:pPr>
+            <a:r>
+              <a:rPr lang="en-CA" dirty="0" smtClean="0"/>
+              <a:t>Enhanced Game</a:t>
+            </a:r>
+          </a:p>
+          <a:p>
+            <a:pPr marL="971550" lvl="2" indent="-514350">
+              <a:spcBef>
+                <a:spcPts val="1000"/>
+              </a:spcBef>
+            </a:pPr>
+            <a:r>
+              <a:rPr lang="en-CA" sz="2400" dirty="0"/>
+              <a:t>Guess the number with </a:t>
+            </a:r>
+            <a:r>
+              <a:rPr lang="en-CA" sz="2400" dirty="0" smtClean="0"/>
+              <a:t>clues and Looping</a:t>
+            </a:r>
+            <a:endParaRPr lang="en-CA" sz="2400" dirty="0"/>
+          </a:p>
+          <a:p>
+            <a:pPr marL="514350" indent="-514350">
+              <a:buFont typeface="+mj-lt"/>
+              <a:buAutoNum type="arabicPeriod"/>
+            </a:pPr>
             <a:endParaRPr lang="en-US" dirty="0"/>
-          </a:p>
-        </p:txBody>
-      </p:sp>
-      <p:sp>
-        <p:nvSpPr>
-          <p:cNvPr id="3" name="Content Placeholder 2"/>
-          <p:cNvSpPr>
-            <a:spLocks noGrp="1"/>
-          </p:cNvSpPr>
-          <p:nvPr>
-            <p:ph idx="1"/>
-          </p:nvPr>
-        </p:nvSpPr>
-        <p:spPr/>
-        <p:txBody>
-          <a:bodyPr/>
-          <a:lstStyle/>
-          <a:p>
-            <a:endParaRPr lang="en-US"/>
           </a:p>
         </p:txBody>
       </p:sp>
     </p:spTree>
     <p:extLst>
       <p:ext uri="{BB962C8B-B14F-4D97-AF65-F5344CB8AC3E}">
-        <p14:creationId xmlns:p14="http://schemas.microsoft.com/office/powerpoint/2010/main" val="2969170581"/>
+        <p14:creationId xmlns:p14="http://schemas.microsoft.com/office/powerpoint/2010/main" val="3640000423"/>
       </p:ext>
     </p:extLst>
   </p:cSld>
@@ -4339,6 +4558,222 @@
       </p:grpSpPr>
       <p:sp>
         <p:nvSpPr>
+          <p:cNvPr id="4" name="Title 3"/>
+          <p:cNvSpPr>
+            <a:spLocks noGrp="1"/>
+          </p:cNvSpPr>
+          <p:nvPr>
+            <p:ph type="title"/>
+          </p:nvPr>
+        </p:nvSpPr>
+        <p:spPr/>
+        <p:txBody>
+          <a:bodyPr/>
+          <a:lstStyle/>
+          <a:p>
+            <a:r>
+              <a:rPr lang="en-CA" dirty="0" smtClean="0"/>
+              <a:t>End of Lesson B.3</a:t>
+            </a:r>
+            <a:endParaRPr lang="en-US" dirty="0"/>
+          </a:p>
+        </p:txBody>
+      </p:sp>
+      <p:sp>
+        <p:nvSpPr>
+          <p:cNvPr id="5" name="Text Placeholder 4"/>
+          <p:cNvSpPr>
+            <a:spLocks noGrp="1"/>
+          </p:cNvSpPr>
+          <p:nvPr>
+            <p:ph type="body" idx="1"/>
+          </p:nvPr>
+        </p:nvSpPr>
+        <p:spPr/>
+        <p:txBody>
+          <a:bodyPr/>
+          <a:lstStyle/>
+          <a:p>
+            <a:endParaRPr lang="en-US"/>
+          </a:p>
+        </p:txBody>
+      </p:sp>
+    </p:spTree>
+    <p:extLst>
+      <p:ext uri="{BB962C8B-B14F-4D97-AF65-F5344CB8AC3E}">
+        <p14:creationId xmlns:p14="http://schemas.microsoft.com/office/powerpoint/2010/main" val="2375883348"/>
+      </p:ext>
+    </p:extLst>
+  </p:cSld>
+  <p:clrMapOvr>
+    <a:masterClrMapping/>
+  </p:clrMapOvr>
+</p:sld>
+</file>
+
+<file path=ppt/slides/slide16.xml><?xml version="1.0" encoding="utf-8"?>
+<p:sld xmlns:a="http://schemas.openxmlformats.org/drawingml/2006/main" xmlns:r="http://schemas.openxmlformats.org/officeDocument/2006/relationships" xmlns:p="http://schemas.openxmlformats.org/presentationml/2006/main">
+  <p:cSld>
+    <p:spTree>
+      <p:nvGrpSpPr>
+        <p:cNvPr id="1" name=""/>
+        <p:cNvGrpSpPr/>
+        <p:nvPr/>
+      </p:nvGrpSpPr>
+      <p:grpSpPr>
+        <a:xfrm>
+          <a:off x="0" y="0"/>
+          <a:ext cx="0" cy="0"/>
+          <a:chOff x="0" y="0"/>
+          <a:chExt cx="0" cy="0"/>
+        </a:xfrm>
+      </p:grpSpPr>
+      <p:sp>
+        <p:nvSpPr>
+          <p:cNvPr id="2" name="Title 1"/>
+          <p:cNvSpPr>
+            <a:spLocks noGrp="1"/>
+          </p:cNvSpPr>
+          <p:nvPr>
+            <p:ph type="title"/>
+          </p:nvPr>
+        </p:nvSpPr>
+        <p:spPr/>
+        <p:txBody>
+          <a:bodyPr/>
+          <a:lstStyle/>
+          <a:p>
+            <a:r>
+              <a:rPr lang="en-CA" dirty="0" smtClean="0"/>
+              <a:t>Use Of Comments For Debugging</a:t>
+            </a:r>
+            <a:endParaRPr lang="en-US" dirty="0"/>
+          </a:p>
+        </p:txBody>
+      </p:sp>
+      <p:sp>
+        <p:nvSpPr>
+          <p:cNvPr id="3" name="Content Placeholder 2"/>
+          <p:cNvSpPr>
+            <a:spLocks noGrp="1"/>
+          </p:cNvSpPr>
+          <p:nvPr>
+            <p:ph idx="1"/>
+          </p:nvPr>
+        </p:nvSpPr>
+        <p:spPr/>
+        <p:txBody>
+          <a:bodyPr/>
+          <a:lstStyle/>
+          <a:p>
+            <a:endParaRPr lang="en-US"/>
+          </a:p>
+        </p:txBody>
+      </p:sp>
+    </p:spTree>
+    <p:extLst>
+      <p:ext uri="{BB962C8B-B14F-4D97-AF65-F5344CB8AC3E}">
+        <p14:creationId xmlns:p14="http://schemas.microsoft.com/office/powerpoint/2010/main" val="1307072331"/>
+      </p:ext>
+    </p:extLst>
+  </p:cSld>
+  <p:clrMapOvr>
+    <a:masterClrMapping/>
+  </p:clrMapOvr>
+</p:sld>
+</file>
+
+<file path=ppt/slides/slide17.xml><?xml version="1.0" encoding="utf-8"?>
+<p:sld xmlns:a="http://schemas.openxmlformats.org/drawingml/2006/main" xmlns:r="http://schemas.openxmlformats.org/officeDocument/2006/relationships" xmlns:p="http://schemas.openxmlformats.org/presentationml/2006/main">
+  <p:cSld>
+    <p:spTree>
+      <p:nvGrpSpPr>
+        <p:cNvPr id="1" name=""/>
+        <p:cNvGrpSpPr/>
+        <p:nvPr/>
+      </p:nvGrpSpPr>
+      <p:grpSpPr>
+        <a:xfrm>
+          <a:off x="0" y="0"/>
+          <a:ext cx="0" cy="0"/>
+          <a:chOff x="0" y="0"/>
+          <a:chExt cx="0" cy="0"/>
+        </a:xfrm>
+      </p:grpSpPr>
+      <p:sp>
+        <p:nvSpPr>
+          <p:cNvPr id="2" name="Title 1"/>
+          <p:cNvSpPr>
+            <a:spLocks noGrp="1"/>
+          </p:cNvSpPr>
+          <p:nvPr>
+            <p:ph type="title"/>
+          </p:nvPr>
+        </p:nvSpPr>
+        <p:spPr/>
+        <p:txBody>
+          <a:bodyPr/>
+          <a:lstStyle/>
+          <a:p>
+            <a:r>
+              <a:rPr lang="en-CA" dirty="0" smtClean="0"/>
+              <a:t>Use Of Print For Debugging</a:t>
+            </a:r>
+            <a:endParaRPr lang="en-US" dirty="0"/>
+          </a:p>
+        </p:txBody>
+      </p:sp>
+      <p:sp>
+        <p:nvSpPr>
+          <p:cNvPr id="3" name="Content Placeholder 2"/>
+          <p:cNvSpPr>
+            <a:spLocks noGrp="1"/>
+          </p:cNvSpPr>
+          <p:nvPr>
+            <p:ph idx="1"/>
+          </p:nvPr>
+        </p:nvSpPr>
+        <p:spPr/>
+        <p:txBody>
+          <a:bodyPr/>
+          <a:lstStyle/>
+          <a:p>
+            <a:endParaRPr lang="en-US"/>
+          </a:p>
+        </p:txBody>
+      </p:sp>
+    </p:spTree>
+    <p:extLst>
+      <p:ext uri="{BB962C8B-B14F-4D97-AF65-F5344CB8AC3E}">
+        <p14:creationId xmlns:p14="http://schemas.microsoft.com/office/powerpoint/2010/main" val="2969170581"/>
+      </p:ext>
+    </p:extLst>
+  </p:cSld>
+  <p:clrMapOvr>
+    <a:masterClrMapping/>
+  </p:clrMapOvr>
+</p:sld>
+</file>
+
+<file path=ppt/slides/slide18.xml><?xml version="1.0" encoding="utf-8"?>
+<p:sld xmlns:a="http://schemas.openxmlformats.org/drawingml/2006/main" xmlns:r="http://schemas.openxmlformats.org/officeDocument/2006/relationships" xmlns:p="http://schemas.openxmlformats.org/presentationml/2006/main">
+  <p:cSld>
+    <p:spTree>
+      <p:nvGrpSpPr>
+        <p:cNvPr id="1" name=""/>
+        <p:cNvGrpSpPr/>
+        <p:nvPr/>
+      </p:nvGrpSpPr>
+      <p:grpSpPr>
+        <a:xfrm>
+          <a:off x="0" y="0"/>
+          <a:ext cx="0" cy="0"/>
+          <a:chOff x="0" y="0"/>
+          <a:chExt cx="0" cy="0"/>
+        </a:xfrm>
+      </p:grpSpPr>
+      <p:sp>
+        <p:nvSpPr>
           <p:cNvPr id="2" name="Title 1"/>
           <p:cNvSpPr>
             <a:spLocks noGrp="1"/>
@@ -4392,7 +4827,7 @@
 </p:sld>
 </file>
 
-<file path=ppt/slides/slide16.xml><?xml version="1.0" encoding="utf-8"?>
+<file path=ppt/slides/slide19.xml><?xml version="1.0" encoding="utf-8"?>
 <p:sld xmlns:a="http://schemas.openxmlformats.org/drawingml/2006/main" xmlns:r="http://schemas.openxmlformats.org/officeDocument/2006/relationships" xmlns:p="http://schemas.openxmlformats.org/presentationml/2006/main">
   <p:cSld>
     <p:spTree>
@@ -6597,17 +7032,7 @@
                 <a:latin typeface="Arial" panose="020B0604020202020204" pitchFamily="34" charset="0"/>
                 <a:cs typeface="Arial" panose="020B0604020202020204" pitchFamily="34" charset="0"/>
               </a:rPr>
-              <a:t>print</a:t>
-            </a:r>
-            <a:r>
-              <a:rPr lang="en-CA" sz="1400" dirty="0" smtClean="0">
-                <a:solidFill>
-                  <a:srgbClr val="0070C0"/>
-                </a:solidFill>
-                <a:latin typeface="Arial" panose="020B0604020202020204" pitchFamily="34" charset="0"/>
-                <a:cs typeface="Arial" panose="020B0604020202020204" pitchFamily="34" charset="0"/>
-              </a:rPr>
-              <a:t>("Your computers are ok")</a:t>
+              <a:t>print("Your computers are ok")</a:t>
             </a:r>
           </a:p>
           <a:p>

--- a/Topic B Programming Introduction/B.3 Lesson - Python Control Basics.pptx
+++ b/Topic B Programming Introduction/B.3 Lesson - Python Control Basics.pptx
@@ -3586,6 +3586,13 @@
   <p:clrMapOvr>
     <a:masterClrMapping/>
   </p:clrMapOvr>
+  <p:timing>
+    <p:tnLst>
+      <p:par>
+        <p:cTn id="1" dur="indefinite" restart="never" nodeType="tmRoot"/>
+      </p:par>
+    </p:tnLst>
+  </p:timing>
 </p:sld>
 </file>
 
@@ -3680,8 +3687,36 @@
             <a:pPr lvl="1"/>
             <a:r>
               <a:rPr lang="en-CA" sz="1600" dirty="0" smtClean="0"/>
-              <a:t>The sample program contains an error because the = (assignment) operator was used instead of == (is equal to)</a:t>
-            </a:r>
+              <a:t>The sample program contains an error </a:t>
+            </a:r>
+            <a:r>
+              <a:rPr lang="en-CA" sz="1600" dirty="0" smtClean="0"/>
+              <a:t>in the loop condition. </a:t>
+            </a:r>
+          </a:p>
+          <a:p>
+            <a:pPr lvl="2"/>
+            <a:r>
+              <a:rPr lang="en-CA" sz="1200" dirty="0" smtClean="0"/>
+              <a:t>(Variable </a:t>
+            </a:r>
+            <a:r>
+              <a:rPr lang="en-CA" sz="1200" dirty="0" err="1" smtClean="0"/>
+              <a:t>startCount</a:t>
+            </a:r>
+            <a:r>
+              <a:rPr lang="en-CA" sz="1200" dirty="0" smtClean="0"/>
+              <a:t> is used instead of </a:t>
+            </a:r>
+            <a:r>
+              <a:rPr lang="en-CA" sz="1200" dirty="0" err="1" smtClean="0"/>
+              <a:t>CurrentCount</a:t>
+            </a:r>
+            <a:r>
+              <a:rPr lang="en-CA" sz="1200" dirty="0" smtClean="0"/>
+              <a:t>)</a:t>
+            </a:r>
+            <a:endParaRPr lang="en-CA" sz="1200" dirty="0" smtClean="0"/>
           </a:p>
           <a:p>
             <a:pPr lvl="1"/>
@@ -3731,11 +3766,7 @@
             <a:pPr lvl="1"/>
             <a:r>
               <a:rPr lang="en-CA" sz="1600" dirty="0" smtClean="0"/>
-              <a:t>Error due to poor thinking or design of </a:t>
-            </a:r>
-            <a:r>
-              <a:rPr lang="en-CA" sz="1600" smtClean="0"/>
-              <a:t>your computer code</a:t>
+              <a:t>Error due to poor thinking or design of your computer code</a:t>
             </a:r>
             <a:endParaRPr lang="en-US" sz="1600" dirty="0"/>
           </a:p>
@@ -3927,18 +3958,26 @@
                   <a:srgbClr val="FF0000"/>
                 </a:solidFill>
               </a:rPr>
-              <a:t>while (</a:t>
-            </a:r>
-            <a:r>
-              <a:rPr lang="en-US" sz="1400" dirty="0" err="1">
+              <a:t>while </a:t>
+            </a:r>
+            <a:r>
+              <a:rPr lang="en-US" sz="1400" dirty="0" smtClean="0">
+                <a:solidFill>
+                  <a:srgbClr val="FF0000"/>
+                </a:solidFill>
+              </a:rPr>
+              <a:t>(</a:t>
+            </a:r>
+            <a:r>
+              <a:rPr lang="en-US" sz="1400" dirty="0" err="1" smtClean="0">
                 <a:solidFill>
                   <a:srgbClr val="0070C0"/>
                 </a:solidFill>
               </a:rPr>
-              <a:t>currentCount</a:t>
-            </a:r>
-            <a:r>
-              <a:rPr lang="en-US" sz="1400" dirty="0">
+              <a:t>startCount</a:t>
+            </a:r>
+            <a:r>
+              <a:rPr lang="en-US" sz="1400" dirty="0" smtClean="0">
                 <a:solidFill>
                   <a:srgbClr val="0070C0"/>
                 </a:solidFill>
@@ -3951,7 +3990,7 @@
                   <a:srgbClr val="0070C0"/>
                 </a:solidFill>
               </a:rPr>
-              <a:t>= </a:t>
+              <a:t>&gt;= </a:t>
             </a:r>
             <a:r>
               <a:rPr lang="en-US" sz="1400" dirty="0">
@@ -4104,6 +4143,13 @@
   <p:clrMapOvr>
     <a:masterClrMapping/>
   </p:clrMapOvr>
+  <p:timing>
+    <p:tnLst>
+      <p:par>
+        <p:cTn id="1" dur="indefinite" restart="never" nodeType="tmRoot"/>
+      </p:par>
+    </p:tnLst>
+  </p:timing>
 </p:sld>
 </file>
 
@@ -4180,6 +4226,13 @@
   <p:clrMapOvr>
     <a:masterClrMapping/>
   </p:clrMapOvr>
+  <p:timing>
+    <p:tnLst>
+      <p:par>
+        <p:cTn id="1" dur="indefinite" restart="never" nodeType="tmRoot"/>
+      </p:par>
+    </p:tnLst>
+  </p:timing>
 </p:sld>
 </file>
 
@@ -8432,6 +8485,13 @@
   <p:clrMapOvr>
     <a:masterClrMapping/>
   </p:clrMapOvr>
+  <p:timing>
+    <p:tnLst>
+      <p:par>
+        <p:cTn id="1" dur="indefinite" restart="never" nodeType="tmRoot"/>
+      </p:par>
+    </p:tnLst>
+  </p:timing>
 </p:sld>
 </file>
 
